--- a/budongsan/프레젠테이션1.pptx
+++ b/budongsan/프레젠테이션1.pptx
@@ -6,6 +6,24 @@
   </p:sldMasterIdLst>
   <p:sldIdLst>
     <p:sldId id="256" r:id="rId2"/>
+    <p:sldId id="257" r:id="rId3"/>
+    <p:sldId id="271" r:id="rId4"/>
+    <p:sldId id="259" r:id="rId5"/>
+    <p:sldId id="258" r:id="rId6"/>
+    <p:sldId id="260" r:id="rId7"/>
+    <p:sldId id="261" r:id="rId8"/>
+    <p:sldId id="272" r:id="rId9"/>
+    <p:sldId id="264" r:id="rId10"/>
+    <p:sldId id="262" r:id="rId11"/>
+    <p:sldId id="265" r:id="rId12"/>
+    <p:sldId id="263" r:id="rId13"/>
+    <p:sldId id="266" r:id="rId14"/>
+    <p:sldId id="267" r:id="rId15"/>
+    <p:sldId id="269" r:id="rId16"/>
+    <p:sldId id="270" r:id="rId17"/>
+    <p:sldId id="273" r:id="rId18"/>
+    <p:sldId id="274" r:id="rId19"/>
+    <p:sldId id="268" r:id="rId20"/>
   </p:sldIdLst>
   <p:sldSz cx="12192000" cy="6858000"/>
   <p:notesSz cx="6858000" cy="9144000"/>
@@ -259,7 +277,7 @@
           <a:p>
             <a:fld id="{F9461951-D42A-489C-80F1-7A9460A9A55B}" type="datetimeFigureOut">
               <a:rPr lang="ko-KR" altLang="en-US" smtClean="0"/>
-              <a:t>2023-06-05</a:t>
+              <a:t>2023-08-06</a:t>
             </a:fld>
             <a:endParaRPr lang="ko-KR" altLang="en-US"/>
           </a:p>
@@ -457,7 +475,7 @@
           <a:p>
             <a:fld id="{F9461951-D42A-489C-80F1-7A9460A9A55B}" type="datetimeFigureOut">
               <a:rPr lang="ko-KR" altLang="en-US" smtClean="0"/>
-              <a:t>2023-06-05</a:t>
+              <a:t>2023-08-06</a:t>
             </a:fld>
             <a:endParaRPr lang="ko-KR" altLang="en-US"/>
           </a:p>
@@ -665,7 +683,7 @@
           <a:p>
             <a:fld id="{F9461951-D42A-489C-80F1-7A9460A9A55B}" type="datetimeFigureOut">
               <a:rPr lang="ko-KR" altLang="en-US" smtClean="0"/>
-              <a:t>2023-06-05</a:t>
+              <a:t>2023-08-06</a:t>
             </a:fld>
             <a:endParaRPr lang="ko-KR" altLang="en-US"/>
           </a:p>
@@ -863,7 +881,7 @@
           <a:p>
             <a:fld id="{F9461951-D42A-489C-80F1-7A9460A9A55B}" type="datetimeFigureOut">
               <a:rPr lang="ko-KR" altLang="en-US" smtClean="0"/>
-              <a:t>2023-06-05</a:t>
+              <a:t>2023-08-06</a:t>
             </a:fld>
             <a:endParaRPr lang="ko-KR" altLang="en-US"/>
           </a:p>
@@ -1138,7 +1156,7 @@
           <a:p>
             <a:fld id="{F9461951-D42A-489C-80F1-7A9460A9A55B}" type="datetimeFigureOut">
               <a:rPr lang="ko-KR" altLang="en-US" smtClean="0"/>
-              <a:t>2023-06-05</a:t>
+              <a:t>2023-08-06</a:t>
             </a:fld>
             <a:endParaRPr lang="ko-KR" altLang="en-US"/>
           </a:p>
@@ -1403,7 +1421,7 @@
           <a:p>
             <a:fld id="{F9461951-D42A-489C-80F1-7A9460A9A55B}" type="datetimeFigureOut">
               <a:rPr lang="ko-KR" altLang="en-US" smtClean="0"/>
-              <a:t>2023-06-05</a:t>
+              <a:t>2023-08-06</a:t>
             </a:fld>
             <a:endParaRPr lang="ko-KR" altLang="en-US"/>
           </a:p>
@@ -1815,7 +1833,7 @@
           <a:p>
             <a:fld id="{F9461951-D42A-489C-80F1-7A9460A9A55B}" type="datetimeFigureOut">
               <a:rPr lang="ko-KR" altLang="en-US" smtClean="0"/>
-              <a:t>2023-06-05</a:t>
+              <a:t>2023-08-06</a:t>
             </a:fld>
             <a:endParaRPr lang="ko-KR" altLang="en-US"/>
           </a:p>
@@ -1956,7 +1974,7 @@
           <a:p>
             <a:fld id="{F9461951-D42A-489C-80F1-7A9460A9A55B}" type="datetimeFigureOut">
               <a:rPr lang="ko-KR" altLang="en-US" smtClean="0"/>
-              <a:t>2023-06-05</a:t>
+              <a:t>2023-08-06</a:t>
             </a:fld>
             <a:endParaRPr lang="ko-KR" altLang="en-US"/>
           </a:p>
@@ -2069,7 +2087,7 @@
           <a:p>
             <a:fld id="{F9461951-D42A-489C-80F1-7A9460A9A55B}" type="datetimeFigureOut">
               <a:rPr lang="ko-KR" altLang="en-US" smtClean="0"/>
-              <a:t>2023-06-05</a:t>
+              <a:t>2023-08-06</a:t>
             </a:fld>
             <a:endParaRPr lang="ko-KR" altLang="en-US"/>
           </a:p>
@@ -2380,7 +2398,7 @@
           <a:p>
             <a:fld id="{F9461951-D42A-489C-80F1-7A9460A9A55B}" type="datetimeFigureOut">
               <a:rPr lang="ko-KR" altLang="en-US" smtClean="0"/>
-              <a:t>2023-06-05</a:t>
+              <a:t>2023-08-06</a:t>
             </a:fld>
             <a:endParaRPr lang="ko-KR" altLang="en-US"/>
           </a:p>
@@ -2668,7 +2686,7 @@
           <a:p>
             <a:fld id="{F9461951-D42A-489C-80F1-7A9460A9A55B}" type="datetimeFigureOut">
               <a:rPr lang="ko-KR" altLang="en-US" smtClean="0"/>
-              <a:t>2023-06-05</a:t>
+              <a:t>2023-08-06</a:t>
             </a:fld>
             <a:endParaRPr lang="ko-KR" altLang="en-US"/>
           </a:p>
@@ -2909,7 +2927,7 @@
           <a:p>
             <a:fld id="{F9461951-D42A-489C-80F1-7A9460A9A55B}" type="datetimeFigureOut">
               <a:rPr lang="ko-KR" altLang="en-US" smtClean="0"/>
-              <a:t>2023-06-05</a:t>
+              <a:t>2023-08-06</a:t>
             </a:fld>
             <a:endParaRPr lang="ko-KR" altLang="en-US"/>
           </a:p>
@@ -3507,6 +3525,3222 @@
 </p:sld>
 </file>
 
+<file path=ppt/slides/slide10.xml><?xml version="1.0" encoding="utf-8"?>
+<p:sld xmlns:a="http://schemas.openxmlformats.org/drawingml/2006/main" xmlns:r="http://schemas.openxmlformats.org/officeDocument/2006/relationships" xmlns:p="http://schemas.openxmlformats.org/presentationml/2006/main">
+  <p:cSld>
+    <p:spTree>
+      <p:nvGrpSpPr>
+        <p:cNvPr id="1" name=""/>
+        <p:cNvGrpSpPr/>
+        <p:nvPr/>
+      </p:nvGrpSpPr>
+      <p:grpSpPr>
+        <a:xfrm>
+          <a:off x="0" y="0"/>
+          <a:ext cx="0" cy="0"/>
+          <a:chOff x="0" y="0"/>
+          <a:chExt cx="0" cy="0"/>
+        </a:xfrm>
+      </p:grpSpPr>
+      <p:sp>
+        <p:nvSpPr>
+          <p:cNvPr id="6" name="직사각형 5">
+            <a:extLst>
+              <a:ext uri="{FF2B5EF4-FFF2-40B4-BE49-F238E27FC236}">
+                <a16:creationId xmlns:a16="http://schemas.microsoft.com/office/drawing/2014/main" id="{DC1A7912-836F-AAEC-0436-935FF975D1BF}"/>
+              </a:ext>
+            </a:extLst>
+          </p:cNvPr>
+          <p:cNvSpPr/>
+          <p:nvPr/>
+        </p:nvSpPr>
+        <p:spPr>
+          <a:xfrm>
+            <a:off x="4957202" y="2290202"/>
+            <a:ext cx="2277596" cy="2277596"/>
+          </a:xfrm>
+          <a:prstGeom prst="rect">
+            <a:avLst/>
+          </a:prstGeom>
+          <a:solidFill>
+            <a:schemeClr val="bg1">
+              <a:lumMod val="95000"/>
+            </a:schemeClr>
+          </a:solidFill>
+          <a:ln w="25400">
+            <a:solidFill>
+              <a:srgbClr val="332650"/>
+            </a:solidFill>
+          </a:ln>
+          <a:effectLst/>
+        </p:spPr>
+        <p:style>
+          <a:lnRef idx="2">
+            <a:schemeClr val="accent1">
+              <a:shade val="50000"/>
+            </a:schemeClr>
+          </a:lnRef>
+          <a:fillRef idx="1">
+            <a:schemeClr val="accent1"/>
+          </a:fillRef>
+          <a:effectRef idx="0">
+            <a:schemeClr val="accent1"/>
+          </a:effectRef>
+          <a:fontRef idx="minor">
+            <a:schemeClr val="lt1"/>
+          </a:fontRef>
+        </p:style>
+        <p:txBody>
+          <a:bodyPr rtlCol="0" anchor="ctr"/>
+          <a:lstStyle/>
+          <a:p>
+            <a:pPr algn="ctr"/>
+            <a:endParaRPr lang="ko-KR" altLang="en-US" sz="3200" b="1" dirty="0">
+              <a:solidFill>
+                <a:schemeClr val="tx1"/>
+              </a:solidFill>
+            </a:endParaRPr>
+          </a:p>
+        </p:txBody>
+      </p:sp>
+      <p:pic>
+        <p:nvPicPr>
+          <p:cNvPr id="5" name="그림 4" descr="스크린샷, 그래픽, 디자인이(가) 표시된 사진&#10;&#10;자동 생성된 설명">
+            <a:extLst>
+              <a:ext uri="{FF2B5EF4-FFF2-40B4-BE49-F238E27FC236}">
+                <a16:creationId xmlns:a16="http://schemas.microsoft.com/office/drawing/2014/main" id="{E20A1273-10D6-41F9-DC15-C50A7D10A9F0}"/>
+              </a:ext>
+            </a:extLst>
+          </p:cNvPr>
+          <p:cNvPicPr>
+            <a:picLocks noChangeAspect="1"/>
+          </p:cNvPicPr>
+          <p:nvPr/>
+        </p:nvPicPr>
+        <p:blipFill rotWithShape="1">
+          <a:blip r:embed="rId2">
+            <a:extLst>
+              <a:ext uri="{28A0092B-C50C-407E-A947-70E740481C1C}">
+                <a14:useLocalDpi xmlns:a14="http://schemas.microsoft.com/office/drawing/2010/main" val="0"/>
+              </a:ext>
+            </a:extLst>
+          </a:blip>
+          <a:srcRect l="35767" t="33558" r="35767" b="42181"/>
+          <a:stretch/>
+        </p:blipFill>
+        <p:spPr>
+          <a:xfrm>
+            <a:off x="5257800" y="2735082"/>
+            <a:ext cx="1695450" cy="1444986"/>
+          </a:xfrm>
+          <a:prstGeom prst="rect">
+            <a:avLst/>
+          </a:prstGeom>
+        </p:spPr>
+      </p:pic>
+    </p:spTree>
+    <p:extLst>
+      <p:ext uri="{BB962C8B-B14F-4D97-AF65-F5344CB8AC3E}">
+        <p14:creationId xmlns:p14="http://schemas.microsoft.com/office/powerpoint/2010/main" val="883733271"/>
+      </p:ext>
+    </p:extLst>
+  </p:cSld>
+  <p:clrMapOvr>
+    <a:masterClrMapping/>
+  </p:clrMapOvr>
+</p:sld>
+</file>
+
+<file path=ppt/slides/slide11.xml><?xml version="1.0" encoding="utf-8"?>
+<p:sld xmlns:a="http://schemas.openxmlformats.org/drawingml/2006/main" xmlns:r="http://schemas.openxmlformats.org/officeDocument/2006/relationships" xmlns:p="http://schemas.openxmlformats.org/presentationml/2006/main">
+  <p:cSld>
+    <p:spTree>
+      <p:nvGrpSpPr>
+        <p:cNvPr id="1" name=""/>
+        <p:cNvGrpSpPr/>
+        <p:nvPr/>
+      </p:nvGrpSpPr>
+      <p:grpSpPr>
+        <a:xfrm>
+          <a:off x="0" y="0"/>
+          <a:ext cx="0" cy="0"/>
+          <a:chOff x="0" y="0"/>
+          <a:chExt cx="0" cy="0"/>
+        </a:xfrm>
+      </p:grpSpPr>
+      <p:sp>
+        <p:nvSpPr>
+          <p:cNvPr id="4" name="직사각형 3">
+            <a:extLst>
+              <a:ext uri="{FF2B5EF4-FFF2-40B4-BE49-F238E27FC236}">
+                <a16:creationId xmlns:a16="http://schemas.microsoft.com/office/drawing/2014/main" id="{11580A11-7696-87D7-342E-F1E5CC30684B}"/>
+              </a:ext>
+            </a:extLst>
+          </p:cNvPr>
+          <p:cNvSpPr/>
+          <p:nvPr/>
+        </p:nvSpPr>
+        <p:spPr>
+          <a:xfrm>
+            <a:off x="4957202" y="2290202"/>
+            <a:ext cx="2277596" cy="2277596"/>
+          </a:xfrm>
+          <a:prstGeom prst="rect">
+            <a:avLst/>
+          </a:prstGeom>
+          <a:solidFill>
+            <a:schemeClr val="bg1">
+              <a:lumMod val="95000"/>
+            </a:schemeClr>
+          </a:solidFill>
+          <a:ln w="25400">
+            <a:solidFill>
+              <a:srgbClr val="000000"/>
+            </a:solidFill>
+          </a:ln>
+          <a:effectLst/>
+        </p:spPr>
+        <p:style>
+          <a:lnRef idx="2">
+            <a:schemeClr val="accent1">
+              <a:shade val="50000"/>
+            </a:schemeClr>
+          </a:lnRef>
+          <a:fillRef idx="1">
+            <a:schemeClr val="accent1"/>
+          </a:fillRef>
+          <a:effectRef idx="0">
+            <a:schemeClr val="accent1"/>
+          </a:effectRef>
+          <a:fontRef idx="minor">
+            <a:schemeClr val="lt1"/>
+          </a:fontRef>
+        </p:style>
+        <p:txBody>
+          <a:bodyPr rtlCol="0" anchor="ctr"/>
+          <a:lstStyle/>
+          <a:p>
+            <a:pPr algn="ctr"/>
+            <a:endParaRPr lang="ko-KR" altLang="en-US" sz="3200" b="1" dirty="0">
+              <a:solidFill>
+                <a:schemeClr val="tx1"/>
+              </a:solidFill>
+            </a:endParaRPr>
+          </a:p>
+        </p:txBody>
+      </p:sp>
+      <p:pic>
+        <p:nvPicPr>
+          <p:cNvPr id="5" name="그림 4" descr="블랙, 어둠이(가) 표시된 사진&#10;&#10;자동 생성된 설명">
+            <a:extLst>
+              <a:ext uri="{FF2B5EF4-FFF2-40B4-BE49-F238E27FC236}">
+                <a16:creationId xmlns:a16="http://schemas.microsoft.com/office/drawing/2014/main" id="{EB060447-3DCE-86D0-98A3-48B87418C7BB}"/>
+              </a:ext>
+            </a:extLst>
+          </p:cNvPr>
+          <p:cNvPicPr>
+            <a:picLocks noChangeAspect="1"/>
+          </p:cNvPicPr>
+          <p:nvPr/>
+        </p:nvPicPr>
+        <p:blipFill>
+          <a:blip r:embed="rId2">
+            <a:extLst>
+              <a:ext uri="{28A0092B-C50C-407E-A947-70E740481C1C}">
+                <a14:useLocalDpi xmlns:a14="http://schemas.microsoft.com/office/drawing/2010/main" val="0"/>
+              </a:ext>
+            </a:extLst>
+          </a:blip>
+          <a:stretch>
+            <a:fillRect/>
+          </a:stretch>
+        </p:blipFill>
+        <p:spPr>
+          <a:xfrm>
+            <a:off x="5476874" y="2670905"/>
+            <a:ext cx="1238252" cy="1554290"/>
+          </a:xfrm>
+          <a:prstGeom prst="rect">
+            <a:avLst/>
+          </a:prstGeom>
+        </p:spPr>
+      </p:pic>
+    </p:spTree>
+    <p:extLst>
+      <p:ext uri="{BB962C8B-B14F-4D97-AF65-F5344CB8AC3E}">
+        <p14:creationId xmlns:p14="http://schemas.microsoft.com/office/powerpoint/2010/main" val="4022702016"/>
+      </p:ext>
+    </p:extLst>
+  </p:cSld>
+  <p:clrMapOvr>
+    <a:masterClrMapping/>
+  </p:clrMapOvr>
+</p:sld>
+</file>
+
+<file path=ppt/slides/slide12.xml><?xml version="1.0" encoding="utf-8"?>
+<p:sld xmlns:a="http://schemas.openxmlformats.org/drawingml/2006/main" xmlns:r="http://schemas.openxmlformats.org/officeDocument/2006/relationships" xmlns:p="http://schemas.openxmlformats.org/presentationml/2006/main">
+  <p:cSld>
+    <p:spTree>
+      <p:nvGrpSpPr>
+        <p:cNvPr id="1" name=""/>
+        <p:cNvGrpSpPr/>
+        <p:nvPr/>
+      </p:nvGrpSpPr>
+      <p:grpSpPr>
+        <a:xfrm>
+          <a:off x="0" y="0"/>
+          <a:ext cx="0" cy="0"/>
+          <a:chOff x="0" y="0"/>
+          <a:chExt cx="0" cy="0"/>
+        </a:xfrm>
+      </p:grpSpPr>
+      <p:sp>
+        <p:nvSpPr>
+          <p:cNvPr id="2" name="직사각형 1">
+            <a:extLst>
+              <a:ext uri="{FF2B5EF4-FFF2-40B4-BE49-F238E27FC236}">
+                <a16:creationId xmlns:a16="http://schemas.microsoft.com/office/drawing/2014/main" id="{E2102D9D-A1CE-3BC2-BC22-A89D914D5446}"/>
+              </a:ext>
+            </a:extLst>
+          </p:cNvPr>
+          <p:cNvSpPr/>
+          <p:nvPr/>
+        </p:nvSpPr>
+        <p:spPr>
+          <a:xfrm>
+            <a:off x="4957202" y="2290202"/>
+            <a:ext cx="2277596" cy="2277596"/>
+          </a:xfrm>
+          <a:prstGeom prst="rect">
+            <a:avLst/>
+          </a:prstGeom>
+          <a:solidFill>
+            <a:schemeClr val="bg1">
+              <a:lumMod val="95000"/>
+            </a:schemeClr>
+          </a:solidFill>
+          <a:ln w="25400">
+            <a:solidFill>
+              <a:srgbClr val="202632"/>
+            </a:solidFill>
+          </a:ln>
+          <a:effectLst/>
+        </p:spPr>
+        <p:style>
+          <a:lnRef idx="2">
+            <a:schemeClr val="accent1">
+              <a:shade val="50000"/>
+            </a:schemeClr>
+          </a:lnRef>
+          <a:fillRef idx="1">
+            <a:schemeClr val="accent1"/>
+          </a:fillRef>
+          <a:effectRef idx="0">
+            <a:schemeClr val="accent1"/>
+          </a:effectRef>
+          <a:fontRef idx="minor">
+            <a:schemeClr val="lt1"/>
+          </a:fontRef>
+        </p:style>
+        <p:txBody>
+          <a:bodyPr rtlCol="0" anchor="ctr"/>
+          <a:lstStyle/>
+          <a:p>
+            <a:pPr algn="ctr"/>
+            <a:endParaRPr lang="ko-KR" altLang="en-US" sz="3200" b="1" dirty="0">
+              <a:solidFill>
+                <a:schemeClr val="tx1"/>
+              </a:solidFill>
+            </a:endParaRPr>
+          </a:p>
+        </p:txBody>
+      </p:sp>
+      <p:pic>
+        <p:nvPicPr>
+          <p:cNvPr id="4" name="그림 3" descr="그래픽, 로고, 그래픽 디자인, 스크린샷이(가) 표시된 사진&#10;&#10;자동 생성된 설명">
+            <a:extLst>
+              <a:ext uri="{FF2B5EF4-FFF2-40B4-BE49-F238E27FC236}">
+                <a16:creationId xmlns:a16="http://schemas.microsoft.com/office/drawing/2014/main" id="{501E5604-7A7A-CE58-007E-052D159D9735}"/>
+              </a:ext>
+            </a:extLst>
+          </p:cNvPr>
+          <p:cNvPicPr>
+            <a:picLocks noChangeAspect="1"/>
+          </p:cNvPicPr>
+          <p:nvPr/>
+        </p:nvPicPr>
+        <p:blipFill rotWithShape="1">
+          <a:blip r:embed="rId2">
+            <a:extLst>
+              <a:ext uri="{28A0092B-C50C-407E-A947-70E740481C1C}">
+                <a14:useLocalDpi xmlns:a14="http://schemas.microsoft.com/office/drawing/2010/main" val="0"/>
+              </a:ext>
+            </a:extLst>
+          </a:blip>
+          <a:srcRect l="19412" t="31318" r="19485" b="31318"/>
+          <a:stretch/>
+        </p:blipFill>
+        <p:spPr>
+          <a:xfrm>
+            <a:off x="5170394" y="3146013"/>
+            <a:ext cx="1851212" cy="565973"/>
+          </a:xfrm>
+          <a:prstGeom prst="rect">
+            <a:avLst/>
+          </a:prstGeom>
+        </p:spPr>
+      </p:pic>
+    </p:spTree>
+    <p:extLst>
+      <p:ext uri="{BB962C8B-B14F-4D97-AF65-F5344CB8AC3E}">
+        <p14:creationId xmlns:p14="http://schemas.microsoft.com/office/powerpoint/2010/main" val="2847043034"/>
+      </p:ext>
+    </p:extLst>
+  </p:cSld>
+  <p:clrMapOvr>
+    <a:masterClrMapping/>
+  </p:clrMapOvr>
+</p:sld>
+</file>
+
+<file path=ppt/slides/slide13.xml><?xml version="1.0" encoding="utf-8"?>
+<p:sld xmlns:a="http://schemas.openxmlformats.org/drawingml/2006/main" xmlns:r="http://schemas.openxmlformats.org/officeDocument/2006/relationships" xmlns:p="http://schemas.openxmlformats.org/presentationml/2006/main">
+  <p:cSld>
+    <p:spTree>
+      <p:nvGrpSpPr>
+        <p:cNvPr id="1" name=""/>
+        <p:cNvGrpSpPr/>
+        <p:nvPr/>
+      </p:nvGrpSpPr>
+      <p:grpSpPr>
+        <a:xfrm>
+          <a:off x="0" y="0"/>
+          <a:ext cx="0" cy="0"/>
+          <a:chOff x="0" y="0"/>
+          <a:chExt cx="0" cy="0"/>
+        </a:xfrm>
+      </p:grpSpPr>
+      <p:sp>
+        <p:nvSpPr>
+          <p:cNvPr id="4" name="직사각형 3">
+            <a:extLst>
+              <a:ext uri="{FF2B5EF4-FFF2-40B4-BE49-F238E27FC236}">
+                <a16:creationId xmlns:a16="http://schemas.microsoft.com/office/drawing/2014/main" id="{22799BD7-A25C-A456-444D-97F23730D2E8}"/>
+              </a:ext>
+            </a:extLst>
+          </p:cNvPr>
+          <p:cNvSpPr/>
+          <p:nvPr/>
+        </p:nvSpPr>
+        <p:spPr>
+          <a:xfrm>
+            <a:off x="4957202" y="2290202"/>
+            <a:ext cx="2277596" cy="2277596"/>
+          </a:xfrm>
+          <a:prstGeom prst="rect">
+            <a:avLst/>
+          </a:prstGeom>
+          <a:solidFill>
+            <a:schemeClr val="bg1">
+              <a:lumMod val="95000"/>
+            </a:schemeClr>
+          </a:solidFill>
+          <a:ln w="25400">
+            <a:solidFill>
+              <a:srgbClr val="00CDF5"/>
+            </a:solidFill>
+          </a:ln>
+          <a:effectLst/>
+        </p:spPr>
+        <p:style>
+          <a:lnRef idx="2">
+            <a:schemeClr val="accent1">
+              <a:shade val="50000"/>
+            </a:schemeClr>
+          </a:lnRef>
+          <a:fillRef idx="1">
+            <a:schemeClr val="accent1"/>
+          </a:fillRef>
+          <a:effectRef idx="0">
+            <a:schemeClr val="accent1"/>
+          </a:effectRef>
+          <a:fontRef idx="minor">
+            <a:schemeClr val="lt1"/>
+          </a:fontRef>
+        </p:style>
+        <p:txBody>
+          <a:bodyPr rtlCol="0" anchor="ctr"/>
+          <a:lstStyle/>
+          <a:p>
+            <a:pPr algn="ctr"/>
+            <a:endParaRPr lang="ko-KR" altLang="en-US" sz="3200" b="1" dirty="0">
+              <a:solidFill>
+                <a:schemeClr val="tx1"/>
+              </a:solidFill>
+            </a:endParaRPr>
+          </a:p>
+        </p:txBody>
+      </p:sp>
+      <p:pic>
+        <p:nvPicPr>
+          <p:cNvPr id="6" name="그림 5" descr="그래픽, 폰트, 로고, 그래픽 디자인이(가) 표시된 사진&#10;&#10;자동 생성된 설명">
+            <a:extLst>
+              <a:ext uri="{FF2B5EF4-FFF2-40B4-BE49-F238E27FC236}">
+                <a16:creationId xmlns:a16="http://schemas.microsoft.com/office/drawing/2014/main" id="{6F1883D2-E26A-372C-2021-0E76B775218A}"/>
+              </a:ext>
+            </a:extLst>
+          </p:cNvPr>
+          <p:cNvPicPr>
+            <a:picLocks noChangeAspect="1"/>
+          </p:cNvPicPr>
+          <p:nvPr/>
+        </p:nvPicPr>
+        <p:blipFill>
+          <a:blip r:embed="rId2">
+            <a:extLst>
+              <a:ext uri="{28A0092B-C50C-407E-A947-70E740481C1C}">
+                <a14:useLocalDpi xmlns:a14="http://schemas.microsoft.com/office/drawing/2010/main" val="0"/>
+              </a:ext>
+            </a:extLst>
+          </a:blip>
+          <a:stretch>
+            <a:fillRect/>
+          </a:stretch>
+        </p:blipFill>
+        <p:spPr>
+          <a:xfrm>
+            <a:off x="5058071" y="2372021"/>
+            <a:ext cx="2094908" cy="2094908"/>
+          </a:xfrm>
+          <a:prstGeom prst="rect">
+            <a:avLst/>
+          </a:prstGeom>
+        </p:spPr>
+      </p:pic>
+    </p:spTree>
+    <p:extLst>
+      <p:ext uri="{BB962C8B-B14F-4D97-AF65-F5344CB8AC3E}">
+        <p14:creationId xmlns:p14="http://schemas.microsoft.com/office/powerpoint/2010/main" val="1257996129"/>
+      </p:ext>
+    </p:extLst>
+  </p:cSld>
+  <p:clrMapOvr>
+    <a:masterClrMapping/>
+  </p:clrMapOvr>
+</p:sld>
+</file>
+
+<file path=ppt/slides/slide14.xml><?xml version="1.0" encoding="utf-8"?>
+<p:sld xmlns:a="http://schemas.openxmlformats.org/drawingml/2006/main" xmlns:r="http://schemas.openxmlformats.org/officeDocument/2006/relationships" xmlns:p="http://schemas.openxmlformats.org/presentationml/2006/main">
+  <p:cSld>
+    <p:spTree>
+      <p:nvGrpSpPr>
+        <p:cNvPr id="1" name=""/>
+        <p:cNvGrpSpPr/>
+        <p:nvPr/>
+      </p:nvGrpSpPr>
+      <p:grpSpPr>
+        <a:xfrm>
+          <a:off x="0" y="0"/>
+          <a:ext cx="0" cy="0"/>
+          <a:chOff x="0" y="0"/>
+          <a:chExt cx="0" cy="0"/>
+        </a:xfrm>
+      </p:grpSpPr>
+      <p:sp>
+        <p:nvSpPr>
+          <p:cNvPr id="4" name="직사각형 3">
+            <a:extLst>
+              <a:ext uri="{FF2B5EF4-FFF2-40B4-BE49-F238E27FC236}">
+                <a16:creationId xmlns:a16="http://schemas.microsoft.com/office/drawing/2014/main" id="{FE372801-5C2F-9770-4CD9-E3D29223918F}"/>
+              </a:ext>
+            </a:extLst>
+          </p:cNvPr>
+          <p:cNvSpPr/>
+          <p:nvPr/>
+        </p:nvSpPr>
+        <p:spPr>
+          <a:xfrm>
+            <a:off x="4957202" y="2290202"/>
+            <a:ext cx="2277596" cy="2277596"/>
+          </a:xfrm>
+          <a:prstGeom prst="rect">
+            <a:avLst/>
+          </a:prstGeom>
+          <a:solidFill>
+            <a:schemeClr val="bg1">
+              <a:lumMod val="95000"/>
+            </a:schemeClr>
+          </a:solidFill>
+          <a:ln w="25400">
+            <a:solidFill>
+              <a:srgbClr val="4280EF"/>
+            </a:solidFill>
+          </a:ln>
+          <a:effectLst/>
+        </p:spPr>
+        <p:style>
+          <a:lnRef idx="2">
+            <a:schemeClr val="accent1">
+              <a:shade val="50000"/>
+            </a:schemeClr>
+          </a:lnRef>
+          <a:fillRef idx="1">
+            <a:schemeClr val="accent1"/>
+          </a:fillRef>
+          <a:effectRef idx="0">
+            <a:schemeClr val="accent1"/>
+          </a:effectRef>
+          <a:fontRef idx="minor">
+            <a:schemeClr val="lt1"/>
+          </a:fontRef>
+        </p:style>
+        <p:txBody>
+          <a:bodyPr rtlCol="0" anchor="ctr"/>
+          <a:lstStyle/>
+          <a:p>
+            <a:pPr algn="ctr"/>
+            <a:endParaRPr lang="ko-KR" altLang="en-US" sz="3200" b="1" dirty="0">
+              <a:solidFill>
+                <a:schemeClr val="tx1"/>
+              </a:solidFill>
+            </a:endParaRPr>
+          </a:p>
+        </p:txBody>
+      </p:sp>
+      <p:pic>
+        <p:nvPicPr>
+          <p:cNvPr id="8" name="그림 7" descr="다채로움, 그래픽, 원, 창의성이(가) 표시된 사진&#10;&#10;자동 생성된 설명">
+            <a:extLst>
+              <a:ext uri="{FF2B5EF4-FFF2-40B4-BE49-F238E27FC236}">
+                <a16:creationId xmlns:a16="http://schemas.microsoft.com/office/drawing/2014/main" id="{93CF56E9-B66E-0B21-0718-C7182FB704D1}"/>
+              </a:ext>
+            </a:extLst>
+          </p:cNvPr>
+          <p:cNvPicPr>
+            <a:picLocks noChangeAspect="1"/>
+          </p:cNvPicPr>
+          <p:nvPr/>
+        </p:nvPicPr>
+        <p:blipFill rotWithShape="1">
+          <a:blip r:embed="rId2">
+            <a:extLst>
+              <a:ext uri="{28A0092B-C50C-407E-A947-70E740481C1C}">
+                <a14:useLocalDpi xmlns:a14="http://schemas.microsoft.com/office/drawing/2010/main" val="0"/>
+              </a:ext>
+            </a:extLst>
+          </a:blip>
+          <a:srcRect l="16016" t="15430" r="16016" b="15430"/>
+          <a:stretch/>
+        </p:blipFill>
+        <p:spPr>
+          <a:xfrm>
+            <a:off x="5286375" y="2605416"/>
+            <a:ext cx="1619250" cy="1647168"/>
+          </a:xfrm>
+          <a:prstGeom prst="rect">
+            <a:avLst/>
+          </a:prstGeom>
+        </p:spPr>
+      </p:pic>
+    </p:spTree>
+    <p:extLst>
+      <p:ext uri="{BB962C8B-B14F-4D97-AF65-F5344CB8AC3E}">
+        <p14:creationId xmlns:p14="http://schemas.microsoft.com/office/powerpoint/2010/main" val="1790616453"/>
+      </p:ext>
+    </p:extLst>
+  </p:cSld>
+  <p:clrMapOvr>
+    <a:masterClrMapping/>
+  </p:clrMapOvr>
+</p:sld>
+</file>
+
+<file path=ppt/slides/slide15.xml><?xml version="1.0" encoding="utf-8"?>
+<p:sld xmlns:a="http://schemas.openxmlformats.org/drawingml/2006/main" xmlns:r="http://schemas.openxmlformats.org/officeDocument/2006/relationships" xmlns:p="http://schemas.openxmlformats.org/presentationml/2006/main">
+  <p:cSld>
+    <p:spTree>
+      <p:nvGrpSpPr>
+        <p:cNvPr id="1" name=""/>
+        <p:cNvGrpSpPr/>
+        <p:nvPr/>
+      </p:nvGrpSpPr>
+      <p:grpSpPr>
+        <a:xfrm>
+          <a:off x="0" y="0"/>
+          <a:ext cx="0" cy="0"/>
+          <a:chOff x="0" y="0"/>
+          <a:chExt cx="0" cy="0"/>
+        </a:xfrm>
+      </p:grpSpPr>
+      <p:sp>
+        <p:nvSpPr>
+          <p:cNvPr id="4" name="직사각형 3">
+            <a:extLst>
+              <a:ext uri="{FF2B5EF4-FFF2-40B4-BE49-F238E27FC236}">
+                <a16:creationId xmlns:a16="http://schemas.microsoft.com/office/drawing/2014/main" id="{7F8C18A5-FAF5-2A5E-D45D-0B9D71E90BD3}"/>
+              </a:ext>
+            </a:extLst>
+          </p:cNvPr>
+          <p:cNvSpPr/>
+          <p:nvPr/>
+        </p:nvSpPr>
+        <p:spPr>
+          <a:xfrm>
+            <a:off x="4957202" y="2290202"/>
+            <a:ext cx="2277596" cy="2277596"/>
+          </a:xfrm>
+          <a:prstGeom prst="rect">
+            <a:avLst/>
+          </a:prstGeom>
+          <a:solidFill>
+            <a:schemeClr val="bg1">
+              <a:lumMod val="95000"/>
+            </a:schemeClr>
+          </a:solidFill>
+          <a:ln w="25400">
+            <a:solidFill>
+              <a:srgbClr val="000000"/>
+            </a:solidFill>
+          </a:ln>
+          <a:effectLst/>
+        </p:spPr>
+        <p:style>
+          <a:lnRef idx="2">
+            <a:schemeClr val="accent1">
+              <a:shade val="50000"/>
+            </a:schemeClr>
+          </a:lnRef>
+          <a:fillRef idx="1">
+            <a:schemeClr val="accent1"/>
+          </a:fillRef>
+          <a:effectRef idx="0">
+            <a:schemeClr val="accent1"/>
+          </a:effectRef>
+          <a:fontRef idx="minor">
+            <a:schemeClr val="lt1"/>
+          </a:fontRef>
+        </p:style>
+        <p:txBody>
+          <a:bodyPr rtlCol="0" anchor="ctr"/>
+          <a:lstStyle/>
+          <a:p>
+            <a:pPr algn="ctr"/>
+            <a:endParaRPr lang="ko-KR" altLang="en-US" sz="3200" b="1" dirty="0">
+              <a:solidFill>
+                <a:schemeClr val="tx1"/>
+              </a:solidFill>
+            </a:endParaRPr>
+          </a:p>
+        </p:txBody>
+      </p:sp>
+      <p:pic>
+        <p:nvPicPr>
+          <p:cNvPr id="6" name="그림 5" descr="블랙, 어둠이(가) 표시된 사진&#10;&#10;자동 생성된 설명">
+            <a:extLst>
+              <a:ext uri="{FF2B5EF4-FFF2-40B4-BE49-F238E27FC236}">
+                <a16:creationId xmlns:a16="http://schemas.microsoft.com/office/drawing/2014/main" id="{C3ECC279-CD33-A38C-93B0-FA8733314581}"/>
+              </a:ext>
+            </a:extLst>
+          </p:cNvPr>
+          <p:cNvPicPr>
+            <a:picLocks noChangeAspect="1"/>
+          </p:cNvPicPr>
+          <p:nvPr/>
+        </p:nvPicPr>
+        <p:blipFill>
+          <a:blip r:embed="rId2">
+            <a:extLst>
+              <a:ext uri="{28A0092B-C50C-407E-A947-70E740481C1C}">
+                <a14:useLocalDpi xmlns:a14="http://schemas.microsoft.com/office/drawing/2010/main" val="0"/>
+              </a:ext>
+            </a:extLst>
+          </a:blip>
+          <a:stretch>
+            <a:fillRect/>
+          </a:stretch>
+        </p:blipFill>
+        <p:spPr>
+          <a:xfrm>
+            <a:off x="5448300" y="2675861"/>
+            <a:ext cx="1295400" cy="1506278"/>
+          </a:xfrm>
+          <a:prstGeom prst="rect">
+            <a:avLst/>
+          </a:prstGeom>
+        </p:spPr>
+      </p:pic>
+    </p:spTree>
+    <p:extLst>
+      <p:ext uri="{BB962C8B-B14F-4D97-AF65-F5344CB8AC3E}">
+        <p14:creationId xmlns:p14="http://schemas.microsoft.com/office/powerpoint/2010/main" val="3352280758"/>
+      </p:ext>
+    </p:extLst>
+  </p:cSld>
+  <p:clrMapOvr>
+    <a:masterClrMapping/>
+  </p:clrMapOvr>
+</p:sld>
+</file>
+
+<file path=ppt/slides/slide16.xml><?xml version="1.0" encoding="utf-8"?>
+<p:sld xmlns:a="http://schemas.openxmlformats.org/drawingml/2006/main" xmlns:r="http://schemas.openxmlformats.org/officeDocument/2006/relationships" xmlns:p="http://schemas.openxmlformats.org/presentationml/2006/main">
+  <p:cSld>
+    <p:spTree>
+      <p:nvGrpSpPr>
+        <p:cNvPr id="1" name=""/>
+        <p:cNvGrpSpPr/>
+        <p:nvPr/>
+      </p:nvGrpSpPr>
+      <p:grpSpPr>
+        <a:xfrm>
+          <a:off x="0" y="0"/>
+          <a:ext cx="0" cy="0"/>
+          <a:chOff x="0" y="0"/>
+          <a:chExt cx="0" cy="0"/>
+        </a:xfrm>
+      </p:grpSpPr>
+      <p:sp>
+        <p:nvSpPr>
+          <p:cNvPr id="4" name="직사각형 3">
+            <a:extLst>
+              <a:ext uri="{FF2B5EF4-FFF2-40B4-BE49-F238E27FC236}">
+                <a16:creationId xmlns:a16="http://schemas.microsoft.com/office/drawing/2014/main" id="{9C64290E-05F2-0B97-97A7-ACB686F87E3E}"/>
+              </a:ext>
+            </a:extLst>
+          </p:cNvPr>
+          <p:cNvSpPr/>
+          <p:nvPr/>
+        </p:nvSpPr>
+        <p:spPr>
+          <a:xfrm>
+            <a:off x="4957202" y="2290202"/>
+            <a:ext cx="2277596" cy="2277596"/>
+          </a:xfrm>
+          <a:prstGeom prst="rect">
+            <a:avLst/>
+          </a:prstGeom>
+          <a:solidFill>
+            <a:schemeClr val="bg1">
+              <a:lumMod val="95000"/>
+            </a:schemeClr>
+          </a:solidFill>
+          <a:ln w="25400">
+            <a:solidFill>
+              <a:srgbClr val="5F0080"/>
+            </a:solidFill>
+          </a:ln>
+          <a:effectLst/>
+        </p:spPr>
+        <p:style>
+          <a:lnRef idx="2">
+            <a:schemeClr val="accent1">
+              <a:shade val="50000"/>
+            </a:schemeClr>
+          </a:lnRef>
+          <a:fillRef idx="1">
+            <a:schemeClr val="accent1"/>
+          </a:fillRef>
+          <a:effectRef idx="0">
+            <a:schemeClr val="accent1"/>
+          </a:effectRef>
+          <a:fontRef idx="minor">
+            <a:schemeClr val="lt1"/>
+          </a:fontRef>
+        </p:style>
+        <p:txBody>
+          <a:bodyPr rtlCol="0" anchor="ctr"/>
+          <a:lstStyle/>
+          <a:p>
+            <a:pPr algn="ctr"/>
+            <a:endParaRPr lang="ko-KR" altLang="en-US" sz="3200" b="1" dirty="0">
+              <a:solidFill>
+                <a:schemeClr val="tx1"/>
+              </a:solidFill>
+            </a:endParaRPr>
+          </a:p>
+        </p:txBody>
+      </p:sp>
+      <p:pic>
+        <p:nvPicPr>
+          <p:cNvPr id="8" name="그래픽 7">
+            <a:extLst>
+              <a:ext uri="{FF2B5EF4-FFF2-40B4-BE49-F238E27FC236}">
+                <a16:creationId xmlns:a16="http://schemas.microsoft.com/office/drawing/2014/main" id="{917A3CD5-E82B-5FBE-91FE-BEB02D8EE1E9}"/>
+              </a:ext>
+            </a:extLst>
+          </p:cNvPr>
+          <p:cNvPicPr>
+            <a:picLocks noChangeAspect="1"/>
+          </p:cNvPicPr>
+          <p:nvPr/>
+        </p:nvPicPr>
+        <p:blipFill>
+          <a:blip r:embed="rId2">
+            <a:extLst>
+              <a:ext uri="{28A0092B-C50C-407E-A947-70E740481C1C}">
+                <a14:useLocalDpi xmlns:a14="http://schemas.microsoft.com/office/drawing/2010/main" val="0"/>
+              </a:ext>
+              <a:ext uri="{96DAC541-7B7A-43D3-8B79-37D633B846F1}">
+                <asvg:svgBlip xmlns:asvg="http://schemas.microsoft.com/office/drawing/2016/SVG/main" r:embed="rId3"/>
+              </a:ext>
+            </a:extLst>
+          </a:blip>
+          <a:stretch>
+            <a:fillRect/>
+          </a:stretch>
+        </p:blipFill>
+        <p:spPr>
+          <a:xfrm>
+            <a:off x="5210175" y="2975285"/>
+            <a:ext cx="1771650" cy="907430"/>
+          </a:xfrm>
+          <a:prstGeom prst="rect">
+            <a:avLst/>
+          </a:prstGeom>
+        </p:spPr>
+      </p:pic>
+    </p:spTree>
+    <p:extLst>
+      <p:ext uri="{BB962C8B-B14F-4D97-AF65-F5344CB8AC3E}">
+        <p14:creationId xmlns:p14="http://schemas.microsoft.com/office/powerpoint/2010/main" val="1038655571"/>
+      </p:ext>
+    </p:extLst>
+  </p:cSld>
+  <p:clrMapOvr>
+    <a:masterClrMapping/>
+  </p:clrMapOvr>
+</p:sld>
+</file>
+
+<file path=ppt/slides/slide17.xml><?xml version="1.0" encoding="utf-8"?>
+<p:sld xmlns:a="http://schemas.openxmlformats.org/drawingml/2006/main" xmlns:r="http://schemas.openxmlformats.org/officeDocument/2006/relationships" xmlns:p="http://schemas.openxmlformats.org/presentationml/2006/main">
+  <p:cSld>
+    <p:spTree>
+      <p:nvGrpSpPr>
+        <p:cNvPr id="1" name=""/>
+        <p:cNvGrpSpPr/>
+        <p:nvPr/>
+      </p:nvGrpSpPr>
+      <p:grpSpPr>
+        <a:xfrm>
+          <a:off x="0" y="0"/>
+          <a:ext cx="0" cy="0"/>
+          <a:chOff x="0" y="0"/>
+          <a:chExt cx="0" cy="0"/>
+        </a:xfrm>
+      </p:grpSpPr>
+      <p:sp>
+        <p:nvSpPr>
+          <p:cNvPr id="4" name="직사각형 3">
+            <a:extLst>
+              <a:ext uri="{FF2B5EF4-FFF2-40B4-BE49-F238E27FC236}">
+                <a16:creationId xmlns:a16="http://schemas.microsoft.com/office/drawing/2014/main" id="{865A90EC-73F3-C0F5-E13F-A3654315018F}"/>
+              </a:ext>
+            </a:extLst>
+          </p:cNvPr>
+          <p:cNvSpPr/>
+          <p:nvPr/>
+        </p:nvSpPr>
+        <p:spPr>
+          <a:xfrm>
+            <a:off x="4957202" y="2290202"/>
+            <a:ext cx="2277596" cy="2277596"/>
+          </a:xfrm>
+          <a:prstGeom prst="rect">
+            <a:avLst/>
+          </a:prstGeom>
+          <a:solidFill>
+            <a:schemeClr val="bg1">
+              <a:lumMod val="95000"/>
+            </a:schemeClr>
+          </a:solidFill>
+          <a:ln w="25400">
+            <a:solidFill>
+              <a:srgbClr val="05ABE7"/>
+            </a:solidFill>
+          </a:ln>
+          <a:effectLst/>
+        </p:spPr>
+        <p:style>
+          <a:lnRef idx="2">
+            <a:schemeClr val="accent1">
+              <a:shade val="50000"/>
+            </a:schemeClr>
+          </a:lnRef>
+          <a:fillRef idx="1">
+            <a:schemeClr val="accent1"/>
+          </a:fillRef>
+          <a:effectRef idx="0">
+            <a:schemeClr val="accent1"/>
+          </a:effectRef>
+          <a:fontRef idx="minor">
+            <a:schemeClr val="lt1"/>
+          </a:fontRef>
+        </p:style>
+        <p:txBody>
+          <a:bodyPr rtlCol="0" anchor="ctr"/>
+          <a:lstStyle/>
+          <a:p>
+            <a:pPr algn="ctr"/>
+            <a:endParaRPr lang="ko-KR" altLang="en-US" sz="3200" b="1" dirty="0">
+              <a:solidFill>
+                <a:schemeClr val="tx1"/>
+              </a:solidFill>
+            </a:endParaRPr>
+          </a:p>
+        </p:txBody>
+      </p:sp>
+      <p:pic>
+        <p:nvPicPr>
+          <p:cNvPr id="8" name="그림 7" descr="직사각형, 스크린샷, 라인, 사각형이(가) 표시된 사진&#10;&#10;자동 생성된 설명">
+            <a:extLst>
+              <a:ext uri="{FF2B5EF4-FFF2-40B4-BE49-F238E27FC236}">
+                <a16:creationId xmlns:a16="http://schemas.microsoft.com/office/drawing/2014/main" id="{18C8366D-DCE8-EFD3-6118-74B9EF202C54}"/>
+              </a:ext>
+            </a:extLst>
+          </p:cNvPr>
+          <p:cNvPicPr>
+            <a:picLocks noChangeAspect="1"/>
+          </p:cNvPicPr>
+          <p:nvPr/>
+        </p:nvPicPr>
+        <p:blipFill>
+          <a:blip r:embed="rId2">
+            <a:extLst>
+              <a:ext uri="{28A0092B-C50C-407E-A947-70E740481C1C}">
+                <a14:useLocalDpi xmlns:a14="http://schemas.microsoft.com/office/drawing/2010/main" val="0"/>
+              </a:ext>
+            </a:extLst>
+          </a:blip>
+          <a:stretch>
+            <a:fillRect/>
+          </a:stretch>
+        </p:blipFill>
+        <p:spPr>
+          <a:xfrm>
+            <a:off x="5450541" y="2721356"/>
+            <a:ext cx="1290918" cy="1415288"/>
+          </a:xfrm>
+          <a:prstGeom prst="rect">
+            <a:avLst/>
+          </a:prstGeom>
+        </p:spPr>
+      </p:pic>
+    </p:spTree>
+    <p:extLst>
+      <p:ext uri="{BB962C8B-B14F-4D97-AF65-F5344CB8AC3E}">
+        <p14:creationId xmlns:p14="http://schemas.microsoft.com/office/powerpoint/2010/main" val="881328102"/>
+      </p:ext>
+    </p:extLst>
+  </p:cSld>
+  <p:clrMapOvr>
+    <a:masterClrMapping/>
+  </p:clrMapOvr>
+</p:sld>
+</file>
+
+<file path=ppt/slides/slide18.xml><?xml version="1.0" encoding="utf-8"?>
+<p:sld xmlns:a="http://schemas.openxmlformats.org/drawingml/2006/main" xmlns:r="http://schemas.openxmlformats.org/officeDocument/2006/relationships" xmlns:p="http://schemas.openxmlformats.org/presentationml/2006/main">
+  <p:cSld>
+    <p:spTree>
+      <p:nvGrpSpPr>
+        <p:cNvPr id="1" name=""/>
+        <p:cNvGrpSpPr/>
+        <p:nvPr/>
+      </p:nvGrpSpPr>
+      <p:grpSpPr>
+        <a:xfrm>
+          <a:off x="0" y="0"/>
+          <a:ext cx="0" cy="0"/>
+          <a:chOff x="0" y="0"/>
+          <a:chExt cx="0" cy="0"/>
+        </a:xfrm>
+      </p:grpSpPr>
+      <p:sp>
+        <p:nvSpPr>
+          <p:cNvPr id="4" name="직사각형 3">
+            <a:extLst>
+              <a:ext uri="{FF2B5EF4-FFF2-40B4-BE49-F238E27FC236}">
+                <a16:creationId xmlns:a16="http://schemas.microsoft.com/office/drawing/2014/main" id="{193D094A-958C-614E-849E-90A9C184FB8E}"/>
+              </a:ext>
+            </a:extLst>
+          </p:cNvPr>
+          <p:cNvSpPr/>
+          <p:nvPr/>
+        </p:nvSpPr>
+        <p:spPr>
+          <a:xfrm>
+            <a:off x="4957202" y="2290202"/>
+            <a:ext cx="2277596" cy="2277596"/>
+          </a:xfrm>
+          <a:prstGeom prst="rect">
+            <a:avLst/>
+          </a:prstGeom>
+          <a:solidFill>
+            <a:schemeClr val="bg1">
+              <a:lumMod val="95000"/>
+            </a:schemeClr>
+          </a:solidFill>
+          <a:ln w="25400">
+            <a:solidFill>
+              <a:srgbClr val="000000"/>
+            </a:solidFill>
+          </a:ln>
+          <a:effectLst/>
+        </p:spPr>
+        <p:style>
+          <a:lnRef idx="2">
+            <a:schemeClr val="accent1">
+              <a:shade val="50000"/>
+            </a:schemeClr>
+          </a:lnRef>
+          <a:fillRef idx="1">
+            <a:schemeClr val="accent1"/>
+          </a:fillRef>
+          <a:effectRef idx="0">
+            <a:schemeClr val="accent1"/>
+          </a:effectRef>
+          <a:fontRef idx="minor">
+            <a:schemeClr val="lt1"/>
+          </a:fontRef>
+        </p:style>
+        <p:txBody>
+          <a:bodyPr rtlCol="0" anchor="ctr"/>
+          <a:lstStyle/>
+          <a:p>
+            <a:pPr algn="ctr"/>
+            <a:endParaRPr lang="ko-KR" altLang="en-US" sz="3200" b="1" dirty="0">
+              <a:solidFill>
+                <a:schemeClr val="tx1"/>
+              </a:solidFill>
+            </a:endParaRPr>
+          </a:p>
+        </p:txBody>
+      </p:sp>
+      <p:pic>
+        <p:nvPicPr>
+          <p:cNvPr id="6" name="그림 5" descr="폰트, 그래픽, 로고, 그래픽 디자인이(가) 표시된 사진&#10;&#10;자동 생성된 설명">
+            <a:extLst>
+              <a:ext uri="{FF2B5EF4-FFF2-40B4-BE49-F238E27FC236}">
+                <a16:creationId xmlns:a16="http://schemas.microsoft.com/office/drawing/2014/main" id="{93B9C44F-FF69-0582-843E-EE850E72D8F4}"/>
+              </a:ext>
+            </a:extLst>
+          </p:cNvPr>
+          <p:cNvPicPr>
+            <a:picLocks noChangeAspect="1"/>
+          </p:cNvPicPr>
+          <p:nvPr/>
+        </p:nvPicPr>
+        <p:blipFill>
+          <a:blip r:embed="rId2">
+            <a:extLst>
+              <a:ext uri="{28A0092B-C50C-407E-A947-70E740481C1C}">
+                <a14:useLocalDpi xmlns:a14="http://schemas.microsoft.com/office/drawing/2010/main" val="0"/>
+              </a:ext>
+            </a:extLst>
+          </a:blip>
+          <a:stretch>
+            <a:fillRect/>
+          </a:stretch>
+        </p:blipFill>
+        <p:spPr>
+          <a:xfrm>
+            <a:off x="5159048" y="3116682"/>
+            <a:ext cx="1873904" cy="624635"/>
+          </a:xfrm>
+          <a:prstGeom prst="rect">
+            <a:avLst/>
+          </a:prstGeom>
+        </p:spPr>
+      </p:pic>
+    </p:spTree>
+    <p:extLst>
+      <p:ext uri="{BB962C8B-B14F-4D97-AF65-F5344CB8AC3E}">
+        <p14:creationId xmlns:p14="http://schemas.microsoft.com/office/powerpoint/2010/main" val="1739074395"/>
+      </p:ext>
+    </p:extLst>
+  </p:cSld>
+  <p:clrMapOvr>
+    <a:masterClrMapping/>
+  </p:clrMapOvr>
+</p:sld>
+</file>
+
+<file path=ppt/slides/slide19.xml><?xml version="1.0" encoding="utf-8"?>
+<p:sld xmlns:a="http://schemas.openxmlformats.org/drawingml/2006/main" xmlns:r="http://schemas.openxmlformats.org/officeDocument/2006/relationships" xmlns:p="http://schemas.openxmlformats.org/presentationml/2006/main">
+  <p:cSld>
+    <p:spTree>
+      <p:nvGrpSpPr>
+        <p:cNvPr id="1" name=""/>
+        <p:cNvGrpSpPr/>
+        <p:nvPr/>
+      </p:nvGrpSpPr>
+      <p:grpSpPr>
+        <a:xfrm>
+          <a:off x="0" y="0"/>
+          <a:ext cx="0" cy="0"/>
+          <a:chOff x="0" y="0"/>
+          <a:chExt cx="0" cy="0"/>
+        </a:xfrm>
+      </p:grpSpPr>
+      <p:sp>
+        <p:nvSpPr>
+          <p:cNvPr id="4" name="직사각형 3">
+            <a:extLst>
+              <a:ext uri="{FF2B5EF4-FFF2-40B4-BE49-F238E27FC236}">
+                <a16:creationId xmlns:a16="http://schemas.microsoft.com/office/drawing/2014/main" id="{59002BEC-4C13-8AD1-9409-3E88351A075A}"/>
+              </a:ext>
+            </a:extLst>
+          </p:cNvPr>
+          <p:cNvSpPr/>
+          <p:nvPr/>
+        </p:nvSpPr>
+        <p:spPr>
+          <a:xfrm>
+            <a:off x="4957202" y="2290202"/>
+            <a:ext cx="2277596" cy="2277596"/>
+          </a:xfrm>
+          <a:prstGeom prst="rect">
+            <a:avLst/>
+          </a:prstGeom>
+          <a:solidFill>
+            <a:srgbClr val="C00000"/>
+          </a:solidFill>
+          <a:ln w="25400">
+            <a:noFill/>
+          </a:ln>
+          <a:effectLst/>
+        </p:spPr>
+        <p:style>
+          <a:lnRef idx="2">
+            <a:schemeClr val="accent1">
+              <a:shade val="50000"/>
+            </a:schemeClr>
+          </a:lnRef>
+          <a:fillRef idx="1">
+            <a:schemeClr val="accent1"/>
+          </a:fillRef>
+          <a:effectRef idx="0">
+            <a:schemeClr val="accent1"/>
+          </a:effectRef>
+          <a:fontRef idx="minor">
+            <a:schemeClr val="lt1"/>
+          </a:fontRef>
+        </p:style>
+        <p:txBody>
+          <a:bodyPr rtlCol="0" anchor="ctr"/>
+          <a:lstStyle/>
+          <a:p>
+            <a:pPr algn="ctr"/>
+            <a:r>
+              <a:rPr lang="ko-KR" altLang="en-US" sz="3200" b="1" dirty="0" err="1">
+                <a:solidFill>
+                  <a:schemeClr val="bg1"/>
+                </a:solidFill>
+              </a:rPr>
+              <a:t>시노빌</a:t>
+            </a:r>
+            <a:endParaRPr lang="en-US" altLang="ko-KR" sz="3200" b="1" dirty="0">
+              <a:solidFill>
+                <a:schemeClr val="bg1"/>
+              </a:solidFill>
+            </a:endParaRPr>
+          </a:p>
+          <a:p>
+            <a:pPr algn="ctr"/>
+            <a:r>
+              <a:rPr lang="ko-KR" altLang="en-US" sz="3200" b="1" dirty="0">
+                <a:solidFill>
+                  <a:schemeClr val="bg1"/>
+                </a:solidFill>
+              </a:rPr>
+              <a:t>전기계량기</a:t>
+            </a:r>
+          </a:p>
+        </p:txBody>
+      </p:sp>
+    </p:spTree>
+    <p:extLst>
+      <p:ext uri="{BB962C8B-B14F-4D97-AF65-F5344CB8AC3E}">
+        <p14:creationId xmlns:p14="http://schemas.microsoft.com/office/powerpoint/2010/main" val="3688785750"/>
+      </p:ext>
+    </p:extLst>
+  </p:cSld>
+  <p:clrMapOvr>
+    <a:masterClrMapping/>
+  </p:clrMapOvr>
+</p:sld>
+</file>
+
+<file path=ppt/slides/slide2.xml><?xml version="1.0" encoding="utf-8"?>
+<p:sld xmlns:a="http://schemas.openxmlformats.org/drawingml/2006/main" xmlns:r="http://schemas.openxmlformats.org/officeDocument/2006/relationships" xmlns:p="http://schemas.openxmlformats.org/presentationml/2006/main">
+  <p:cSld>
+    <p:spTree>
+      <p:nvGrpSpPr>
+        <p:cNvPr id="1" name=""/>
+        <p:cNvGrpSpPr/>
+        <p:nvPr/>
+      </p:nvGrpSpPr>
+      <p:grpSpPr>
+        <a:xfrm>
+          <a:off x="0" y="0"/>
+          <a:ext cx="0" cy="0"/>
+          <a:chOff x="0" y="0"/>
+          <a:chExt cx="0" cy="0"/>
+        </a:xfrm>
+      </p:grpSpPr>
+      <p:sp>
+        <p:nvSpPr>
+          <p:cNvPr id="4" name="직사각형 3">
+            <a:extLst>
+              <a:ext uri="{FF2B5EF4-FFF2-40B4-BE49-F238E27FC236}">
+                <a16:creationId xmlns:a16="http://schemas.microsoft.com/office/drawing/2014/main" id="{B07987DF-7635-69B5-373B-35EB626952DC}"/>
+              </a:ext>
+            </a:extLst>
+          </p:cNvPr>
+          <p:cNvSpPr/>
+          <p:nvPr/>
+        </p:nvSpPr>
+        <p:spPr>
+          <a:xfrm>
+            <a:off x="5586132" y="285750"/>
+            <a:ext cx="2277596" cy="2277596"/>
+          </a:xfrm>
+          <a:prstGeom prst="rect">
+            <a:avLst/>
+          </a:prstGeom>
+          <a:solidFill>
+            <a:schemeClr val="bg1">
+              <a:lumMod val="95000"/>
+            </a:schemeClr>
+          </a:solidFill>
+          <a:ln w="25400">
+            <a:solidFill>
+              <a:srgbClr val="FF0000"/>
+            </a:solidFill>
+          </a:ln>
+          <a:effectLst/>
+        </p:spPr>
+        <p:style>
+          <a:lnRef idx="2">
+            <a:schemeClr val="accent1">
+              <a:shade val="50000"/>
+            </a:schemeClr>
+          </a:lnRef>
+          <a:fillRef idx="1">
+            <a:schemeClr val="accent1"/>
+          </a:fillRef>
+          <a:effectRef idx="0">
+            <a:schemeClr val="accent1"/>
+          </a:effectRef>
+          <a:fontRef idx="minor">
+            <a:schemeClr val="lt1"/>
+          </a:fontRef>
+        </p:style>
+        <p:txBody>
+          <a:bodyPr rtlCol="0" anchor="ctr"/>
+          <a:lstStyle/>
+          <a:p>
+            <a:pPr algn="ctr"/>
+            <a:r>
+              <a:rPr lang="ko-KR" altLang="en-US" sz="6600" dirty="0">
+                <a:solidFill>
+                  <a:srgbClr val="FF0000"/>
+                </a:solidFill>
+              </a:rPr>
+              <a:t>민법</a:t>
+            </a:r>
+            <a:endParaRPr lang="en-US" altLang="ko-KR" sz="6600" dirty="0">
+              <a:solidFill>
+                <a:srgbClr val="FF0000"/>
+              </a:solidFill>
+            </a:endParaRPr>
+          </a:p>
+          <a:p>
+            <a:pPr algn="ctr"/>
+            <a:r>
+              <a:rPr lang="ko-KR" altLang="en-US" sz="3200" b="1" dirty="0">
+                <a:solidFill>
+                  <a:schemeClr val="tx1"/>
+                </a:solidFill>
+              </a:rPr>
+              <a:t>모의고사</a:t>
+            </a:r>
+          </a:p>
+        </p:txBody>
+      </p:sp>
+      <p:sp>
+        <p:nvSpPr>
+          <p:cNvPr id="6" name="직사각형 5">
+            <a:extLst>
+              <a:ext uri="{FF2B5EF4-FFF2-40B4-BE49-F238E27FC236}">
+                <a16:creationId xmlns:a16="http://schemas.microsoft.com/office/drawing/2014/main" id="{FC22A48C-8F09-E984-15F7-1D626CF42A7C}"/>
+              </a:ext>
+            </a:extLst>
+          </p:cNvPr>
+          <p:cNvSpPr/>
+          <p:nvPr/>
+        </p:nvSpPr>
+        <p:spPr>
+          <a:xfrm>
+            <a:off x="8020049" y="285750"/>
+            <a:ext cx="2277596" cy="2277596"/>
+          </a:xfrm>
+          <a:prstGeom prst="rect">
+            <a:avLst/>
+          </a:prstGeom>
+          <a:solidFill>
+            <a:schemeClr val="bg1">
+              <a:lumMod val="95000"/>
+            </a:schemeClr>
+          </a:solidFill>
+          <a:ln w="25400">
+            <a:solidFill>
+              <a:srgbClr val="00B050"/>
+            </a:solidFill>
+          </a:ln>
+          <a:effectLst/>
+        </p:spPr>
+        <p:style>
+          <a:lnRef idx="2">
+            <a:schemeClr val="accent1">
+              <a:shade val="50000"/>
+            </a:schemeClr>
+          </a:lnRef>
+          <a:fillRef idx="1">
+            <a:schemeClr val="accent1"/>
+          </a:fillRef>
+          <a:effectRef idx="0">
+            <a:schemeClr val="accent1"/>
+          </a:effectRef>
+          <a:fontRef idx="minor">
+            <a:schemeClr val="lt1"/>
+          </a:fontRef>
+        </p:style>
+        <p:txBody>
+          <a:bodyPr rtlCol="0" anchor="ctr"/>
+          <a:lstStyle/>
+          <a:p>
+            <a:pPr algn="ctr"/>
+            <a:r>
+              <a:rPr lang="ko-KR" altLang="en-US" sz="6600" dirty="0">
+                <a:solidFill>
+                  <a:srgbClr val="00B050"/>
+                </a:solidFill>
+              </a:rPr>
+              <a:t>중개</a:t>
+            </a:r>
+            <a:endParaRPr lang="en-US" altLang="ko-KR" sz="6600" dirty="0">
+              <a:solidFill>
+                <a:srgbClr val="00B050"/>
+              </a:solidFill>
+            </a:endParaRPr>
+          </a:p>
+          <a:p>
+            <a:pPr algn="ctr"/>
+            <a:r>
+              <a:rPr lang="ko-KR" altLang="en-US" sz="3200" b="1" dirty="0">
+                <a:solidFill>
+                  <a:schemeClr val="tx1"/>
+                </a:solidFill>
+              </a:rPr>
+              <a:t>모의고사</a:t>
+            </a:r>
+          </a:p>
+        </p:txBody>
+      </p:sp>
+      <p:sp>
+        <p:nvSpPr>
+          <p:cNvPr id="2" name="직사각형 1">
+            <a:extLst>
+              <a:ext uri="{FF2B5EF4-FFF2-40B4-BE49-F238E27FC236}">
+                <a16:creationId xmlns:a16="http://schemas.microsoft.com/office/drawing/2014/main" id="{0B5D4EEE-4BCF-20FA-0605-34443C415F37}"/>
+              </a:ext>
+            </a:extLst>
+          </p:cNvPr>
+          <p:cNvSpPr/>
+          <p:nvPr/>
+        </p:nvSpPr>
+        <p:spPr>
+          <a:xfrm>
+            <a:off x="3033154" y="285750"/>
+            <a:ext cx="2277596" cy="2277596"/>
+          </a:xfrm>
+          <a:prstGeom prst="rect">
+            <a:avLst/>
+          </a:prstGeom>
+          <a:solidFill>
+            <a:schemeClr val="bg1">
+              <a:lumMod val="95000"/>
+            </a:schemeClr>
+          </a:solidFill>
+          <a:ln w="25400">
+            <a:solidFill>
+              <a:srgbClr val="002060"/>
+            </a:solidFill>
+          </a:ln>
+          <a:effectLst/>
+        </p:spPr>
+        <p:style>
+          <a:lnRef idx="2">
+            <a:schemeClr val="accent1">
+              <a:shade val="50000"/>
+            </a:schemeClr>
+          </a:lnRef>
+          <a:fillRef idx="1">
+            <a:schemeClr val="accent1"/>
+          </a:fillRef>
+          <a:effectRef idx="0">
+            <a:schemeClr val="accent1"/>
+          </a:effectRef>
+          <a:fontRef idx="minor">
+            <a:schemeClr val="lt1"/>
+          </a:fontRef>
+        </p:style>
+        <p:txBody>
+          <a:bodyPr rtlCol="0" anchor="ctr"/>
+          <a:lstStyle/>
+          <a:p>
+            <a:pPr algn="ctr"/>
+            <a:r>
+              <a:rPr lang="ko-KR" altLang="en-US" sz="6600" dirty="0">
+                <a:solidFill>
+                  <a:srgbClr val="002060"/>
+                </a:solidFill>
+              </a:rPr>
+              <a:t>공법</a:t>
+            </a:r>
+            <a:endParaRPr lang="en-US" altLang="ko-KR" sz="6600" dirty="0">
+              <a:solidFill>
+                <a:srgbClr val="002060"/>
+              </a:solidFill>
+            </a:endParaRPr>
+          </a:p>
+          <a:p>
+            <a:pPr algn="ctr"/>
+            <a:r>
+              <a:rPr lang="ko-KR" altLang="en-US" sz="3200" b="1" dirty="0">
+                <a:solidFill>
+                  <a:schemeClr val="tx1"/>
+                </a:solidFill>
+              </a:rPr>
+              <a:t>모의고사</a:t>
+            </a:r>
+          </a:p>
+        </p:txBody>
+      </p:sp>
+      <p:sp>
+        <p:nvSpPr>
+          <p:cNvPr id="3" name="직사각형 2">
+            <a:extLst>
+              <a:ext uri="{FF2B5EF4-FFF2-40B4-BE49-F238E27FC236}">
+                <a16:creationId xmlns:a16="http://schemas.microsoft.com/office/drawing/2014/main" id="{91D5A4E5-B0A5-D83E-647C-365442D546DF}"/>
+              </a:ext>
+            </a:extLst>
+          </p:cNvPr>
+          <p:cNvSpPr/>
+          <p:nvPr/>
+        </p:nvSpPr>
+        <p:spPr>
+          <a:xfrm>
+            <a:off x="3022509" y="2728352"/>
+            <a:ext cx="2277596" cy="2277596"/>
+          </a:xfrm>
+          <a:prstGeom prst="rect">
+            <a:avLst/>
+          </a:prstGeom>
+          <a:solidFill>
+            <a:schemeClr val="bg1">
+              <a:lumMod val="95000"/>
+            </a:schemeClr>
+          </a:solidFill>
+          <a:ln w="25400">
+            <a:solidFill>
+              <a:schemeClr val="accent2">
+                <a:lumMod val="50000"/>
+              </a:schemeClr>
+            </a:solidFill>
+          </a:ln>
+          <a:effectLst/>
+        </p:spPr>
+        <p:style>
+          <a:lnRef idx="2">
+            <a:schemeClr val="accent1">
+              <a:shade val="50000"/>
+            </a:schemeClr>
+          </a:lnRef>
+          <a:fillRef idx="1">
+            <a:schemeClr val="accent1"/>
+          </a:fillRef>
+          <a:effectRef idx="0">
+            <a:schemeClr val="accent1"/>
+          </a:effectRef>
+          <a:fontRef idx="minor">
+            <a:schemeClr val="lt1"/>
+          </a:fontRef>
+        </p:style>
+        <p:txBody>
+          <a:bodyPr rtlCol="0" anchor="ctr"/>
+          <a:lstStyle/>
+          <a:p>
+            <a:pPr algn="ctr"/>
+            <a:r>
+              <a:rPr lang="ko-KR" altLang="en-US" sz="6600" dirty="0">
+                <a:solidFill>
+                  <a:schemeClr val="accent2">
+                    <a:lumMod val="50000"/>
+                  </a:schemeClr>
+                </a:solidFill>
+              </a:rPr>
+              <a:t>공시</a:t>
+            </a:r>
+            <a:endParaRPr lang="en-US" altLang="ko-KR" sz="6600" dirty="0">
+              <a:solidFill>
+                <a:schemeClr val="accent2">
+                  <a:lumMod val="50000"/>
+                </a:schemeClr>
+              </a:solidFill>
+            </a:endParaRPr>
+          </a:p>
+          <a:p>
+            <a:pPr algn="ctr"/>
+            <a:r>
+              <a:rPr lang="ko-KR" altLang="en-US" sz="3200" b="1" dirty="0">
+                <a:solidFill>
+                  <a:schemeClr val="tx1"/>
+                </a:solidFill>
+              </a:rPr>
+              <a:t>모의고사</a:t>
+            </a:r>
+          </a:p>
+        </p:txBody>
+      </p:sp>
+      <p:sp>
+        <p:nvSpPr>
+          <p:cNvPr id="5" name="직사각형 4">
+            <a:extLst>
+              <a:ext uri="{FF2B5EF4-FFF2-40B4-BE49-F238E27FC236}">
+                <a16:creationId xmlns:a16="http://schemas.microsoft.com/office/drawing/2014/main" id="{1E6B2390-6D94-3023-C23C-E10909A951A1}"/>
+              </a:ext>
+            </a:extLst>
+          </p:cNvPr>
+          <p:cNvSpPr/>
+          <p:nvPr/>
+        </p:nvSpPr>
+        <p:spPr>
+          <a:xfrm>
+            <a:off x="6250901" y="2728352"/>
+            <a:ext cx="2277596" cy="2277596"/>
+          </a:xfrm>
+          <a:prstGeom prst="rect">
+            <a:avLst/>
+          </a:prstGeom>
+          <a:solidFill>
+            <a:schemeClr val="bg1">
+              <a:lumMod val="95000"/>
+            </a:schemeClr>
+          </a:solidFill>
+          <a:ln w="25400">
+            <a:solidFill>
+              <a:srgbClr val="00B0F0"/>
+            </a:solidFill>
+          </a:ln>
+          <a:effectLst/>
+        </p:spPr>
+        <p:style>
+          <a:lnRef idx="2">
+            <a:schemeClr val="accent1">
+              <a:shade val="50000"/>
+            </a:schemeClr>
+          </a:lnRef>
+          <a:fillRef idx="1">
+            <a:schemeClr val="accent1"/>
+          </a:fillRef>
+          <a:effectRef idx="0">
+            <a:schemeClr val="accent1"/>
+          </a:effectRef>
+          <a:fontRef idx="minor">
+            <a:schemeClr val="lt1"/>
+          </a:fontRef>
+        </p:style>
+        <p:txBody>
+          <a:bodyPr rtlCol="0" anchor="ctr"/>
+          <a:lstStyle/>
+          <a:p>
+            <a:pPr algn="ctr"/>
+            <a:r>
+              <a:rPr lang="ko-KR" altLang="en-US" sz="6600" dirty="0">
+                <a:solidFill>
+                  <a:srgbClr val="00B0F0"/>
+                </a:solidFill>
+              </a:rPr>
+              <a:t>세법</a:t>
+            </a:r>
+            <a:endParaRPr lang="en-US" altLang="ko-KR" sz="6600" dirty="0">
+              <a:solidFill>
+                <a:srgbClr val="00B0F0"/>
+              </a:solidFill>
+            </a:endParaRPr>
+          </a:p>
+          <a:p>
+            <a:pPr algn="ctr"/>
+            <a:r>
+              <a:rPr lang="ko-KR" altLang="en-US" sz="3200" b="1" dirty="0">
+                <a:solidFill>
+                  <a:schemeClr val="tx1"/>
+                </a:solidFill>
+              </a:rPr>
+              <a:t>모의고사</a:t>
+            </a:r>
+          </a:p>
+        </p:txBody>
+      </p:sp>
+      <p:sp>
+        <p:nvSpPr>
+          <p:cNvPr id="7" name="직사각형 6">
+            <a:extLst>
+              <a:ext uri="{FF2B5EF4-FFF2-40B4-BE49-F238E27FC236}">
+                <a16:creationId xmlns:a16="http://schemas.microsoft.com/office/drawing/2014/main" id="{E8E572C6-D04F-6207-61AE-CE0A4D673FB6}"/>
+              </a:ext>
+            </a:extLst>
+          </p:cNvPr>
+          <p:cNvSpPr/>
+          <p:nvPr/>
+        </p:nvSpPr>
+        <p:spPr>
+          <a:xfrm>
+            <a:off x="8965526" y="2728352"/>
+            <a:ext cx="2277596" cy="2277596"/>
+          </a:xfrm>
+          <a:prstGeom prst="rect">
+            <a:avLst/>
+          </a:prstGeom>
+          <a:solidFill>
+            <a:schemeClr val="bg1">
+              <a:lumMod val="95000"/>
+            </a:schemeClr>
+          </a:solidFill>
+          <a:ln w="25400">
+            <a:solidFill>
+              <a:srgbClr val="00B0F0"/>
+            </a:solidFill>
+          </a:ln>
+          <a:effectLst/>
+        </p:spPr>
+        <p:style>
+          <a:lnRef idx="2">
+            <a:schemeClr val="accent1">
+              <a:shade val="50000"/>
+            </a:schemeClr>
+          </a:lnRef>
+          <a:fillRef idx="1">
+            <a:schemeClr val="accent1"/>
+          </a:fillRef>
+          <a:effectRef idx="0">
+            <a:schemeClr val="accent1"/>
+          </a:effectRef>
+          <a:fontRef idx="minor">
+            <a:schemeClr val="lt1"/>
+          </a:fontRef>
+        </p:style>
+        <p:txBody>
+          <a:bodyPr rtlCol="0" anchor="ctr"/>
+          <a:lstStyle/>
+          <a:p>
+            <a:pPr algn="ctr"/>
+            <a:r>
+              <a:rPr lang="ko-KR" altLang="en-US" sz="6600" dirty="0">
+                <a:solidFill>
+                  <a:srgbClr val="00B0F0"/>
+                </a:solidFill>
+              </a:rPr>
+              <a:t>개론</a:t>
+            </a:r>
+            <a:endParaRPr lang="en-US" altLang="ko-KR" sz="6600" dirty="0">
+              <a:solidFill>
+                <a:srgbClr val="00B0F0"/>
+              </a:solidFill>
+            </a:endParaRPr>
+          </a:p>
+          <a:p>
+            <a:pPr algn="ctr"/>
+            <a:r>
+              <a:rPr lang="ko-KR" altLang="en-US" sz="3200" b="1" dirty="0">
+                <a:solidFill>
+                  <a:schemeClr val="tx1"/>
+                </a:solidFill>
+              </a:rPr>
+              <a:t>문제해설</a:t>
+            </a:r>
+          </a:p>
+        </p:txBody>
+      </p:sp>
+      <p:sp>
+        <p:nvSpPr>
+          <p:cNvPr id="8" name="직사각형 7">
+            <a:extLst>
+              <a:ext uri="{FF2B5EF4-FFF2-40B4-BE49-F238E27FC236}">
+                <a16:creationId xmlns:a16="http://schemas.microsoft.com/office/drawing/2014/main" id="{E5293C4A-C723-A7A2-4A31-98F7B490624B}"/>
+              </a:ext>
+            </a:extLst>
+          </p:cNvPr>
+          <p:cNvSpPr/>
+          <p:nvPr/>
+        </p:nvSpPr>
+        <p:spPr>
+          <a:xfrm>
+            <a:off x="617500" y="285750"/>
+            <a:ext cx="2277596" cy="2277596"/>
+          </a:xfrm>
+          <a:prstGeom prst="rect">
+            <a:avLst/>
+          </a:prstGeom>
+          <a:solidFill>
+            <a:schemeClr val="bg1">
+              <a:lumMod val="95000"/>
+            </a:schemeClr>
+          </a:solidFill>
+          <a:ln w="25400">
+            <a:solidFill>
+              <a:srgbClr val="002060"/>
+            </a:solidFill>
+          </a:ln>
+          <a:effectLst/>
+        </p:spPr>
+        <p:style>
+          <a:lnRef idx="2">
+            <a:schemeClr val="accent1">
+              <a:shade val="50000"/>
+            </a:schemeClr>
+          </a:lnRef>
+          <a:fillRef idx="1">
+            <a:schemeClr val="accent1"/>
+          </a:fillRef>
+          <a:effectRef idx="0">
+            <a:schemeClr val="accent1"/>
+          </a:effectRef>
+          <a:fontRef idx="minor">
+            <a:schemeClr val="lt1"/>
+          </a:fontRef>
+        </p:style>
+        <p:txBody>
+          <a:bodyPr rtlCol="0" anchor="ctr"/>
+          <a:lstStyle/>
+          <a:p>
+            <a:pPr algn="ctr"/>
+            <a:r>
+              <a:rPr lang="ko-KR" altLang="en-US" sz="6600" dirty="0">
+                <a:solidFill>
+                  <a:srgbClr val="002060"/>
+                </a:solidFill>
+              </a:rPr>
+              <a:t>공법</a:t>
+            </a:r>
+            <a:endParaRPr lang="en-US" altLang="ko-KR" sz="6600" dirty="0">
+              <a:solidFill>
+                <a:srgbClr val="002060"/>
+              </a:solidFill>
+            </a:endParaRPr>
+          </a:p>
+          <a:p>
+            <a:pPr algn="ctr"/>
+            <a:r>
+              <a:rPr lang="ko-KR" altLang="en-US" sz="3200" b="1" dirty="0">
+                <a:solidFill>
+                  <a:schemeClr val="tx1"/>
+                </a:solidFill>
+              </a:rPr>
+              <a:t>체 계 도</a:t>
+            </a:r>
+          </a:p>
+        </p:txBody>
+      </p:sp>
+      <p:sp>
+        <p:nvSpPr>
+          <p:cNvPr id="9" name="직사각형 8">
+            <a:extLst>
+              <a:ext uri="{FF2B5EF4-FFF2-40B4-BE49-F238E27FC236}">
+                <a16:creationId xmlns:a16="http://schemas.microsoft.com/office/drawing/2014/main" id="{B51CCB1D-77CB-C39D-D217-1032F7B827F3}"/>
+              </a:ext>
+            </a:extLst>
+          </p:cNvPr>
+          <p:cNvSpPr/>
+          <p:nvPr/>
+        </p:nvSpPr>
+        <p:spPr>
+          <a:xfrm>
+            <a:off x="269515" y="2907006"/>
+            <a:ext cx="2277596" cy="2277596"/>
+          </a:xfrm>
+          <a:prstGeom prst="rect">
+            <a:avLst/>
+          </a:prstGeom>
+          <a:solidFill>
+            <a:schemeClr val="bg1">
+              <a:lumMod val="95000"/>
+            </a:schemeClr>
+          </a:solidFill>
+          <a:ln w="25400">
+            <a:solidFill>
+              <a:srgbClr val="FFC000"/>
+            </a:solidFill>
+          </a:ln>
+          <a:effectLst/>
+        </p:spPr>
+        <p:style>
+          <a:lnRef idx="2">
+            <a:schemeClr val="accent1">
+              <a:shade val="50000"/>
+            </a:schemeClr>
+          </a:lnRef>
+          <a:fillRef idx="1">
+            <a:schemeClr val="accent1"/>
+          </a:fillRef>
+          <a:effectRef idx="0">
+            <a:schemeClr val="accent1"/>
+          </a:effectRef>
+          <a:fontRef idx="minor">
+            <a:schemeClr val="lt1"/>
+          </a:fontRef>
+        </p:style>
+        <p:txBody>
+          <a:bodyPr rtlCol="0" anchor="ctr"/>
+          <a:lstStyle/>
+          <a:p>
+            <a:pPr algn="ctr"/>
+            <a:r>
+              <a:rPr lang="ko-KR" altLang="en-US" sz="6600" dirty="0">
+                <a:solidFill>
+                  <a:srgbClr val="FFC000"/>
+                </a:solidFill>
+              </a:rPr>
+              <a:t>개론</a:t>
+            </a:r>
+            <a:endParaRPr lang="en-US" altLang="ko-KR" sz="6600" dirty="0">
+              <a:solidFill>
+                <a:srgbClr val="FFC000"/>
+              </a:solidFill>
+            </a:endParaRPr>
+          </a:p>
+          <a:p>
+            <a:pPr algn="ctr"/>
+            <a:r>
+              <a:rPr lang="ko-KR" altLang="en-US" sz="3200" b="1" dirty="0">
+                <a:solidFill>
+                  <a:schemeClr val="tx1"/>
+                </a:solidFill>
+              </a:rPr>
+              <a:t>모의고사</a:t>
+            </a:r>
+          </a:p>
+        </p:txBody>
+      </p:sp>
+    </p:spTree>
+    <p:extLst>
+      <p:ext uri="{BB962C8B-B14F-4D97-AF65-F5344CB8AC3E}">
+        <p14:creationId xmlns:p14="http://schemas.microsoft.com/office/powerpoint/2010/main" val="2442995871"/>
+      </p:ext>
+    </p:extLst>
+  </p:cSld>
+  <p:clrMapOvr>
+    <a:masterClrMapping/>
+  </p:clrMapOvr>
+</p:sld>
+</file>
+
+<file path=ppt/slides/slide3.xml><?xml version="1.0" encoding="utf-8"?>
+<p:sld xmlns:a="http://schemas.openxmlformats.org/drawingml/2006/main" xmlns:r="http://schemas.openxmlformats.org/officeDocument/2006/relationships" xmlns:p="http://schemas.openxmlformats.org/presentationml/2006/main">
+  <p:cSld>
+    <p:spTree>
+      <p:nvGrpSpPr>
+        <p:cNvPr id="1" name=""/>
+        <p:cNvGrpSpPr/>
+        <p:nvPr/>
+      </p:nvGrpSpPr>
+      <p:grpSpPr>
+        <a:xfrm>
+          <a:off x="0" y="0"/>
+          <a:ext cx="0" cy="0"/>
+          <a:chOff x="0" y="0"/>
+          <a:chExt cx="0" cy="0"/>
+        </a:xfrm>
+      </p:grpSpPr>
+      <p:sp>
+        <p:nvSpPr>
+          <p:cNvPr id="4" name="직사각형 3">
+            <a:extLst>
+              <a:ext uri="{FF2B5EF4-FFF2-40B4-BE49-F238E27FC236}">
+                <a16:creationId xmlns:a16="http://schemas.microsoft.com/office/drawing/2014/main" id="{EDF253F2-9679-E500-946F-54544D24986D}"/>
+              </a:ext>
+            </a:extLst>
+          </p:cNvPr>
+          <p:cNvSpPr/>
+          <p:nvPr/>
+        </p:nvSpPr>
+        <p:spPr>
+          <a:xfrm>
+            <a:off x="5489215" y="2068806"/>
+            <a:ext cx="2277596" cy="2277596"/>
+          </a:xfrm>
+          <a:prstGeom prst="rect">
+            <a:avLst/>
+          </a:prstGeom>
+          <a:solidFill>
+            <a:schemeClr val="bg1">
+              <a:lumMod val="95000"/>
+            </a:schemeClr>
+          </a:solidFill>
+          <a:ln w="25400">
+            <a:solidFill>
+              <a:srgbClr val="B83DDE"/>
+            </a:solidFill>
+          </a:ln>
+          <a:effectLst/>
+        </p:spPr>
+        <p:style>
+          <a:lnRef idx="2">
+            <a:schemeClr val="accent1">
+              <a:shade val="50000"/>
+            </a:schemeClr>
+          </a:lnRef>
+          <a:fillRef idx="1">
+            <a:schemeClr val="accent1"/>
+          </a:fillRef>
+          <a:effectRef idx="0">
+            <a:schemeClr val="accent1"/>
+          </a:effectRef>
+          <a:fontRef idx="minor">
+            <a:schemeClr val="lt1"/>
+          </a:fontRef>
+        </p:style>
+        <p:txBody>
+          <a:bodyPr rtlCol="0" anchor="ctr"/>
+          <a:lstStyle/>
+          <a:p>
+            <a:pPr algn="ctr"/>
+            <a:endParaRPr lang="ko-KR" altLang="en-US" sz="3200" b="1" dirty="0">
+              <a:solidFill>
+                <a:schemeClr val="tx1"/>
+              </a:solidFill>
+            </a:endParaRPr>
+          </a:p>
+        </p:txBody>
+      </p:sp>
+      <p:pic>
+        <p:nvPicPr>
+          <p:cNvPr id="6" name="그림 5" descr="그래픽, 원, 클립아트, 그래픽 디자인이(가) 표시된 사진&#10;&#10;자동 생성된 설명">
+            <a:extLst>
+              <a:ext uri="{FF2B5EF4-FFF2-40B4-BE49-F238E27FC236}">
+                <a16:creationId xmlns:a16="http://schemas.microsoft.com/office/drawing/2014/main" id="{C9EDFCE3-1607-027C-232E-90117AC5B683}"/>
+              </a:ext>
+            </a:extLst>
+          </p:cNvPr>
+          <p:cNvPicPr>
+            <a:picLocks noChangeAspect="1"/>
+          </p:cNvPicPr>
+          <p:nvPr/>
+        </p:nvPicPr>
+        <p:blipFill>
+          <a:blip r:embed="rId2">
+            <a:extLst>
+              <a:ext uri="{28A0092B-C50C-407E-A947-70E740481C1C}">
+                <a14:useLocalDpi xmlns:a14="http://schemas.microsoft.com/office/drawing/2010/main" val="0"/>
+              </a:ext>
+            </a:extLst>
+          </a:blip>
+          <a:stretch>
+            <a:fillRect/>
+          </a:stretch>
+        </p:blipFill>
+        <p:spPr>
+          <a:xfrm>
+            <a:off x="5834218" y="2413809"/>
+            <a:ext cx="1587589" cy="1587589"/>
+          </a:xfrm>
+          <a:prstGeom prst="rect">
+            <a:avLst/>
+          </a:prstGeom>
+        </p:spPr>
+      </p:pic>
+    </p:spTree>
+    <p:extLst>
+      <p:ext uri="{BB962C8B-B14F-4D97-AF65-F5344CB8AC3E}">
+        <p14:creationId xmlns:p14="http://schemas.microsoft.com/office/powerpoint/2010/main" val="223128515"/>
+      </p:ext>
+    </p:extLst>
+  </p:cSld>
+  <p:clrMapOvr>
+    <a:masterClrMapping/>
+  </p:clrMapOvr>
+</p:sld>
+</file>
+
+<file path=ppt/slides/slide4.xml><?xml version="1.0" encoding="utf-8"?>
+<p:sld xmlns:a="http://schemas.openxmlformats.org/drawingml/2006/main" xmlns:r="http://schemas.openxmlformats.org/officeDocument/2006/relationships" xmlns:p="http://schemas.openxmlformats.org/presentationml/2006/main">
+  <p:cSld>
+    <p:spTree>
+      <p:nvGrpSpPr>
+        <p:cNvPr id="1" name=""/>
+        <p:cNvGrpSpPr/>
+        <p:nvPr/>
+      </p:nvGrpSpPr>
+      <p:grpSpPr>
+        <a:xfrm>
+          <a:off x="0" y="0"/>
+          <a:ext cx="0" cy="0"/>
+          <a:chOff x="0" y="0"/>
+          <a:chExt cx="0" cy="0"/>
+        </a:xfrm>
+      </p:grpSpPr>
+      <p:sp>
+        <p:nvSpPr>
+          <p:cNvPr id="4" name="직사각형 3">
+            <a:extLst>
+              <a:ext uri="{FF2B5EF4-FFF2-40B4-BE49-F238E27FC236}">
+                <a16:creationId xmlns:a16="http://schemas.microsoft.com/office/drawing/2014/main" id="{07896134-02CD-7072-4A97-214AB4569BA6}"/>
+              </a:ext>
+            </a:extLst>
+          </p:cNvPr>
+          <p:cNvSpPr/>
+          <p:nvPr/>
+        </p:nvSpPr>
+        <p:spPr>
+          <a:xfrm>
+            <a:off x="6096000" y="1443318"/>
+            <a:ext cx="2277596" cy="2277596"/>
+          </a:xfrm>
+          <a:prstGeom prst="rect">
+            <a:avLst/>
+          </a:prstGeom>
+          <a:solidFill>
+            <a:schemeClr val="bg1">
+              <a:lumMod val="95000"/>
+            </a:schemeClr>
+          </a:solidFill>
+          <a:ln w="25400">
+            <a:solidFill>
+              <a:srgbClr val="701C20"/>
+            </a:solidFill>
+          </a:ln>
+          <a:effectLst/>
+        </p:spPr>
+        <p:style>
+          <a:lnRef idx="2">
+            <a:schemeClr val="accent1">
+              <a:shade val="50000"/>
+            </a:schemeClr>
+          </a:lnRef>
+          <a:fillRef idx="1">
+            <a:schemeClr val="accent1"/>
+          </a:fillRef>
+          <a:effectRef idx="0">
+            <a:schemeClr val="accent1"/>
+          </a:effectRef>
+          <a:fontRef idx="minor">
+            <a:schemeClr val="lt1"/>
+          </a:fontRef>
+        </p:style>
+        <p:txBody>
+          <a:bodyPr rtlCol="0" anchor="ctr"/>
+          <a:lstStyle/>
+          <a:p>
+            <a:pPr algn="ctr"/>
+            <a:r>
+              <a:rPr lang="ko-KR" altLang="en-US" sz="6600">
+                <a:solidFill>
+                  <a:srgbClr val="701C20"/>
+                </a:solidFill>
+              </a:rPr>
+              <a:t>전공</a:t>
+            </a:r>
+            <a:endParaRPr lang="en-US" altLang="ko-KR" sz="6600" dirty="0">
+              <a:solidFill>
+                <a:srgbClr val="701C20"/>
+              </a:solidFill>
+            </a:endParaRPr>
+          </a:p>
+          <a:p>
+            <a:pPr algn="ctr"/>
+            <a:r>
+              <a:rPr lang="ko-KR" altLang="en-US" sz="3200" b="1" dirty="0">
+                <a:solidFill>
+                  <a:schemeClr val="tx1"/>
+                </a:solidFill>
+              </a:rPr>
+              <a:t>대학수업</a:t>
+            </a:r>
+          </a:p>
+        </p:txBody>
+      </p:sp>
+      <p:sp>
+        <p:nvSpPr>
+          <p:cNvPr id="6" name="직사각형 5">
+            <a:extLst>
+              <a:ext uri="{FF2B5EF4-FFF2-40B4-BE49-F238E27FC236}">
+                <a16:creationId xmlns:a16="http://schemas.microsoft.com/office/drawing/2014/main" id="{C97696B7-6ABF-246D-4ED1-E02B5352C30B}"/>
+              </a:ext>
+            </a:extLst>
+          </p:cNvPr>
+          <p:cNvSpPr/>
+          <p:nvPr/>
+        </p:nvSpPr>
+        <p:spPr>
+          <a:xfrm>
+            <a:off x="3250322" y="1443318"/>
+            <a:ext cx="2277596" cy="2277596"/>
+          </a:xfrm>
+          <a:prstGeom prst="rect">
+            <a:avLst/>
+          </a:prstGeom>
+          <a:solidFill>
+            <a:schemeClr val="bg1">
+              <a:lumMod val="95000"/>
+            </a:schemeClr>
+          </a:solidFill>
+          <a:ln w="25400">
+            <a:solidFill>
+              <a:srgbClr val="701C20"/>
+            </a:solidFill>
+          </a:ln>
+          <a:effectLst/>
+        </p:spPr>
+        <p:style>
+          <a:lnRef idx="2">
+            <a:schemeClr val="accent1">
+              <a:shade val="50000"/>
+            </a:schemeClr>
+          </a:lnRef>
+          <a:fillRef idx="1">
+            <a:schemeClr val="accent1"/>
+          </a:fillRef>
+          <a:effectRef idx="0">
+            <a:schemeClr val="accent1"/>
+          </a:effectRef>
+          <a:fontRef idx="minor">
+            <a:schemeClr val="lt1"/>
+          </a:fontRef>
+        </p:style>
+        <p:txBody>
+          <a:bodyPr rtlCol="0" anchor="ctr"/>
+          <a:lstStyle/>
+          <a:p>
+            <a:pPr algn="ctr"/>
+            <a:r>
+              <a:rPr lang="ko-KR" altLang="en-US" sz="6600" dirty="0">
+                <a:solidFill>
+                  <a:srgbClr val="701C20"/>
+                </a:solidFill>
+              </a:rPr>
+              <a:t>교양</a:t>
+            </a:r>
+            <a:endParaRPr lang="en-US" altLang="ko-KR" sz="6600" dirty="0">
+              <a:solidFill>
+                <a:srgbClr val="701C20"/>
+              </a:solidFill>
+            </a:endParaRPr>
+          </a:p>
+          <a:p>
+            <a:pPr algn="ctr"/>
+            <a:r>
+              <a:rPr lang="ko-KR" altLang="en-US" sz="3200" b="1" dirty="0">
+                <a:solidFill>
+                  <a:schemeClr val="tx1"/>
+                </a:solidFill>
+              </a:rPr>
+              <a:t>대학수업</a:t>
+            </a:r>
+          </a:p>
+        </p:txBody>
+      </p:sp>
+    </p:spTree>
+    <p:extLst>
+      <p:ext uri="{BB962C8B-B14F-4D97-AF65-F5344CB8AC3E}">
+        <p14:creationId xmlns:p14="http://schemas.microsoft.com/office/powerpoint/2010/main" val="3097695430"/>
+      </p:ext>
+    </p:extLst>
+  </p:cSld>
+  <p:clrMapOvr>
+    <a:masterClrMapping/>
+  </p:clrMapOvr>
+</p:sld>
+</file>
+
+<file path=ppt/slides/slide5.xml><?xml version="1.0" encoding="utf-8"?>
+<p:sld xmlns:a="http://schemas.openxmlformats.org/drawingml/2006/main" xmlns:r="http://schemas.openxmlformats.org/officeDocument/2006/relationships" xmlns:p="http://schemas.openxmlformats.org/presentationml/2006/main">
+  <p:cSld>
+    <p:spTree>
+      <p:nvGrpSpPr>
+        <p:cNvPr id="1" name=""/>
+        <p:cNvGrpSpPr/>
+        <p:nvPr/>
+      </p:nvGrpSpPr>
+      <p:grpSpPr>
+        <a:xfrm>
+          <a:off x="0" y="0"/>
+          <a:ext cx="0" cy="0"/>
+          <a:chOff x="0" y="0"/>
+          <a:chExt cx="0" cy="0"/>
+        </a:xfrm>
+      </p:grpSpPr>
+      <p:pic>
+        <p:nvPicPr>
+          <p:cNvPr id="6" name="그림 5">
+            <a:extLst>
+              <a:ext uri="{FF2B5EF4-FFF2-40B4-BE49-F238E27FC236}">
+                <a16:creationId xmlns:a16="http://schemas.microsoft.com/office/drawing/2014/main" id="{A6EAB792-CFEE-2211-B893-26466AA6F737}"/>
+              </a:ext>
+            </a:extLst>
+          </p:cNvPr>
+          <p:cNvPicPr>
+            <a:picLocks noChangeAspect="1"/>
+          </p:cNvPicPr>
+          <p:nvPr/>
+        </p:nvPicPr>
+        <p:blipFill>
+          <a:blip r:embed="rId2">
+            <a:extLst>
+              <a:ext uri="{28A0092B-C50C-407E-A947-70E740481C1C}">
+                <a14:useLocalDpi xmlns:a14="http://schemas.microsoft.com/office/drawing/2010/main" val="0"/>
+              </a:ext>
+            </a:extLst>
+          </a:blip>
+          <a:stretch>
+            <a:fillRect/>
+          </a:stretch>
+        </p:blipFill>
+        <p:spPr>
+          <a:xfrm>
+            <a:off x="8932698" y="512579"/>
+            <a:ext cx="2302648" cy="2302648"/>
+          </a:xfrm>
+          <a:prstGeom prst="rect">
+            <a:avLst/>
+          </a:prstGeom>
+        </p:spPr>
+      </p:pic>
+      <p:grpSp>
+        <p:nvGrpSpPr>
+          <p:cNvPr id="3" name="그룹 2">
+            <a:extLst>
+              <a:ext uri="{FF2B5EF4-FFF2-40B4-BE49-F238E27FC236}">
+                <a16:creationId xmlns:a16="http://schemas.microsoft.com/office/drawing/2014/main" id="{9354FED1-0001-E1C8-93BB-D7B1369106D8}"/>
+              </a:ext>
+            </a:extLst>
+          </p:cNvPr>
+          <p:cNvGrpSpPr/>
+          <p:nvPr/>
+        </p:nvGrpSpPr>
+        <p:grpSpPr>
+          <a:xfrm>
+            <a:off x="2107978" y="2277675"/>
+            <a:ext cx="2405752" cy="2277596"/>
+            <a:chOff x="2264226" y="1828800"/>
+            <a:chExt cx="2405752" cy="2277596"/>
+          </a:xfrm>
+        </p:grpSpPr>
+        <p:sp>
+          <p:nvSpPr>
+            <p:cNvPr id="4" name="직사각형 3">
+              <a:extLst>
+                <a:ext uri="{FF2B5EF4-FFF2-40B4-BE49-F238E27FC236}">
+                  <a16:creationId xmlns:a16="http://schemas.microsoft.com/office/drawing/2014/main" id="{1A1009CC-D479-3CB1-AA8B-376EB9A4288A}"/>
+                </a:ext>
+              </a:extLst>
+            </p:cNvPr>
+            <p:cNvSpPr/>
+            <p:nvPr/>
+          </p:nvSpPr>
+          <p:spPr>
+            <a:xfrm>
+              <a:off x="2328304" y="1828800"/>
+              <a:ext cx="2277596" cy="2277596"/>
+            </a:xfrm>
+            <a:prstGeom prst="rect">
+              <a:avLst/>
+            </a:prstGeom>
+            <a:solidFill>
+              <a:schemeClr val="bg1">
+                <a:lumMod val="95000"/>
+              </a:schemeClr>
+            </a:solidFill>
+            <a:ln w="25400">
+              <a:solidFill>
+                <a:srgbClr val="F2F200"/>
+              </a:solidFill>
+            </a:ln>
+            <a:effectLst/>
+          </p:spPr>
+          <p:style>
+            <a:lnRef idx="2">
+              <a:schemeClr val="accent1">
+                <a:shade val="50000"/>
+              </a:schemeClr>
+            </a:lnRef>
+            <a:fillRef idx="1">
+              <a:schemeClr val="accent1"/>
+            </a:fillRef>
+            <a:effectRef idx="0">
+              <a:schemeClr val="accent1"/>
+            </a:effectRef>
+            <a:fontRef idx="minor">
+              <a:schemeClr val="lt1"/>
+            </a:fontRef>
+          </p:style>
+          <p:txBody>
+            <a:bodyPr rtlCol="0" anchor="ctr"/>
+            <a:lstStyle/>
+            <a:p>
+              <a:pPr algn="ctr"/>
+              <a:endParaRPr lang="ko-KR" altLang="en-US" sz="3200" b="1" dirty="0">
+                <a:solidFill>
+                  <a:schemeClr val="tx1"/>
+                </a:solidFill>
+              </a:endParaRPr>
+            </a:p>
+          </p:txBody>
+        </p:sp>
+        <p:pic>
+          <p:nvPicPr>
+            <p:cNvPr id="8" name="그림 7" descr="클립아트, 동물 피규어, 만화 영화, 예술이(가) 표시된 사진&#10;&#10;자동 생성된 설명">
+              <a:extLst>
+                <a:ext uri="{FF2B5EF4-FFF2-40B4-BE49-F238E27FC236}">
+                  <a16:creationId xmlns:a16="http://schemas.microsoft.com/office/drawing/2014/main" id="{B07CB74C-378B-6062-D1D3-886DC6A5227E}"/>
+                </a:ext>
+              </a:extLst>
+            </p:cNvPr>
+            <p:cNvPicPr>
+              <a:picLocks noChangeAspect="1"/>
+            </p:cNvPicPr>
+            <p:nvPr/>
+          </p:nvPicPr>
+          <p:blipFill>
+            <a:blip r:embed="rId3">
+              <a:extLst>
+                <a:ext uri="{28A0092B-C50C-407E-A947-70E740481C1C}">
+                  <a14:useLocalDpi xmlns:a14="http://schemas.microsoft.com/office/drawing/2010/main" val="0"/>
+                </a:ext>
+              </a:extLst>
+            </a:blip>
+            <a:stretch>
+              <a:fillRect/>
+            </a:stretch>
+          </p:blipFill>
+          <p:spPr>
+            <a:xfrm>
+              <a:off x="2264226" y="2085673"/>
+              <a:ext cx="2405752" cy="1763849"/>
+            </a:xfrm>
+            <a:prstGeom prst="rect">
+              <a:avLst/>
+            </a:prstGeom>
+          </p:spPr>
+        </p:pic>
+      </p:grpSp>
+      <p:pic>
+        <p:nvPicPr>
+          <p:cNvPr id="7" name="그림 6" descr="폰트, 그래픽, 그래픽 디자인, 스크린샷이(가) 표시된 사진&#10;&#10;자동 생성된 설명">
+            <a:extLst>
+              <a:ext uri="{FF2B5EF4-FFF2-40B4-BE49-F238E27FC236}">
+                <a16:creationId xmlns:a16="http://schemas.microsoft.com/office/drawing/2014/main" id="{3C6B82E9-0DF1-957E-676D-0C738D1D5438}"/>
+              </a:ext>
+            </a:extLst>
+          </p:cNvPr>
+          <p:cNvPicPr>
+            <a:picLocks noChangeAspect="1"/>
+          </p:cNvPicPr>
+          <p:nvPr/>
+        </p:nvPicPr>
+        <p:blipFill rotWithShape="1">
+          <a:blip r:embed="rId4">
+            <a:extLst>
+              <a:ext uri="{28A0092B-C50C-407E-A947-70E740481C1C}">
+                <a14:useLocalDpi xmlns:a14="http://schemas.microsoft.com/office/drawing/2010/main" val="0"/>
+              </a:ext>
+            </a:extLst>
+          </a:blip>
+          <a:srcRect r="48471"/>
+          <a:stretch/>
+        </p:blipFill>
+        <p:spPr>
+          <a:xfrm>
+            <a:off x="3948269" y="4243387"/>
+            <a:ext cx="3926541" cy="1419225"/>
+          </a:xfrm>
+          <a:prstGeom prst="rect">
+            <a:avLst/>
+          </a:prstGeom>
+        </p:spPr>
+      </p:pic>
+      <p:pic>
+        <p:nvPicPr>
+          <p:cNvPr id="11" name="그림 10">
+            <a:extLst>
+              <a:ext uri="{FF2B5EF4-FFF2-40B4-BE49-F238E27FC236}">
+                <a16:creationId xmlns:a16="http://schemas.microsoft.com/office/drawing/2014/main" id="{E4EDB08B-F0AD-C4CC-86E8-8E90D9C1A70D}"/>
+              </a:ext>
+            </a:extLst>
+          </p:cNvPr>
+          <p:cNvPicPr>
+            <a:picLocks noChangeAspect="1"/>
+          </p:cNvPicPr>
+          <p:nvPr/>
+        </p:nvPicPr>
+        <p:blipFill>
+          <a:blip r:embed="rId2">
+            <a:extLst>
+              <a:ext uri="{28A0092B-C50C-407E-A947-70E740481C1C}">
+                <a14:useLocalDpi xmlns:a14="http://schemas.microsoft.com/office/drawing/2010/main" val="0"/>
+              </a:ext>
+            </a:extLst>
+          </a:blip>
+          <a:stretch>
+            <a:fillRect/>
+          </a:stretch>
+        </p:blipFill>
+        <p:spPr>
+          <a:xfrm>
+            <a:off x="7874810" y="2252623"/>
+            <a:ext cx="2302648" cy="2302648"/>
+          </a:xfrm>
+          <a:prstGeom prst="rect">
+            <a:avLst/>
+          </a:prstGeom>
+        </p:spPr>
+      </p:pic>
+    </p:spTree>
+    <p:extLst>
+      <p:ext uri="{BB962C8B-B14F-4D97-AF65-F5344CB8AC3E}">
+        <p14:creationId xmlns:p14="http://schemas.microsoft.com/office/powerpoint/2010/main" val="2144716279"/>
+      </p:ext>
+    </p:extLst>
+  </p:cSld>
+  <p:clrMapOvr>
+    <a:masterClrMapping/>
+  </p:clrMapOvr>
+</p:sld>
+</file>
+
+<file path=ppt/slides/slide6.xml><?xml version="1.0" encoding="utf-8"?>
+<p:sld xmlns:a="http://schemas.openxmlformats.org/drawingml/2006/main" xmlns:r="http://schemas.openxmlformats.org/officeDocument/2006/relationships" xmlns:p="http://schemas.openxmlformats.org/presentationml/2006/main">
+  <p:cSld>
+    <p:spTree>
+      <p:nvGrpSpPr>
+        <p:cNvPr id="1" name=""/>
+        <p:cNvGrpSpPr/>
+        <p:nvPr/>
+      </p:nvGrpSpPr>
+      <p:grpSpPr>
+        <a:xfrm>
+          <a:off x="0" y="0"/>
+          <a:ext cx="0" cy="0"/>
+          <a:chOff x="0" y="0"/>
+          <a:chExt cx="0" cy="0"/>
+        </a:xfrm>
+      </p:grpSpPr>
+      <p:sp>
+        <p:nvSpPr>
+          <p:cNvPr id="7" name="직사각형 6">
+            <a:extLst>
+              <a:ext uri="{FF2B5EF4-FFF2-40B4-BE49-F238E27FC236}">
+                <a16:creationId xmlns:a16="http://schemas.microsoft.com/office/drawing/2014/main" id="{A3DCF2E3-833D-778C-D77A-D438077A4F7E}"/>
+              </a:ext>
+            </a:extLst>
+          </p:cNvPr>
+          <p:cNvSpPr/>
+          <p:nvPr/>
+        </p:nvSpPr>
+        <p:spPr>
+          <a:xfrm>
+            <a:off x="4957202" y="2290202"/>
+            <a:ext cx="2277596" cy="2277596"/>
+          </a:xfrm>
+          <a:prstGeom prst="rect">
+            <a:avLst/>
+          </a:prstGeom>
+          <a:solidFill>
+            <a:schemeClr val="bg1">
+              <a:lumMod val="95000"/>
+            </a:schemeClr>
+          </a:solidFill>
+          <a:ln w="25400">
+            <a:solidFill>
+              <a:srgbClr val="006DBB"/>
+            </a:solidFill>
+          </a:ln>
+          <a:effectLst/>
+        </p:spPr>
+        <p:style>
+          <a:lnRef idx="2">
+            <a:schemeClr val="accent1">
+              <a:shade val="50000"/>
+            </a:schemeClr>
+          </a:lnRef>
+          <a:fillRef idx="1">
+            <a:schemeClr val="accent1"/>
+          </a:fillRef>
+          <a:effectRef idx="0">
+            <a:schemeClr val="accent1"/>
+          </a:effectRef>
+          <a:fontRef idx="minor">
+            <a:schemeClr val="lt1"/>
+          </a:fontRef>
+        </p:style>
+        <p:txBody>
+          <a:bodyPr rtlCol="0" anchor="ctr"/>
+          <a:lstStyle/>
+          <a:p>
+            <a:pPr algn="ctr"/>
+            <a:endParaRPr lang="ko-KR" altLang="en-US" sz="3200" b="1" dirty="0">
+              <a:solidFill>
+                <a:schemeClr val="tx1"/>
+              </a:solidFill>
+            </a:endParaRPr>
+          </a:p>
+        </p:txBody>
+      </p:sp>
+      <p:pic>
+        <p:nvPicPr>
+          <p:cNvPr id="9" name="그림 8" descr="폰트, 그래픽, 그래픽 디자인, 스크린샷이(가) 표시된 사진&#10;&#10;자동 생성된 설명">
+            <a:extLst>
+              <a:ext uri="{FF2B5EF4-FFF2-40B4-BE49-F238E27FC236}">
+                <a16:creationId xmlns:a16="http://schemas.microsoft.com/office/drawing/2014/main" id="{7CF643BF-5C30-D98C-E8F3-E8ABD61328E2}"/>
+              </a:ext>
+            </a:extLst>
+          </p:cNvPr>
+          <p:cNvPicPr>
+            <a:picLocks noChangeAspect="1"/>
+          </p:cNvPicPr>
+          <p:nvPr/>
+        </p:nvPicPr>
+        <p:blipFill rotWithShape="1">
+          <a:blip r:embed="rId2">
+            <a:extLst>
+              <a:ext uri="{28A0092B-C50C-407E-A947-70E740481C1C}">
+                <a14:useLocalDpi xmlns:a14="http://schemas.microsoft.com/office/drawing/2010/main" val="0"/>
+              </a:ext>
+            </a:extLst>
+          </a:blip>
+          <a:srcRect r="48471"/>
+          <a:stretch/>
+        </p:blipFill>
+        <p:spPr>
+          <a:xfrm>
+            <a:off x="5217458" y="3111455"/>
+            <a:ext cx="1757084" cy="635088"/>
+          </a:xfrm>
+          <a:prstGeom prst="rect">
+            <a:avLst/>
+          </a:prstGeom>
+        </p:spPr>
+      </p:pic>
+      <p:grpSp>
+        <p:nvGrpSpPr>
+          <p:cNvPr id="5" name="그룹 4">
+            <a:extLst>
+              <a:ext uri="{FF2B5EF4-FFF2-40B4-BE49-F238E27FC236}">
+                <a16:creationId xmlns:a16="http://schemas.microsoft.com/office/drawing/2014/main" id="{FC6C369E-0CF1-12A5-1C09-3FFF18445CBD}"/>
+              </a:ext>
+            </a:extLst>
+          </p:cNvPr>
+          <p:cNvGrpSpPr/>
+          <p:nvPr/>
+        </p:nvGrpSpPr>
+        <p:grpSpPr>
+          <a:xfrm>
+            <a:off x="7592825" y="2290202"/>
+            <a:ext cx="2277596" cy="2277596"/>
+            <a:chOff x="7592825" y="2290202"/>
+            <a:chExt cx="2277596" cy="2277596"/>
+          </a:xfrm>
+        </p:grpSpPr>
+        <p:sp>
+          <p:nvSpPr>
+            <p:cNvPr id="2" name="직사각형 1">
+              <a:extLst>
+                <a:ext uri="{FF2B5EF4-FFF2-40B4-BE49-F238E27FC236}">
+                  <a16:creationId xmlns:a16="http://schemas.microsoft.com/office/drawing/2014/main" id="{A504A53C-B2AE-A8A5-60D8-3A9F565EE377}"/>
+                </a:ext>
+              </a:extLst>
+            </p:cNvPr>
+            <p:cNvSpPr/>
+            <p:nvPr/>
+          </p:nvSpPr>
+          <p:spPr>
+            <a:xfrm>
+              <a:off x="7592825" y="2290202"/>
+              <a:ext cx="2277596" cy="2277596"/>
+            </a:xfrm>
+            <a:prstGeom prst="rect">
+              <a:avLst/>
+            </a:prstGeom>
+            <a:solidFill>
+              <a:schemeClr val="bg1">
+                <a:lumMod val="95000"/>
+              </a:schemeClr>
+            </a:solidFill>
+            <a:ln w="25400">
+              <a:solidFill>
+                <a:srgbClr val="8F39A8"/>
+              </a:solidFill>
+            </a:ln>
+            <a:effectLst/>
+          </p:spPr>
+          <p:style>
+            <a:lnRef idx="2">
+              <a:schemeClr val="accent1">
+                <a:shade val="50000"/>
+              </a:schemeClr>
+            </a:lnRef>
+            <a:fillRef idx="1">
+              <a:schemeClr val="accent1"/>
+            </a:fillRef>
+            <a:effectRef idx="0">
+              <a:schemeClr val="accent1"/>
+            </a:effectRef>
+            <a:fontRef idx="minor">
+              <a:schemeClr val="lt1"/>
+            </a:fontRef>
+          </p:style>
+          <p:txBody>
+            <a:bodyPr rtlCol="0" anchor="ctr"/>
+            <a:lstStyle/>
+            <a:p>
+              <a:pPr algn="ctr"/>
+              <a:endParaRPr lang="ko-KR" altLang="en-US" sz="3200" b="1" dirty="0">
+                <a:solidFill>
+                  <a:schemeClr val="tx1"/>
+                </a:solidFill>
+              </a:endParaRPr>
+            </a:p>
+          </p:txBody>
+        </p:sp>
+        <p:pic>
+          <p:nvPicPr>
+            <p:cNvPr id="4" name="그림 3" descr="그래픽, 다채로움, 원, 그래픽 디자인이(가) 표시된 사진&#10;&#10;자동 생성된 설명">
+              <a:extLst>
+                <a:ext uri="{FF2B5EF4-FFF2-40B4-BE49-F238E27FC236}">
+                  <a16:creationId xmlns:a16="http://schemas.microsoft.com/office/drawing/2014/main" id="{07E0E81D-0050-B3FB-27F5-33857E80E88E}"/>
+                </a:ext>
+              </a:extLst>
+            </p:cNvPr>
+            <p:cNvPicPr>
+              <a:picLocks noChangeAspect="1"/>
+            </p:cNvPicPr>
+            <p:nvPr/>
+          </p:nvPicPr>
+          <p:blipFill rotWithShape="1">
+            <a:blip r:embed="rId3">
+              <a:extLst>
+                <a:ext uri="{28A0092B-C50C-407E-A947-70E740481C1C}">
+                  <a14:useLocalDpi xmlns:a14="http://schemas.microsoft.com/office/drawing/2010/main" val="0"/>
+                </a:ext>
+              </a:extLst>
+            </a:blip>
+            <a:srcRect l="11117" t="10810" r="11117" b="10810"/>
+            <a:stretch/>
+          </p:blipFill>
+          <p:spPr>
+            <a:xfrm>
+              <a:off x="7881096" y="2571750"/>
+              <a:ext cx="1701054" cy="1714498"/>
+            </a:xfrm>
+            <a:prstGeom prst="rect">
+              <a:avLst/>
+            </a:prstGeom>
+          </p:spPr>
+        </p:pic>
+      </p:grpSp>
+      <p:sp>
+        <p:nvSpPr>
+          <p:cNvPr id="6" name="직사각형 5">
+            <a:extLst>
+              <a:ext uri="{FF2B5EF4-FFF2-40B4-BE49-F238E27FC236}">
+                <a16:creationId xmlns:a16="http://schemas.microsoft.com/office/drawing/2014/main" id="{7545A4E3-EE34-6BAF-2D93-DE1E11D8895D}"/>
+              </a:ext>
+            </a:extLst>
+          </p:cNvPr>
+          <p:cNvSpPr/>
+          <p:nvPr/>
+        </p:nvSpPr>
+        <p:spPr>
+          <a:xfrm>
+            <a:off x="1410680" y="2290202"/>
+            <a:ext cx="2277596" cy="2277596"/>
+          </a:xfrm>
+          <a:prstGeom prst="rect">
+            <a:avLst/>
+          </a:prstGeom>
+          <a:solidFill>
+            <a:schemeClr val="bg1">
+              <a:lumMod val="95000"/>
+            </a:schemeClr>
+          </a:solidFill>
+          <a:ln w="25400">
+            <a:solidFill>
+              <a:srgbClr val="003586"/>
+            </a:solidFill>
+          </a:ln>
+          <a:effectLst/>
+        </p:spPr>
+        <p:style>
+          <a:lnRef idx="2">
+            <a:schemeClr val="accent1">
+              <a:shade val="50000"/>
+            </a:schemeClr>
+          </a:lnRef>
+          <a:fillRef idx="1">
+            <a:schemeClr val="accent1"/>
+          </a:fillRef>
+          <a:effectRef idx="0">
+            <a:schemeClr val="accent1"/>
+          </a:effectRef>
+          <a:fontRef idx="minor">
+            <a:schemeClr val="lt1"/>
+          </a:fontRef>
+        </p:style>
+        <p:txBody>
+          <a:bodyPr rtlCol="0" anchor="ctr"/>
+          <a:lstStyle/>
+          <a:p>
+            <a:pPr algn="ctr"/>
+            <a:endParaRPr lang="ko-KR" altLang="en-US" sz="3200" b="1" dirty="0">
+              <a:solidFill>
+                <a:schemeClr val="tx1"/>
+              </a:solidFill>
+            </a:endParaRPr>
+          </a:p>
+        </p:txBody>
+      </p:sp>
+      <p:pic>
+        <p:nvPicPr>
+          <p:cNvPr id="10" name="그림 9" descr="폰트, 텍스트, 그래픽, 스크린샷이(가) 표시된 사진&#10;&#10;자동 생성된 설명">
+            <a:extLst>
+              <a:ext uri="{FF2B5EF4-FFF2-40B4-BE49-F238E27FC236}">
+                <a16:creationId xmlns:a16="http://schemas.microsoft.com/office/drawing/2014/main" id="{5B21A1F2-8FC4-4E7A-7E17-59C6B30154A2}"/>
+              </a:ext>
+            </a:extLst>
+          </p:cNvPr>
+          <p:cNvPicPr>
+            <a:picLocks noChangeAspect="1"/>
+          </p:cNvPicPr>
+          <p:nvPr/>
+        </p:nvPicPr>
+        <p:blipFill>
+          <a:blip r:embed="rId4">
+            <a:extLst>
+              <a:ext uri="{28A0092B-C50C-407E-A947-70E740481C1C}">
+                <a14:useLocalDpi xmlns:a14="http://schemas.microsoft.com/office/drawing/2010/main" val="0"/>
+              </a:ext>
+            </a:extLst>
+          </a:blip>
+          <a:stretch>
+            <a:fillRect/>
+          </a:stretch>
+        </p:blipFill>
+        <p:spPr>
+          <a:xfrm>
+            <a:off x="1574036" y="2964178"/>
+            <a:ext cx="1990348" cy="960122"/>
+          </a:xfrm>
+          <a:prstGeom prst="rect">
+            <a:avLst/>
+          </a:prstGeom>
+        </p:spPr>
+      </p:pic>
+    </p:spTree>
+    <p:extLst>
+      <p:ext uri="{BB962C8B-B14F-4D97-AF65-F5344CB8AC3E}">
+        <p14:creationId xmlns:p14="http://schemas.microsoft.com/office/powerpoint/2010/main" val="3681167404"/>
+      </p:ext>
+    </p:extLst>
+  </p:cSld>
+  <p:clrMapOvr>
+    <a:masterClrMapping/>
+  </p:clrMapOvr>
+</p:sld>
+</file>
+
+<file path=ppt/slides/slide7.xml><?xml version="1.0" encoding="utf-8"?>
+<p:sld xmlns:a="http://schemas.openxmlformats.org/drawingml/2006/main" xmlns:r="http://schemas.openxmlformats.org/officeDocument/2006/relationships" xmlns:p="http://schemas.openxmlformats.org/presentationml/2006/main">
+  <p:cSld>
+    <p:spTree>
+      <p:nvGrpSpPr>
+        <p:cNvPr id="1" name=""/>
+        <p:cNvGrpSpPr/>
+        <p:nvPr/>
+      </p:nvGrpSpPr>
+      <p:grpSpPr>
+        <a:xfrm>
+          <a:off x="0" y="0"/>
+          <a:ext cx="0" cy="0"/>
+          <a:chOff x="0" y="0"/>
+          <a:chExt cx="0" cy="0"/>
+        </a:xfrm>
+      </p:grpSpPr>
+      <p:sp>
+        <p:nvSpPr>
+          <p:cNvPr id="10" name="직사각형 9">
+            <a:extLst>
+              <a:ext uri="{FF2B5EF4-FFF2-40B4-BE49-F238E27FC236}">
+                <a16:creationId xmlns:a16="http://schemas.microsoft.com/office/drawing/2014/main" id="{097C83B7-6FF7-734F-DE55-DFF80F3E5284}"/>
+              </a:ext>
+            </a:extLst>
+          </p:cNvPr>
+          <p:cNvSpPr/>
+          <p:nvPr/>
+        </p:nvSpPr>
+        <p:spPr>
+          <a:xfrm>
+            <a:off x="4957202" y="2290202"/>
+            <a:ext cx="2277596" cy="2277596"/>
+          </a:xfrm>
+          <a:prstGeom prst="rect">
+            <a:avLst/>
+          </a:prstGeom>
+          <a:solidFill>
+            <a:schemeClr val="bg1">
+              <a:lumMod val="95000"/>
+            </a:schemeClr>
+          </a:solidFill>
+          <a:ln w="25400">
+            <a:solidFill>
+              <a:srgbClr val="231F20"/>
+            </a:solidFill>
+          </a:ln>
+          <a:effectLst/>
+        </p:spPr>
+        <p:style>
+          <a:lnRef idx="2">
+            <a:schemeClr val="accent1">
+              <a:shade val="50000"/>
+            </a:schemeClr>
+          </a:lnRef>
+          <a:fillRef idx="1">
+            <a:schemeClr val="accent1"/>
+          </a:fillRef>
+          <a:effectRef idx="0">
+            <a:schemeClr val="accent1"/>
+          </a:effectRef>
+          <a:fontRef idx="minor">
+            <a:schemeClr val="lt1"/>
+          </a:fontRef>
+        </p:style>
+        <p:txBody>
+          <a:bodyPr rtlCol="0" anchor="ctr"/>
+          <a:lstStyle/>
+          <a:p>
+            <a:pPr algn="ctr"/>
+            <a:endParaRPr lang="ko-KR" altLang="en-US" sz="3200" b="1" dirty="0">
+              <a:solidFill>
+                <a:schemeClr val="tx1"/>
+              </a:solidFill>
+            </a:endParaRPr>
+          </a:p>
+        </p:txBody>
+      </p:sp>
+      <p:pic>
+        <p:nvPicPr>
+          <p:cNvPr id="11" name="그림 10" descr="폰트, 스크린샷, 그래픽, 블랙이(가) 표시된 사진&#10;&#10;자동 생성된 설명">
+            <a:extLst>
+              <a:ext uri="{FF2B5EF4-FFF2-40B4-BE49-F238E27FC236}">
+                <a16:creationId xmlns:a16="http://schemas.microsoft.com/office/drawing/2014/main" id="{3DEDC0FD-C64D-3422-CA17-D08CBFBBDC14}"/>
+              </a:ext>
+            </a:extLst>
+          </p:cNvPr>
+          <p:cNvPicPr>
+            <a:picLocks noChangeAspect="1"/>
+          </p:cNvPicPr>
+          <p:nvPr/>
+        </p:nvPicPr>
+        <p:blipFill>
+          <a:blip r:embed="rId2">
+            <a:extLst>
+              <a:ext uri="{28A0092B-C50C-407E-A947-70E740481C1C}">
+                <a14:useLocalDpi xmlns:a14="http://schemas.microsoft.com/office/drawing/2010/main" val="0"/>
+              </a:ext>
+            </a:extLst>
+          </a:blip>
+          <a:stretch>
+            <a:fillRect/>
+          </a:stretch>
+        </p:blipFill>
+        <p:spPr>
+          <a:xfrm>
+            <a:off x="5212466" y="3255238"/>
+            <a:ext cx="1767068" cy="347524"/>
+          </a:xfrm>
+          <a:prstGeom prst="rect">
+            <a:avLst/>
+          </a:prstGeom>
+        </p:spPr>
+      </p:pic>
+    </p:spTree>
+    <p:extLst>
+      <p:ext uri="{BB962C8B-B14F-4D97-AF65-F5344CB8AC3E}">
+        <p14:creationId xmlns:p14="http://schemas.microsoft.com/office/powerpoint/2010/main" val="2775509840"/>
+      </p:ext>
+    </p:extLst>
+  </p:cSld>
+  <p:clrMapOvr>
+    <a:masterClrMapping/>
+  </p:clrMapOvr>
+</p:sld>
+</file>
+
+<file path=ppt/slides/slide8.xml><?xml version="1.0" encoding="utf-8"?>
+<p:sld xmlns:a="http://schemas.openxmlformats.org/drawingml/2006/main" xmlns:r="http://schemas.openxmlformats.org/officeDocument/2006/relationships" xmlns:p="http://schemas.openxmlformats.org/presentationml/2006/main">
+  <p:cSld>
+    <p:spTree>
+      <p:nvGrpSpPr>
+        <p:cNvPr id="1" name=""/>
+        <p:cNvGrpSpPr/>
+        <p:nvPr/>
+      </p:nvGrpSpPr>
+      <p:grpSpPr>
+        <a:xfrm>
+          <a:off x="0" y="0"/>
+          <a:ext cx="0" cy="0"/>
+          <a:chOff x="0" y="0"/>
+          <a:chExt cx="0" cy="0"/>
+        </a:xfrm>
+      </p:grpSpPr>
+      <p:sp>
+        <p:nvSpPr>
+          <p:cNvPr id="4" name="직사각형 3">
+            <a:extLst>
+              <a:ext uri="{FF2B5EF4-FFF2-40B4-BE49-F238E27FC236}">
+                <a16:creationId xmlns:a16="http://schemas.microsoft.com/office/drawing/2014/main" id="{FDE4FC84-2B3D-09B2-AF7D-890C410784A3}"/>
+              </a:ext>
+            </a:extLst>
+          </p:cNvPr>
+          <p:cNvSpPr/>
+          <p:nvPr/>
+        </p:nvSpPr>
+        <p:spPr>
+          <a:xfrm>
+            <a:off x="4957202" y="2290202"/>
+            <a:ext cx="2277596" cy="2277596"/>
+          </a:xfrm>
+          <a:prstGeom prst="rect">
+            <a:avLst/>
+          </a:prstGeom>
+          <a:solidFill>
+            <a:srgbClr val="FFFFFF"/>
+          </a:solidFill>
+          <a:ln w="25400">
+            <a:solidFill>
+              <a:srgbClr val="323232"/>
+            </a:solidFill>
+          </a:ln>
+          <a:effectLst/>
+        </p:spPr>
+        <p:style>
+          <a:lnRef idx="2">
+            <a:schemeClr val="accent1">
+              <a:shade val="50000"/>
+            </a:schemeClr>
+          </a:lnRef>
+          <a:fillRef idx="1">
+            <a:schemeClr val="accent1"/>
+          </a:fillRef>
+          <a:effectRef idx="0">
+            <a:schemeClr val="accent1"/>
+          </a:effectRef>
+          <a:fontRef idx="minor">
+            <a:schemeClr val="lt1"/>
+          </a:fontRef>
+        </p:style>
+        <p:txBody>
+          <a:bodyPr rtlCol="0" anchor="ctr"/>
+          <a:lstStyle/>
+          <a:p>
+            <a:pPr algn="ctr"/>
+            <a:endParaRPr lang="ko-KR" altLang="en-US" sz="3200" b="1" dirty="0">
+              <a:solidFill>
+                <a:schemeClr val="tx1"/>
+              </a:solidFill>
+            </a:endParaRPr>
+          </a:p>
+        </p:txBody>
+      </p:sp>
+      <p:pic>
+        <p:nvPicPr>
+          <p:cNvPr id="6" name="그림 5" descr="텍스트, 폰트, 그래픽, 로고이(가) 표시된 사진">
+            <a:extLst>
+              <a:ext uri="{FF2B5EF4-FFF2-40B4-BE49-F238E27FC236}">
+                <a16:creationId xmlns:a16="http://schemas.microsoft.com/office/drawing/2014/main" id="{DCB39248-4644-9AED-24AA-7AC9BCD6F150}"/>
+              </a:ext>
+            </a:extLst>
+          </p:cNvPr>
+          <p:cNvPicPr>
+            <a:picLocks noChangeAspect="1"/>
+          </p:cNvPicPr>
+          <p:nvPr/>
+        </p:nvPicPr>
+        <p:blipFill>
+          <a:blip r:embed="rId2">
+            <a:extLst>
+              <a:ext uri="{28A0092B-C50C-407E-A947-70E740481C1C}">
+                <a14:useLocalDpi xmlns:a14="http://schemas.microsoft.com/office/drawing/2010/main" val="0"/>
+              </a:ext>
+            </a:extLst>
+          </a:blip>
+          <a:stretch>
+            <a:fillRect/>
+          </a:stretch>
+        </p:blipFill>
+        <p:spPr>
+          <a:xfrm>
+            <a:off x="5154684" y="3194283"/>
+            <a:ext cx="1882632" cy="469434"/>
+          </a:xfrm>
+          <a:prstGeom prst="rect">
+            <a:avLst/>
+          </a:prstGeom>
+        </p:spPr>
+      </p:pic>
+    </p:spTree>
+    <p:extLst>
+      <p:ext uri="{BB962C8B-B14F-4D97-AF65-F5344CB8AC3E}">
+        <p14:creationId xmlns:p14="http://schemas.microsoft.com/office/powerpoint/2010/main" val="3028218472"/>
+      </p:ext>
+    </p:extLst>
+  </p:cSld>
+  <p:clrMapOvr>
+    <a:masterClrMapping/>
+  </p:clrMapOvr>
+</p:sld>
+</file>
+
+<file path=ppt/slides/slide9.xml><?xml version="1.0" encoding="utf-8"?>
+<p:sld xmlns:a="http://schemas.openxmlformats.org/drawingml/2006/main" xmlns:r="http://schemas.openxmlformats.org/officeDocument/2006/relationships" xmlns:p="http://schemas.openxmlformats.org/presentationml/2006/main">
+  <p:cSld>
+    <p:spTree>
+      <p:nvGrpSpPr>
+        <p:cNvPr id="1" name=""/>
+        <p:cNvGrpSpPr/>
+        <p:nvPr/>
+      </p:nvGrpSpPr>
+      <p:grpSpPr>
+        <a:xfrm>
+          <a:off x="0" y="0"/>
+          <a:ext cx="0" cy="0"/>
+          <a:chOff x="0" y="0"/>
+          <a:chExt cx="0" cy="0"/>
+        </a:xfrm>
+      </p:grpSpPr>
+      <p:sp>
+        <p:nvSpPr>
+          <p:cNvPr id="4" name="직사각형 3">
+            <a:extLst>
+              <a:ext uri="{FF2B5EF4-FFF2-40B4-BE49-F238E27FC236}">
+                <a16:creationId xmlns:a16="http://schemas.microsoft.com/office/drawing/2014/main" id="{389727F9-EAE5-7B49-48A9-C5DBB13F642B}"/>
+              </a:ext>
+            </a:extLst>
+          </p:cNvPr>
+          <p:cNvSpPr/>
+          <p:nvPr/>
+        </p:nvSpPr>
+        <p:spPr>
+          <a:xfrm>
+            <a:off x="4957202" y="2290202"/>
+            <a:ext cx="2277596" cy="2277596"/>
+          </a:xfrm>
+          <a:prstGeom prst="rect">
+            <a:avLst/>
+          </a:prstGeom>
+          <a:solidFill>
+            <a:schemeClr val="bg1">
+              <a:lumMod val="95000"/>
+            </a:schemeClr>
+          </a:solidFill>
+          <a:ln w="25400">
+            <a:solidFill>
+              <a:srgbClr val="03CF5D"/>
+            </a:solidFill>
+          </a:ln>
+          <a:effectLst/>
+        </p:spPr>
+        <p:style>
+          <a:lnRef idx="2">
+            <a:schemeClr val="accent1">
+              <a:shade val="50000"/>
+            </a:schemeClr>
+          </a:lnRef>
+          <a:fillRef idx="1">
+            <a:schemeClr val="accent1"/>
+          </a:fillRef>
+          <a:effectRef idx="0">
+            <a:schemeClr val="accent1"/>
+          </a:effectRef>
+          <a:fontRef idx="minor">
+            <a:schemeClr val="lt1"/>
+          </a:fontRef>
+        </p:style>
+        <p:txBody>
+          <a:bodyPr rtlCol="0" anchor="ctr"/>
+          <a:lstStyle/>
+          <a:p>
+            <a:pPr algn="ctr"/>
+            <a:endParaRPr lang="ko-KR" altLang="en-US" sz="3200" b="1" dirty="0">
+              <a:solidFill>
+                <a:schemeClr val="tx1"/>
+              </a:solidFill>
+            </a:endParaRPr>
+          </a:p>
+        </p:txBody>
+      </p:sp>
+      <p:pic>
+        <p:nvPicPr>
+          <p:cNvPr id="6" name="그림 5" descr="그래픽, 그래픽 디자인, 폰트, 다채로움이(가) 표시된 사진&#10;&#10;자동 생성된 설명">
+            <a:extLst>
+              <a:ext uri="{FF2B5EF4-FFF2-40B4-BE49-F238E27FC236}">
+                <a16:creationId xmlns:a16="http://schemas.microsoft.com/office/drawing/2014/main" id="{D6342785-F102-4C72-AC15-C3B73F9B6B40}"/>
+              </a:ext>
+            </a:extLst>
+          </p:cNvPr>
+          <p:cNvPicPr>
+            <a:picLocks noChangeAspect="1"/>
+          </p:cNvPicPr>
+          <p:nvPr/>
+        </p:nvPicPr>
+        <p:blipFill>
+          <a:blip r:embed="rId2">
+            <a:extLst>
+              <a:ext uri="{28A0092B-C50C-407E-A947-70E740481C1C}">
+                <a14:useLocalDpi xmlns:a14="http://schemas.microsoft.com/office/drawing/2010/main" val="0"/>
+              </a:ext>
+            </a:extLst>
+          </a:blip>
+          <a:stretch>
+            <a:fillRect/>
+          </a:stretch>
+        </p:blipFill>
+        <p:spPr>
+          <a:xfrm>
+            <a:off x="5153942" y="3248316"/>
+            <a:ext cx="1884116" cy="361367"/>
+          </a:xfrm>
+          <a:prstGeom prst="rect">
+            <a:avLst/>
+          </a:prstGeom>
+        </p:spPr>
+      </p:pic>
+    </p:spTree>
+    <p:extLst>
+      <p:ext uri="{BB962C8B-B14F-4D97-AF65-F5344CB8AC3E}">
+        <p14:creationId xmlns:p14="http://schemas.microsoft.com/office/powerpoint/2010/main" val="491855824"/>
+      </p:ext>
+    </p:extLst>
+  </p:cSld>
+  <p:clrMapOvr>
+    <a:masterClrMapping/>
+  </p:clrMapOvr>
+</p:sld>
+</file>
+
 <file path=ppt/theme/theme1.xml><?xml version="1.0" encoding="utf-8"?>
 <a:theme xmlns:a="http://schemas.openxmlformats.org/drawingml/2006/main" name="Office 테마">
   <a:themeElements>

--- a/budongsan/프레젠테이션1.pptx
+++ b/budongsan/프레젠테이션1.pptx
@@ -22,8 +22,13 @@
     <p:sldId id="269" r:id="rId16"/>
     <p:sldId id="270" r:id="rId17"/>
     <p:sldId id="273" r:id="rId18"/>
-    <p:sldId id="274" r:id="rId19"/>
-    <p:sldId id="268" r:id="rId20"/>
+    <p:sldId id="275" r:id="rId19"/>
+    <p:sldId id="274" r:id="rId20"/>
+    <p:sldId id="277" r:id="rId21"/>
+    <p:sldId id="278" r:id="rId22"/>
+    <p:sldId id="279" r:id="rId23"/>
+    <p:sldId id="268" r:id="rId24"/>
+    <p:sldId id="276" r:id="rId25"/>
   </p:sldIdLst>
   <p:sldSz cx="12192000" cy="6858000"/>
   <p:notesSz cx="6858000" cy="9144000"/>
@@ -277,7 +282,7 @@
           <a:p>
             <a:fld id="{F9461951-D42A-489C-80F1-7A9460A9A55B}" type="datetimeFigureOut">
               <a:rPr lang="ko-KR" altLang="en-US" smtClean="0"/>
-              <a:t>2023-08-06</a:t>
+              <a:t>2023-09-10</a:t>
             </a:fld>
             <a:endParaRPr lang="ko-KR" altLang="en-US"/>
           </a:p>
@@ -475,7 +480,7 @@
           <a:p>
             <a:fld id="{F9461951-D42A-489C-80F1-7A9460A9A55B}" type="datetimeFigureOut">
               <a:rPr lang="ko-KR" altLang="en-US" smtClean="0"/>
-              <a:t>2023-08-06</a:t>
+              <a:t>2023-09-10</a:t>
             </a:fld>
             <a:endParaRPr lang="ko-KR" altLang="en-US"/>
           </a:p>
@@ -683,7 +688,7 @@
           <a:p>
             <a:fld id="{F9461951-D42A-489C-80F1-7A9460A9A55B}" type="datetimeFigureOut">
               <a:rPr lang="ko-KR" altLang="en-US" smtClean="0"/>
-              <a:t>2023-08-06</a:t>
+              <a:t>2023-09-10</a:t>
             </a:fld>
             <a:endParaRPr lang="ko-KR" altLang="en-US"/>
           </a:p>
@@ -881,7 +886,7 @@
           <a:p>
             <a:fld id="{F9461951-D42A-489C-80F1-7A9460A9A55B}" type="datetimeFigureOut">
               <a:rPr lang="ko-KR" altLang="en-US" smtClean="0"/>
-              <a:t>2023-08-06</a:t>
+              <a:t>2023-09-10</a:t>
             </a:fld>
             <a:endParaRPr lang="ko-KR" altLang="en-US"/>
           </a:p>
@@ -1156,7 +1161,7 @@
           <a:p>
             <a:fld id="{F9461951-D42A-489C-80F1-7A9460A9A55B}" type="datetimeFigureOut">
               <a:rPr lang="ko-KR" altLang="en-US" smtClean="0"/>
-              <a:t>2023-08-06</a:t>
+              <a:t>2023-09-10</a:t>
             </a:fld>
             <a:endParaRPr lang="ko-KR" altLang="en-US"/>
           </a:p>
@@ -1421,7 +1426,7 @@
           <a:p>
             <a:fld id="{F9461951-D42A-489C-80F1-7A9460A9A55B}" type="datetimeFigureOut">
               <a:rPr lang="ko-KR" altLang="en-US" smtClean="0"/>
-              <a:t>2023-08-06</a:t>
+              <a:t>2023-09-10</a:t>
             </a:fld>
             <a:endParaRPr lang="ko-KR" altLang="en-US"/>
           </a:p>
@@ -1833,7 +1838,7 @@
           <a:p>
             <a:fld id="{F9461951-D42A-489C-80F1-7A9460A9A55B}" type="datetimeFigureOut">
               <a:rPr lang="ko-KR" altLang="en-US" smtClean="0"/>
-              <a:t>2023-08-06</a:t>
+              <a:t>2023-09-10</a:t>
             </a:fld>
             <a:endParaRPr lang="ko-KR" altLang="en-US"/>
           </a:p>
@@ -1974,7 +1979,7 @@
           <a:p>
             <a:fld id="{F9461951-D42A-489C-80F1-7A9460A9A55B}" type="datetimeFigureOut">
               <a:rPr lang="ko-KR" altLang="en-US" smtClean="0"/>
-              <a:t>2023-08-06</a:t>
+              <a:t>2023-09-10</a:t>
             </a:fld>
             <a:endParaRPr lang="ko-KR" altLang="en-US"/>
           </a:p>
@@ -2087,7 +2092,7 @@
           <a:p>
             <a:fld id="{F9461951-D42A-489C-80F1-7A9460A9A55B}" type="datetimeFigureOut">
               <a:rPr lang="ko-KR" altLang="en-US" smtClean="0"/>
-              <a:t>2023-08-06</a:t>
+              <a:t>2023-09-10</a:t>
             </a:fld>
             <a:endParaRPr lang="ko-KR" altLang="en-US"/>
           </a:p>
@@ -2398,7 +2403,7 @@
           <a:p>
             <a:fld id="{F9461951-D42A-489C-80F1-7A9460A9A55B}" type="datetimeFigureOut">
               <a:rPr lang="ko-KR" altLang="en-US" smtClean="0"/>
-              <a:t>2023-08-06</a:t>
+              <a:t>2023-09-10</a:t>
             </a:fld>
             <a:endParaRPr lang="ko-KR" altLang="en-US"/>
           </a:p>
@@ -2686,7 +2691,7 @@
           <a:p>
             <a:fld id="{F9461951-D42A-489C-80F1-7A9460A9A55B}" type="datetimeFigureOut">
               <a:rPr lang="ko-KR" altLang="en-US" smtClean="0"/>
-              <a:t>2023-08-06</a:t>
+              <a:t>2023-09-10</a:t>
             </a:fld>
             <a:endParaRPr lang="ko-KR" altLang="en-US"/>
           </a:p>
@@ -2927,7 +2932,7 @@
           <a:p>
             <a:fld id="{F9461951-D42A-489C-80F1-7A9460A9A55B}" type="datetimeFigureOut">
               <a:rPr lang="ko-KR" altLang="en-US" smtClean="0"/>
-              <a:t>2023-08-06</a:t>
+              <a:t>2023-09-10</a:t>
             </a:fld>
             <a:endParaRPr lang="ko-KR" altLang="en-US"/>
           </a:p>
@@ -4563,7 +4568,7 @@
           <p:cNvPr id="4" name="직사각형 3">
             <a:extLst>
               <a:ext uri="{FF2B5EF4-FFF2-40B4-BE49-F238E27FC236}">
-                <a16:creationId xmlns:a16="http://schemas.microsoft.com/office/drawing/2014/main" id="{193D094A-958C-614E-849E-90A9C184FB8E}"/>
+                <a16:creationId xmlns:a16="http://schemas.microsoft.com/office/drawing/2014/main" id="{7CE0D245-C11E-8895-3057-556FAFA8504C}"/>
               </a:ext>
             </a:extLst>
           </p:cNvPr>
@@ -4585,7 +4590,7 @@
           </a:solidFill>
           <a:ln w="25400">
             <a:solidFill>
-              <a:srgbClr val="000000"/>
+              <a:srgbClr val="0086CC"/>
             </a:solidFill>
           </a:ln>
           <a:effectLst/>
@@ -4621,10 +4626,10 @@
       </p:sp>
       <p:pic>
         <p:nvPicPr>
-          <p:cNvPr id="6" name="그림 5" descr="폰트, 그래픽, 로고, 그래픽 디자인이(가) 표시된 사진&#10;&#10;자동 생성된 설명">
-            <a:extLst>
-              <a:ext uri="{FF2B5EF4-FFF2-40B4-BE49-F238E27FC236}">
-                <a16:creationId xmlns:a16="http://schemas.microsoft.com/office/drawing/2014/main" id="{93B9C44F-FF69-0582-843E-EE850E72D8F4}"/>
+          <p:cNvPr id="7" name="그래픽 6">
+            <a:extLst>
+              <a:ext uri="{FF2B5EF4-FFF2-40B4-BE49-F238E27FC236}">
+                <a16:creationId xmlns:a16="http://schemas.microsoft.com/office/drawing/2014/main" id="{62C719E4-97E2-72E8-B0B8-E6C62130CAF4}"/>
               </a:ext>
             </a:extLst>
           </p:cNvPr>
@@ -4639,6 +4644,9 @@
               <a:ext uri="{28A0092B-C50C-407E-A947-70E740481C1C}">
                 <a14:useLocalDpi xmlns:a14="http://schemas.microsoft.com/office/drawing/2010/main" val="0"/>
               </a:ext>
+              <a:ext uri="{96DAC541-7B7A-43D3-8B79-37D633B846F1}">
+                <asvg:svgBlip xmlns:asvg="http://schemas.microsoft.com/office/drawing/2016/SVG/main" r:embed="rId3"/>
+              </a:ext>
             </a:extLst>
           </a:blip>
           <a:stretch>
@@ -4647,8 +4655,8 @@
         </p:blipFill>
         <p:spPr>
           <a:xfrm>
-            <a:off x="5159048" y="3116682"/>
-            <a:ext cx="1873904" cy="624635"/>
+            <a:off x="5074024" y="3217180"/>
+            <a:ext cx="2043952" cy="423640"/>
           </a:xfrm>
           <a:prstGeom prst="rect">
             <a:avLst/>
@@ -4658,7 +4666,7 @@
     </p:spTree>
     <p:extLst>
       <p:ext uri="{BB962C8B-B14F-4D97-AF65-F5344CB8AC3E}">
-        <p14:creationId xmlns:p14="http://schemas.microsoft.com/office/powerpoint/2010/main" val="1739074395"/>
+        <p14:creationId xmlns:p14="http://schemas.microsoft.com/office/powerpoint/2010/main" val="3517130403"/>
       </p:ext>
     </p:extLst>
   </p:cSld>
@@ -4690,7 +4698,7 @@
           <p:cNvPr id="4" name="직사각형 3">
             <a:extLst>
               <a:ext uri="{FF2B5EF4-FFF2-40B4-BE49-F238E27FC236}">
-                <a16:creationId xmlns:a16="http://schemas.microsoft.com/office/drawing/2014/main" id="{59002BEC-4C13-8AD1-9409-3E88351A075A}"/>
+                <a16:creationId xmlns:a16="http://schemas.microsoft.com/office/drawing/2014/main" id="{193D094A-958C-614E-849E-90A9C184FB8E}"/>
               </a:ext>
             </a:extLst>
           </p:cNvPr>
@@ -4706,10 +4714,14 @@
             <a:avLst/>
           </a:prstGeom>
           <a:solidFill>
-            <a:srgbClr val="C00000"/>
+            <a:schemeClr val="bg1">
+              <a:lumMod val="95000"/>
+            </a:schemeClr>
           </a:solidFill>
           <a:ln w="25400">
-            <a:noFill/>
+            <a:solidFill>
+              <a:srgbClr val="000000"/>
+            </a:solidFill>
           </a:ln>
           <a:effectLst/>
         </p:spPr>
@@ -4734,37 +4746,54 @@
           <a:lstStyle/>
           <a:p>
             <a:pPr algn="ctr"/>
-            <a:r>
-              <a:rPr lang="ko-KR" altLang="en-US" sz="3200" b="1" dirty="0" err="1">
-                <a:solidFill>
-                  <a:schemeClr val="bg1"/>
-                </a:solidFill>
-              </a:rPr>
-              <a:t>시노빌</a:t>
-            </a:r>
-            <a:endParaRPr lang="en-US" altLang="ko-KR" sz="3200" b="1" dirty="0">
+            <a:endParaRPr lang="ko-KR" altLang="en-US" sz="3200" b="1" dirty="0">
               <a:solidFill>
-                <a:schemeClr val="bg1"/>
+                <a:schemeClr val="tx1"/>
               </a:solidFill>
             </a:endParaRPr>
           </a:p>
-          <a:p>
-            <a:pPr algn="ctr"/>
-            <a:r>
-              <a:rPr lang="ko-KR" altLang="en-US" sz="3200" b="1" dirty="0">
-                <a:solidFill>
-                  <a:schemeClr val="bg1"/>
-                </a:solidFill>
-              </a:rPr>
-              <a:t>전기계량기</a:t>
-            </a:r>
-          </a:p>
-        </p:txBody>
-      </p:sp>
+        </p:txBody>
+      </p:sp>
+      <p:pic>
+        <p:nvPicPr>
+          <p:cNvPr id="6" name="그림 5" descr="폰트, 그래픽, 로고, 그래픽 디자인이(가) 표시된 사진&#10;&#10;자동 생성된 설명">
+            <a:extLst>
+              <a:ext uri="{FF2B5EF4-FFF2-40B4-BE49-F238E27FC236}">
+                <a16:creationId xmlns:a16="http://schemas.microsoft.com/office/drawing/2014/main" id="{93B9C44F-FF69-0582-843E-EE850E72D8F4}"/>
+              </a:ext>
+            </a:extLst>
+          </p:cNvPr>
+          <p:cNvPicPr>
+            <a:picLocks noChangeAspect="1"/>
+          </p:cNvPicPr>
+          <p:nvPr/>
+        </p:nvPicPr>
+        <p:blipFill>
+          <a:blip r:embed="rId2">
+            <a:extLst>
+              <a:ext uri="{28A0092B-C50C-407E-A947-70E740481C1C}">
+                <a14:useLocalDpi xmlns:a14="http://schemas.microsoft.com/office/drawing/2010/main" val="0"/>
+              </a:ext>
+            </a:extLst>
+          </a:blip>
+          <a:stretch>
+            <a:fillRect/>
+          </a:stretch>
+        </p:blipFill>
+        <p:spPr>
+          <a:xfrm>
+            <a:off x="5159048" y="3116682"/>
+            <a:ext cx="1873904" cy="624635"/>
+          </a:xfrm>
+          <a:prstGeom prst="rect">
+            <a:avLst/>
+          </a:prstGeom>
+        </p:spPr>
+      </p:pic>
     </p:spTree>
     <p:extLst>
       <p:ext uri="{BB962C8B-B14F-4D97-AF65-F5344CB8AC3E}">
-        <p14:creationId xmlns:p14="http://schemas.microsoft.com/office/powerpoint/2010/main" val="3688785750"/>
+        <p14:creationId xmlns:p14="http://schemas.microsoft.com/office/powerpoint/2010/main" val="1739074395"/>
       </p:ext>
     </p:extLst>
   </p:cSld>
@@ -5437,10 +5466,667 @@
           </a:p>
         </p:txBody>
       </p:sp>
+      <p:sp>
+        <p:nvSpPr>
+          <p:cNvPr id="10" name="직사각형 9">
+            <a:extLst>
+              <a:ext uri="{FF2B5EF4-FFF2-40B4-BE49-F238E27FC236}">
+                <a16:creationId xmlns:a16="http://schemas.microsoft.com/office/drawing/2014/main" id="{10BCC32C-9928-3084-5B5C-78DC5F0C74E7}"/>
+              </a:ext>
+            </a:extLst>
+          </p:cNvPr>
+          <p:cNvSpPr/>
+          <p:nvPr/>
+        </p:nvSpPr>
+        <p:spPr>
+          <a:xfrm>
+            <a:off x="3174909" y="2880752"/>
+            <a:ext cx="2277596" cy="2277596"/>
+          </a:xfrm>
+          <a:prstGeom prst="rect">
+            <a:avLst/>
+          </a:prstGeom>
+          <a:solidFill>
+            <a:schemeClr val="bg1">
+              <a:lumMod val="95000"/>
+            </a:schemeClr>
+          </a:solidFill>
+          <a:ln w="25400">
+            <a:solidFill>
+              <a:schemeClr val="tx1"/>
+            </a:solidFill>
+          </a:ln>
+          <a:effectLst/>
+        </p:spPr>
+        <p:style>
+          <a:lnRef idx="2">
+            <a:schemeClr val="accent1">
+              <a:shade val="50000"/>
+            </a:schemeClr>
+          </a:lnRef>
+          <a:fillRef idx="1">
+            <a:schemeClr val="accent1"/>
+          </a:fillRef>
+          <a:effectRef idx="0">
+            <a:schemeClr val="accent1"/>
+          </a:effectRef>
+          <a:fontRef idx="minor">
+            <a:schemeClr val="lt1"/>
+          </a:fontRef>
+        </p:style>
+        <p:txBody>
+          <a:bodyPr rtlCol="0" anchor="ctr"/>
+          <a:lstStyle/>
+          <a:p>
+            <a:pPr algn="ctr"/>
+            <a:r>
+              <a:rPr lang="ko-KR" altLang="en-US" sz="6600" dirty="0">
+                <a:solidFill>
+                  <a:schemeClr val="tx1"/>
+                </a:solidFill>
+              </a:rPr>
+              <a:t>복습</a:t>
+            </a:r>
+            <a:endParaRPr lang="en-US" altLang="ko-KR" sz="6600" dirty="0">
+              <a:solidFill>
+                <a:schemeClr val="tx1"/>
+              </a:solidFill>
+            </a:endParaRPr>
+          </a:p>
+        </p:txBody>
+      </p:sp>
     </p:spTree>
     <p:extLst>
       <p:ext uri="{BB962C8B-B14F-4D97-AF65-F5344CB8AC3E}">
         <p14:creationId xmlns:p14="http://schemas.microsoft.com/office/powerpoint/2010/main" val="2442995871"/>
+      </p:ext>
+    </p:extLst>
+  </p:cSld>
+  <p:clrMapOvr>
+    <a:masterClrMapping/>
+  </p:clrMapOvr>
+</p:sld>
+</file>
+
+<file path=ppt/slides/slide20.xml><?xml version="1.0" encoding="utf-8"?>
+<p:sld xmlns:a="http://schemas.openxmlformats.org/drawingml/2006/main" xmlns:r="http://schemas.openxmlformats.org/officeDocument/2006/relationships" xmlns:p="http://schemas.openxmlformats.org/presentationml/2006/main">
+  <p:cSld>
+    <p:spTree>
+      <p:nvGrpSpPr>
+        <p:cNvPr id="1" name=""/>
+        <p:cNvGrpSpPr/>
+        <p:nvPr/>
+      </p:nvGrpSpPr>
+      <p:grpSpPr>
+        <a:xfrm>
+          <a:off x="0" y="0"/>
+          <a:ext cx="0" cy="0"/>
+          <a:chOff x="0" y="0"/>
+          <a:chExt cx="0" cy="0"/>
+        </a:xfrm>
+      </p:grpSpPr>
+      <p:sp>
+        <p:nvSpPr>
+          <p:cNvPr id="4" name="직사각형 3">
+            <a:extLst>
+              <a:ext uri="{FF2B5EF4-FFF2-40B4-BE49-F238E27FC236}">
+                <a16:creationId xmlns:a16="http://schemas.microsoft.com/office/drawing/2014/main" id="{CFDAA583-0F88-99A8-79A9-225CE7226C5B}"/>
+              </a:ext>
+            </a:extLst>
+          </p:cNvPr>
+          <p:cNvSpPr/>
+          <p:nvPr/>
+        </p:nvSpPr>
+        <p:spPr>
+          <a:xfrm>
+            <a:off x="4957202" y="2290202"/>
+            <a:ext cx="2277596" cy="2277596"/>
+          </a:xfrm>
+          <a:prstGeom prst="rect">
+            <a:avLst/>
+          </a:prstGeom>
+          <a:solidFill>
+            <a:schemeClr val="bg1">
+              <a:lumMod val="95000"/>
+            </a:schemeClr>
+          </a:solidFill>
+          <a:ln w="25400">
+            <a:solidFill>
+              <a:srgbClr val="C43E1C"/>
+            </a:solidFill>
+          </a:ln>
+          <a:effectLst/>
+        </p:spPr>
+        <p:style>
+          <a:lnRef idx="2">
+            <a:schemeClr val="accent1">
+              <a:shade val="50000"/>
+            </a:schemeClr>
+          </a:lnRef>
+          <a:fillRef idx="1">
+            <a:schemeClr val="accent1"/>
+          </a:fillRef>
+          <a:effectRef idx="0">
+            <a:schemeClr val="accent1"/>
+          </a:effectRef>
+          <a:fontRef idx="minor">
+            <a:schemeClr val="lt1"/>
+          </a:fontRef>
+        </p:style>
+        <p:txBody>
+          <a:bodyPr rtlCol="0" anchor="ctr"/>
+          <a:lstStyle/>
+          <a:p>
+            <a:pPr algn="ctr"/>
+            <a:endParaRPr lang="ko-KR" altLang="en-US" sz="3200" b="1" dirty="0">
+              <a:solidFill>
+                <a:schemeClr val="tx1"/>
+              </a:solidFill>
+            </a:endParaRPr>
+          </a:p>
+        </p:txBody>
+      </p:sp>
+      <p:pic>
+        <p:nvPicPr>
+          <p:cNvPr id="8" name="그래픽 7">
+            <a:extLst>
+              <a:ext uri="{FF2B5EF4-FFF2-40B4-BE49-F238E27FC236}">
+                <a16:creationId xmlns:a16="http://schemas.microsoft.com/office/drawing/2014/main" id="{8814DBCB-05A2-2E1C-9F79-6DBF78EA5456}"/>
+              </a:ext>
+            </a:extLst>
+          </p:cNvPr>
+          <p:cNvPicPr>
+            <a:picLocks noChangeAspect="1"/>
+          </p:cNvPicPr>
+          <p:nvPr/>
+        </p:nvPicPr>
+        <p:blipFill>
+          <a:blip r:embed="rId2">
+            <a:extLst>
+              <a:ext uri="{28A0092B-C50C-407E-A947-70E740481C1C}">
+                <a14:useLocalDpi xmlns:a14="http://schemas.microsoft.com/office/drawing/2010/main" val="0"/>
+              </a:ext>
+              <a:ext uri="{96DAC541-7B7A-43D3-8B79-37D633B846F1}">
+                <asvg:svgBlip xmlns:asvg="http://schemas.microsoft.com/office/drawing/2016/SVG/main" r:embed="rId3"/>
+              </a:ext>
+            </a:extLst>
+          </a:blip>
+          <a:stretch>
+            <a:fillRect/>
+          </a:stretch>
+        </p:blipFill>
+        <p:spPr>
+          <a:xfrm>
+            <a:off x="5250358" y="2590800"/>
+            <a:ext cx="1691284" cy="1676400"/>
+          </a:xfrm>
+          <a:prstGeom prst="rect">
+            <a:avLst/>
+          </a:prstGeom>
+        </p:spPr>
+      </p:pic>
+    </p:spTree>
+    <p:extLst>
+      <p:ext uri="{BB962C8B-B14F-4D97-AF65-F5344CB8AC3E}">
+        <p14:creationId xmlns:p14="http://schemas.microsoft.com/office/powerpoint/2010/main" val="3342768234"/>
+      </p:ext>
+    </p:extLst>
+  </p:cSld>
+  <p:clrMapOvr>
+    <a:masterClrMapping/>
+  </p:clrMapOvr>
+</p:sld>
+</file>
+
+<file path=ppt/slides/slide21.xml><?xml version="1.0" encoding="utf-8"?>
+<p:sld xmlns:a="http://schemas.openxmlformats.org/drawingml/2006/main" xmlns:r="http://schemas.openxmlformats.org/officeDocument/2006/relationships" xmlns:p="http://schemas.openxmlformats.org/presentationml/2006/main">
+  <p:cSld>
+    <p:spTree>
+      <p:nvGrpSpPr>
+        <p:cNvPr id="1" name=""/>
+        <p:cNvGrpSpPr/>
+        <p:nvPr/>
+      </p:nvGrpSpPr>
+      <p:grpSpPr>
+        <a:xfrm>
+          <a:off x="0" y="0"/>
+          <a:ext cx="0" cy="0"/>
+          <a:chOff x="0" y="0"/>
+          <a:chExt cx="0" cy="0"/>
+        </a:xfrm>
+      </p:grpSpPr>
+      <p:sp>
+        <p:nvSpPr>
+          <p:cNvPr id="4" name="직사각형 3">
+            <a:extLst>
+              <a:ext uri="{FF2B5EF4-FFF2-40B4-BE49-F238E27FC236}">
+                <a16:creationId xmlns:a16="http://schemas.microsoft.com/office/drawing/2014/main" id="{8DDE365C-1461-CF63-F9F4-BF8E26B791BA}"/>
+              </a:ext>
+            </a:extLst>
+          </p:cNvPr>
+          <p:cNvSpPr/>
+          <p:nvPr/>
+        </p:nvSpPr>
+        <p:spPr>
+          <a:xfrm>
+            <a:off x="4957202" y="2290202"/>
+            <a:ext cx="2277596" cy="2277596"/>
+          </a:xfrm>
+          <a:prstGeom prst="rect">
+            <a:avLst/>
+          </a:prstGeom>
+          <a:solidFill>
+            <a:schemeClr val="bg1">
+              <a:lumMod val="95000"/>
+            </a:schemeClr>
+          </a:solidFill>
+          <a:ln w="25400">
+            <a:solidFill>
+              <a:srgbClr val="FF0000"/>
+            </a:solidFill>
+          </a:ln>
+          <a:effectLst/>
+        </p:spPr>
+        <p:style>
+          <a:lnRef idx="2">
+            <a:schemeClr val="accent1">
+              <a:shade val="50000"/>
+            </a:schemeClr>
+          </a:lnRef>
+          <a:fillRef idx="1">
+            <a:schemeClr val="accent1"/>
+          </a:fillRef>
+          <a:effectRef idx="0">
+            <a:schemeClr val="accent1"/>
+          </a:effectRef>
+          <a:fontRef idx="minor">
+            <a:schemeClr val="lt1"/>
+          </a:fontRef>
+        </p:style>
+        <p:txBody>
+          <a:bodyPr rtlCol="0" anchor="ctr"/>
+          <a:lstStyle/>
+          <a:p>
+            <a:pPr algn="ctr"/>
+            <a:endParaRPr lang="ko-KR" altLang="en-US" sz="3200" b="1" dirty="0">
+              <a:solidFill>
+                <a:schemeClr val="tx1"/>
+              </a:solidFill>
+            </a:endParaRPr>
+          </a:p>
+        </p:txBody>
+      </p:sp>
+      <p:pic>
+        <p:nvPicPr>
+          <p:cNvPr id="6" name="그림 5" descr="그래픽, 로고, 상징, 레드이(가) 표시된 사진&#10;&#10;자동 생성된 설명">
+            <a:extLst>
+              <a:ext uri="{FF2B5EF4-FFF2-40B4-BE49-F238E27FC236}">
+                <a16:creationId xmlns:a16="http://schemas.microsoft.com/office/drawing/2014/main" id="{D38F7733-8637-1636-34B0-B8D84460DEB6}"/>
+              </a:ext>
+            </a:extLst>
+          </p:cNvPr>
+          <p:cNvPicPr>
+            <a:picLocks noChangeAspect="1"/>
+          </p:cNvPicPr>
+          <p:nvPr/>
+        </p:nvPicPr>
+        <p:blipFill>
+          <a:blip r:embed="rId2">
+            <a:extLst>
+              <a:ext uri="{28A0092B-C50C-407E-A947-70E740481C1C}">
+                <a14:useLocalDpi xmlns:a14="http://schemas.microsoft.com/office/drawing/2010/main" val="0"/>
+              </a:ext>
+            </a:extLst>
+          </a:blip>
+          <a:stretch>
+            <a:fillRect/>
+          </a:stretch>
+        </p:blipFill>
+        <p:spPr>
+          <a:xfrm>
+            <a:off x="5157998" y="3147599"/>
+            <a:ext cx="1876004" cy="562802"/>
+          </a:xfrm>
+          <a:prstGeom prst="rect">
+            <a:avLst/>
+          </a:prstGeom>
+        </p:spPr>
+      </p:pic>
+    </p:spTree>
+    <p:extLst>
+      <p:ext uri="{BB962C8B-B14F-4D97-AF65-F5344CB8AC3E}">
+        <p14:creationId xmlns:p14="http://schemas.microsoft.com/office/powerpoint/2010/main" val="1078255509"/>
+      </p:ext>
+    </p:extLst>
+  </p:cSld>
+  <p:clrMapOvr>
+    <a:masterClrMapping/>
+  </p:clrMapOvr>
+</p:sld>
+</file>
+
+<file path=ppt/slides/slide22.xml><?xml version="1.0" encoding="utf-8"?>
+<p:sld xmlns:a="http://schemas.openxmlformats.org/drawingml/2006/main" xmlns:r="http://schemas.openxmlformats.org/officeDocument/2006/relationships" xmlns:p="http://schemas.openxmlformats.org/presentationml/2006/main">
+  <p:cSld>
+    <p:spTree>
+      <p:nvGrpSpPr>
+        <p:cNvPr id="1" name=""/>
+        <p:cNvGrpSpPr/>
+        <p:nvPr/>
+      </p:nvGrpSpPr>
+      <p:grpSpPr>
+        <a:xfrm>
+          <a:off x="0" y="0"/>
+          <a:ext cx="0" cy="0"/>
+          <a:chOff x="0" y="0"/>
+          <a:chExt cx="0" cy="0"/>
+        </a:xfrm>
+      </p:grpSpPr>
+      <p:sp>
+        <p:nvSpPr>
+          <p:cNvPr id="4" name="직사각형 3">
+            <a:extLst>
+              <a:ext uri="{FF2B5EF4-FFF2-40B4-BE49-F238E27FC236}">
+                <a16:creationId xmlns:a16="http://schemas.microsoft.com/office/drawing/2014/main" id="{89DD115D-F426-9759-8127-FBCBD69DBBDF}"/>
+              </a:ext>
+            </a:extLst>
+          </p:cNvPr>
+          <p:cNvSpPr/>
+          <p:nvPr/>
+        </p:nvSpPr>
+        <p:spPr>
+          <a:xfrm>
+            <a:off x="4957202" y="2290202"/>
+            <a:ext cx="2277596" cy="2277596"/>
+          </a:xfrm>
+          <a:prstGeom prst="rect">
+            <a:avLst/>
+          </a:prstGeom>
+          <a:solidFill>
+            <a:schemeClr val="bg1">
+              <a:lumMod val="95000"/>
+            </a:schemeClr>
+          </a:solidFill>
+          <a:ln w="25400">
+            <a:solidFill>
+              <a:srgbClr val="2E2E30"/>
+            </a:solidFill>
+          </a:ln>
+          <a:effectLst/>
+        </p:spPr>
+        <p:style>
+          <a:lnRef idx="2">
+            <a:schemeClr val="accent1">
+              <a:shade val="50000"/>
+            </a:schemeClr>
+          </a:lnRef>
+          <a:fillRef idx="1">
+            <a:schemeClr val="accent1"/>
+          </a:fillRef>
+          <a:effectRef idx="0">
+            <a:schemeClr val="accent1"/>
+          </a:effectRef>
+          <a:fontRef idx="minor">
+            <a:schemeClr val="lt1"/>
+          </a:fontRef>
+        </p:style>
+        <p:txBody>
+          <a:bodyPr rtlCol="0" anchor="ctr"/>
+          <a:lstStyle/>
+          <a:p>
+            <a:pPr algn="ctr"/>
+            <a:endParaRPr lang="ko-KR" altLang="en-US" sz="3200" b="1" dirty="0">
+              <a:solidFill>
+                <a:schemeClr val="tx1"/>
+              </a:solidFill>
+            </a:endParaRPr>
+          </a:p>
+        </p:txBody>
+      </p:sp>
+      <p:pic>
+        <p:nvPicPr>
+          <p:cNvPr id="5" name="그림 4" descr="원, 시계, 상징, 기어이(가) 표시된 사진&#10;&#10;자동 생성된 설명">
+            <a:extLst>
+              <a:ext uri="{FF2B5EF4-FFF2-40B4-BE49-F238E27FC236}">
+                <a16:creationId xmlns:a16="http://schemas.microsoft.com/office/drawing/2014/main" id="{509D6372-502D-ED5F-DC1B-F4A4A9EDFFA5}"/>
+              </a:ext>
+            </a:extLst>
+          </p:cNvPr>
+          <p:cNvPicPr>
+            <a:picLocks noChangeAspect="1"/>
+          </p:cNvPicPr>
+          <p:nvPr/>
+        </p:nvPicPr>
+        <p:blipFill>
+          <a:blip r:embed="rId2">
+            <a:extLst>
+              <a:ext uri="{28A0092B-C50C-407E-A947-70E740481C1C}">
+                <a14:useLocalDpi xmlns:a14="http://schemas.microsoft.com/office/drawing/2010/main" val="0"/>
+              </a:ext>
+            </a:extLst>
+          </a:blip>
+          <a:stretch>
+            <a:fillRect/>
+          </a:stretch>
+        </p:blipFill>
+        <p:spPr>
+          <a:xfrm>
+            <a:off x="5169413" y="2502413"/>
+            <a:ext cx="1853173" cy="1853173"/>
+          </a:xfrm>
+          <a:prstGeom prst="rect">
+            <a:avLst/>
+          </a:prstGeom>
+        </p:spPr>
+      </p:pic>
+    </p:spTree>
+    <p:extLst>
+      <p:ext uri="{BB962C8B-B14F-4D97-AF65-F5344CB8AC3E}">
+        <p14:creationId xmlns:p14="http://schemas.microsoft.com/office/powerpoint/2010/main" val="1831825325"/>
+      </p:ext>
+    </p:extLst>
+  </p:cSld>
+  <p:clrMapOvr>
+    <a:masterClrMapping/>
+  </p:clrMapOvr>
+</p:sld>
+</file>
+
+<file path=ppt/slides/slide23.xml><?xml version="1.0" encoding="utf-8"?>
+<p:sld xmlns:a="http://schemas.openxmlformats.org/drawingml/2006/main" xmlns:r="http://schemas.openxmlformats.org/officeDocument/2006/relationships" xmlns:p="http://schemas.openxmlformats.org/presentationml/2006/main">
+  <p:cSld>
+    <p:spTree>
+      <p:nvGrpSpPr>
+        <p:cNvPr id="1" name=""/>
+        <p:cNvGrpSpPr/>
+        <p:nvPr/>
+      </p:nvGrpSpPr>
+      <p:grpSpPr>
+        <a:xfrm>
+          <a:off x="0" y="0"/>
+          <a:ext cx="0" cy="0"/>
+          <a:chOff x="0" y="0"/>
+          <a:chExt cx="0" cy="0"/>
+        </a:xfrm>
+      </p:grpSpPr>
+      <p:sp>
+        <p:nvSpPr>
+          <p:cNvPr id="4" name="직사각형 3">
+            <a:extLst>
+              <a:ext uri="{FF2B5EF4-FFF2-40B4-BE49-F238E27FC236}">
+                <a16:creationId xmlns:a16="http://schemas.microsoft.com/office/drawing/2014/main" id="{59002BEC-4C13-8AD1-9409-3E88351A075A}"/>
+              </a:ext>
+            </a:extLst>
+          </p:cNvPr>
+          <p:cNvSpPr/>
+          <p:nvPr/>
+        </p:nvSpPr>
+        <p:spPr>
+          <a:xfrm>
+            <a:off x="4957202" y="2290202"/>
+            <a:ext cx="2277596" cy="2277596"/>
+          </a:xfrm>
+          <a:prstGeom prst="rect">
+            <a:avLst/>
+          </a:prstGeom>
+          <a:solidFill>
+            <a:srgbClr val="C00000"/>
+          </a:solidFill>
+          <a:ln w="25400">
+            <a:noFill/>
+          </a:ln>
+          <a:effectLst/>
+        </p:spPr>
+        <p:style>
+          <a:lnRef idx="2">
+            <a:schemeClr val="accent1">
+              <a:shade val="50000"/>
+            </a:schemeClr>
+          </a:lnRef>
+          <a:fillRef idx="1">
+            <a:schemeClr val="accent1"/>
+          </a:fillRef>
+          <a:effectRef idx="0">
+            <a:schemeClr val="accent1"/>
+          </a:effectRef>
+          <a:fontRef idx="minor">
+            <a:schemeClr val="lt1"/>
+          </a:fontRef>
+        </p:style>
+        <p:txBody>
+          <a:bodyPr rtlCol="0" anchor="ctr"/>
+          <a:lstStyle/>
+          <a:p>
+            <a:pPr algn="ctr"/>
+            <a:r>
+              <a:rPr lang="ko-KR" altLang="en-US" sz="3200" b="1" dirty="0">
+                <a:solidFill>
+                  <a:schemeClr val="bg1"/>
+                </a:solidFill>
+              </a:rPr>
+              <a:t>대전 목동</a:t>
+            </a:r>
+            <a:endParaRPr lang="en-US" altLang="ko-KR" sz="3200" b="1" dirty="0">
+              <a:solidFill>
+                <a:schemeClr val="bg1"/>
+              </a:solidFill>
+            </a:endParaRPr>
+          </a:p>
+          <a:p>
+            <a:pPr algn="ctr"/>
+            <a:r>
+              <a:rPr lang="ko-KR" altLang="en-US" sz="3200" b="1" dirty="0">
+                <a:solidFill>
+                  <a:schemeClr val="bg1"/>
+                </a:solidFill>
+              </a:rPr>
+              <a:t>아파트분양</a:t>
+            </a:r>
+            <a:endParaRPr lang="en-US" altLang="ko-KR" sz="3200" b="1" dirty="0">
+              <a:solidFill>
+                <a:schemeClr val="bg1"/>
+              </a:solidFill>
+            </a:endParaRPr>
+          </a:p>
+          <a:p>
+            <a:pPr algn="ctr"/>
+            <a:r>
+              <a:rPr lang="ko-KR" altLang="en-US" sz="3200" b="1" dirty="0">
+                <a:solidFill>
+                  <a:schemeClr val="bg1"/>
+                </a:solidFill>
+              </a:rPr>
+              <a:t>제안</a:t>
+            </a:r>
+          </a:p>
+        </p:txBody>
+      </p:sp>
+    </p:spTree>
+    <p:extLst>
+      <p:ext uri="{BB962C8B-B14F-4D97-AF65-F5344CB8AC3E}">
+        <p14:creationId xmlns:p14="http://schemas.microsoft.com/office/powerpoint/2010/main" val="3688785750"/>
+      </p:ext>
+    </p:extLst>
+  </p:cSld>
+  <p:clrMapOvr>
+    <a:masterClrMapping/>
+  </p:clrMapOvr>
+</p:sld>
+</file>
+
+<file path=ppt/slides/slide24.xml><?xml version="1.0" encoding="utf-8"?>
+<p:sld xmlns:a="http://schemas.openxmlformats.org/drawingml/2006/main" xmlns:r="http://schemas.openxmlformats.org/officeDocument/2006/relationships" xmlns:p="http://schemas.openxmlformats.org/presentationml/2006/main">
+  <p:cSld>
+    <p:bg>
+      <p:bgPr>
+        <a:solidFill>
+          <a:schemeClr val="tx1"/>
+        </a:solidFill>
+        <a:effectLst/>
+      </p:bgPr>
+    </p:bg>
+    <p:spTree>
+      <p:nvGrpSpPr>
+        <p:cNvPr id="1" name=""/>
+        <p:cNvGrpSpPr/>
+        <p:nvPr/>
+      </p:nvGrpSpPr>
+      <p:grpSpPr>
+        <a:xfrm>
+          <a:off x="0" y="0"/>
+          <a:ext cx="0" cy="0"/>
+          <a:chOff x="0" y="0"/>
+          <a:chExt cx="0" cy="0"/>
+        </a:xfrm>
+      </p:grpSpPr>
+      <p:sp>
+        <p:nvSpPr>
+          <p:cNvPr id="4" name="TextBox 3">
+            <a:extLst>
+              <a:ext uri="{FF2B5EF4-FFF2-40B4-BE49-F238E27FC236}">
+                <a16:creationId xmlns:a16="http://schemas.microsoft.com/office/drawing/2014/main" id="{E0249052-C051-24EA-F7B4-0C7515777027}"/>
+              </a:ext>
+            </a:extLst>
+          </p:cNvPr>
+          <p:cNvSpPr txBox="1"/>
+          <p:nvPr/>
+        </p:nvSpPr>
+        <p:spPr>
+          <a:xfrm>
+            <a:off x="5696691" y="3136612"/>
+            <a:ext cx="798617" cy="584775"/>
+          </a:xfrm>
+          <a:prstGeom prst="rect">
+            <a:avLst/>
+          </a:prstGeom>
+          <a:noFill/>
+        </p:spPr>
+        <p:txBody>
+          <a:bodyPr wrap="none" rtlCol="0">
+            <a:spAutoFit/>
+          </a:bodyPr>
+          <a:lstStyle/>
+          <a:p>
+            <a:r>
+              <a:rPr lang="en-US" altLang="ko-KR" sz="3200" dirty="0">
+                <a:solidFill>
+                  <a:schemeClr val="bg1"/>
+                </a:solidFill>
+              </a:rPr>
+              <a:t>2/4</a:t>
+            </a:r>
+            <a:endParaRPr lang="ko-KR" altLang="en-US" sz="3200" dirty="0">
+              <a:solidFill>
+                <a:schemeClr val="bg1"/>
+              </a:solidFill>
+            </a:endParaRPr>
+          </a:p>
+        </p:txBody>
+      </p:sp>
+    </p:spTree>
+    <p:extLst>
+      <p:ext uri="{BB962C8B-B14F-4D97-AF65-F5344CB8AC3E}">
+        <p14:creationId xmlns:p14="http://schemas.microsoft.com/office/powerpoint/2010/main" val="441826858"/>
       </p:ext>
     </p:extLst>
   </p:cSld>

--- a/budongsan/프레젠테이션1.pptx
+++ b/budongsan/프레젠테이션1.pptx
@@ -282,7 +282,7 @@
           <a:p>
             <a:fld id="{F9461951-D42A-489C-80F1-7A9460A9A55B}" type="datetimeFigureOut">
               <a:rPr lang="ko-KR" altLang="en-US" smtClean="0"/>
-              <a:t>2023-09-10</a:t>
+              <a:t>2023-09-11</a:t>
             </a:fld>
             <a:endParaRPr lang="ko-KR" altLang="en-US"/>
           </a:p>
@@ -480,7 +480,7 @@
           <a:p>
             <a:fld id="{F9461951-D42A-489C-80F1-7A9460A9A55B}" type="datetimeFigureOut">
               <a:rPr lang="ko-KR" altLang="en-US" smtClean="0"/>
-              <a:t>2023-09-10</a:t>
+              <a:t>2023-09-11</a:t>
             </a:fld>
             <a:endParaRPr lang="ko-KR" altLang="en-US"/>
           </a:p>
@@ -688,7 +688,7 @@
           <a:p>
             <a:fld id="{F9461951-D42A-489C-80F1-7A9460A9A55B}" type="datetimeFigureOut">
               <a:rPr lang="ko-KR" altLang="en-US" smtClean="0"/>
-              <a:t>2023-09-10</a:t>
+              <a:t>2023-09-11</a:t>
             </a:fld>
             <a:endParaRPr lang="ko-KR" altLang="en-US"/>
           </a:p>
@@ -886,7 +886,7 @@
           <a:p>
             <a:fld id="{F9461951-D42A-489C-80F1-7A9460A9A55B}" type="datetimeFigureOut">
               <a:rPr lang="ko-KR" altLang="en-US" smtClean="0"/>
-              <a:t>2023-09-10</a:t>
+              <a:t>2023-09-11</a:t>
             </a:fld>
             <a:endParaRPr lang="ko-KR" altLang="en-US"/>
           </a:p>
@@ -1161,7 +1161,7 @@
           <a:p>
             <a:fld id="{F9461951-D42A-489C-80F1-7A9460A9A55B}" type="datetimeFigureOut">
               <a:rPr lang="ko-KR" altLang="en-US" smtClean="0"/>
-              <a:t>2023-09-10</a:t>
+              <a:t>2023-09-11</a:t>
             </a:fld>
             <a:endParaRPr lang="ko-KR" altLang="en-US"/>
           </a:p>
@@ -1426,7 +1426,7 @@
           <a:p>
             <a:fld id="{F9461951-D42A-489C-80F1-7A9460A9A55B}" type="datetimeFigureOut">
               <a:rPr lang="ko-KR" altLang="en-US" smtClean="0"/>
-              <a:t>2023-09-10</a:t>
+              <a:t>2023-09-11</a:t>
             </a:fld>
             <a:endParaRPr lang="ko-KR" altLang="en-US"/>
           </a:p>
@@ -1838,7 +1838,7 @@
           <a:p>
             <a:fld id="{F9461951-D42A-489C-80F1-7A9460A9A55B}" type="datetimeFigureOut">
               <a:rPr lang="ko-KR" altLang="en-US" smtClean="0"/>
-              <a:t>2023-09-10</a:t>
+              <a:t>2023-09-11</a:t>
             </a:fld>
             <a:endParaRPr lang="ko-KR" altLang="en-US"/>
           </a:p>
@@ -1979,7 +1979,7 @@
           <a:p>
             <a:fld id="{F9461951-D42A-489C-80F1-7A9460A9A55B}" type="datetimeFigureOut">
               <a:rPr lang="ko-KR" altLang="en-US" smtClean="0"/>
-              <a:t>2023-09-10</a:t>
+              <a:t>2023-09-11</a:t>
             </a:fld>
             <a:endParaRPr lang="ko-KR" altLang="en-US"/>
           </a:p>
@@ -2092,7 +2092,7 @@
           <a:p>
             <a:fld id="{F9461951-D42A-489C-80F1-7A9460A9A55B}" type="datetimeFigureOut">
               <a:rPr lang="ko-KR" altLang="en-US" smtClean="0"/>
-              <a:t>2023-09-10</a:t>
+              <a:t>2023-09-11</a:t>
             </a:fld>
             <a:endParaRPr lang="ko-KR" altLang="en-US"/>
           </a:p>
@@ -2403,7 +2403,7 @@
           <a:p>
             <a:fld id="{F9461951-D42A-489C-80F1-7A9460A9A55B}" type="datetimeFigureOut">
               <a:rPr lang="ko-KR" altLang="en-US" smtClean="0"/>
-              <a:t>2023-09-10</a:t>
+              <a:t>2023-09-11</a:t>
             </a:fld>
             <a:endParaRPr lang="ko-KR" altLang="en-US"/>
           </a:p>
@@ -2691,7 +2691,7 @@
           <a:p>
             <a:fld id="{F9461951-D42A-489C-80F1-7A9460A9A55B}" type="datetimeFigureOut">
               <a:rPr lang="ko-KR" altLang="en-US" smtClean="0"/>
-              <a:t>2023-09-10</a:t>
+              <a:t>2023-09-11</a:t>
             </a:fld>
             <a:endParaRPr lang="ko-KR" altLang="en-US"/>
           </a:p>
@@ -2932,7 +2932,7 @@
           <a:p>
             <a:fld id="{F9461951-D42A-489C-80F1-7A9460A9A55B}" type="datetimeFigureOut">
               <a:rPr lang="ko-KR" altLang="en-US" smtClean="0"/>
-              <a:t>2023-09-10</a:t>
+              <a:t>2023-09-11</a:t>
             </a:fld>
             <a:endParaRPr lang="ko-KR" altLang="en-US"/>
           </a:p>
@@ -6113,7 +6113,7 @@
                   <a:schemeClr val="bg1"/>
                 </a:solidFill>
               </a:rPr>
-              <a:t>2/4</a:t>
+              <a:t>3/4</a:t>
             </a:r>
             <a:endParaRPr lang="ko-KR" altLang="en-US" sz="3200" dirty="0">
               <a:solidFill>

--- a/budongsan/프레젠테이션1.pptx
+++ b/budongsan/프레젠테이션1.pptx
@@ -27,8 +27,11 @@
     <p:sldId id="277" r:id="rId21"/>
     <p:sldId id="278" r:id="rId22"/>
     <p:sldId id="279" r:id="rId23"/>
-    <p:sldId id="268" r:id="rId24"/>
-    <p:sldId id="276" r:id="rId25"/>
+    <p:sldId id="282" r:id="rId24"/>
+    <p:sldId id="280" r:id="rId25"/>
+    <p:sldId id="281" r:id="rId26"/>
+    <p:sldId id="268" r:id="rId27"/>
+    <p:sldId id="276" r:id="rId28"/>
   </p:sldIdLst>
   <p:sldSz cx="12192000" cy="6858000"/>
   <p:notesSz cx="6858000" cy="9144000"/>
@@ -282,7 +285,7 @@
           <a:p>
             <a:fld id="{F9461951-D42A-489C-80F1-7A9460A9A55B}" type="datetimeFigureOut">
               <a:rPr lang="ko-KR" altLang="en-US" smtClean="0"/>
-              <a:t>2023-09-11</a:t>
+              <a:t>2023-09-23</a:t>
             </a:fld>
             <a:endParaRPr lang="ko-KR" altLang="en-US"/>
           </a:p>
@@ -480,7 +483,7 @@
           <a:p>
             <a:fld id="{F9461951-D42A-489C-80F1-7A9460A9A55B}" type="datetimeFigureOut">
               <a:rPr lang="ko-KR" altLang="en-US" smtClean="0"/>
-              <a:t>2023-09-11</a:t>
+              <a:t>2023-09-23</a:t>
             </a:fld>
             <a:endParaRPr lang="ko-KR" altLang="en-US"/>
           </a:p>
@@ -688,7 +691,7 @@
           <a:p>
             <a:fld id="{F9461951-D42A-489C-80F1-7A9460A9A55B}" type="datetimeFigureOut">
               <a:rPr lang="ko-KR" altLang="en-US" smtClean="0"/>
-              <a:t>2023-09-11</a:t>
+              <a:t>2023-09-23</a:t>
             </a:fld>
             <a:endParaRPr lang="ko-KR" altLang="en-US"/>
           </a:p>
@@ -886,7 +889,7 @@
           <a:p>
             <a:fld id="{F9461951-D42A-489C-80F1-7A9460A9A55B}" type="datetimeFigureOut">
               <a:rPr lang="ko-KR" altLang="en-US" smtClean="0"/>
-              <a:t>2023-09-11</a:t>
+              <a:t>2023-09-23</a:t>
             </a:fld>
             <a:endParaRPr lang="ko-KR" altLang="en-US"/>
           </a:p>
@@ -1161,7 +1164,7 @@
           <a:p>
             <a:fld id="{F9461951-D42A-489C-80F1-7A9460A9A55B}" type="datetimeFigureOut">
               <a:rPr lang="ko-KR" altLang="en-US" smtClean="0"/>
-              <a:t>2023-09-11</a:t>
+              <a:t>2023-09-23</a:t>
             </a:fld>
             <a:endParaRPr lang="ko-KR" altLang="en-US"/>
           </a:p>
@@ -1426,7 +1429,7 @@
           <a:p>
             <a:fld id="{F9461951-D42A-489C-80F1-7A9460A9A55B}" type="datetimeFigureOut">
               <a:rPr lang="ko-KR" altLang="en-US" smtClean="0"/>
-              <a:t>2023-09-11</a:t>
+              <a:t>2023-09-23</a:t>
             </a:fld>
             <a:endParaRPr lang="ko-KR" altLang="en-US"/>
           </a:p>
@@ -1838,7 +1841,7 @@
           <a:p>
             <a:fld id="{F9461951-D42A-489C-80F1-7A9460A9A55B}" type="datetimeFigureOut">
               <a:rPr lang="ko-KR" altLang="en-US" smtClean="0"/>
-              <a:t>2023-09-11</a:t>
+              <a:t>2023-09-23</a:t>
             </a:fld>
             <a:endParaRPr lang="ko-KR" altLang="en-US"/>
           </a:p>
@@ -1979,7 +1982,7 @@
           <a:p>
             <a:fld id="{F9461951-D42A-489C-80F1-7A9460A9A55B}" type="datetimeFigureOut">
               <a:rPr lang="ko-KR" altLang="en-US" smtClean="0"/>
-              <a:t>2023-09-11</a:t>
+              <a:t>2023-09-23</a:t>
             </a:fld>
             <a:endParaRPr lang="ko-KR" altLang="en-US"/>
           </a:p>
@@ -2092,7 +2095,7 @@
           <a:p>
             <a:fld id="{F9461951-D42A-489C-80F1-7A9460A9A55B}" type="datetimeFigureOut">
               <a:rPr lang="ko-KR" altLang="en-US" smtClean="0"/>
-              <a:t>2023-09-11</a:t>
+              <a:t>2023-09-23</a:t>
             </a:fld>
             <a:endParaRPr lang="ko-KR" altLang="en-US"/>
           </a:p>
@@ -2403,7 +2406,7 @@
           <a:p>
             <a:fld id="{F9461951-D42A-489C-80F1-7A9460A9A55B}" type="datetimeFigureOut">
               <a:rPr lang="ko-KR" altLang="en-US" smtClean="0"/>
-              <a:t>2023-09-11</a:t>
+              <a:t>2023-09-23</a:t>
             </a:fld>
             <a:endParaRPr lang="ko-KR" altLang="en-US"/>
           </a:p>
@@ -2691,7 +2694,7 @@
           <a:p>
             <a:fld id="{F9461951-D42A-489C-80F1-7A9460A9A55B}" type="datetimeFigureOut">
               <a:rPr lang="ko-KR" altLang="en-US" smtClean="0"/>
-              <a:t>2023-09-11</a:t>
+              <a:t>2023-09-23</a:t>
             </a:fld>
             <a:endParaRPr lang="ko-KR" altLang="en-US"/>
           </a:p>
@@ -2932,7 +2935,7 @@
           <a:p>
             <a:fld id="{F9461951-D42A-489C-80F1-7A9460A9A55B}" type="datetimeFigureOut">
               <a:rPr lang="ko-KR" altLang="en-US" smtClean="0"/>
-              <a:t>2023-09-11</a:t>
+              <a:t>2023-09-23</a:t>
             </a:fld>
             <a:endParaRPr lang="ko-KR" altLang="en-US"/>
           </a:p>
@@ -5951,10 +5954,10 @@
       </p:grpSpPr>
       <p:sp>
         <p:nvSpPr>
-          <p:cNvPr id="4" name="직사각형 3">
-            <a:extLst>
-              <a:ext uri="{FF2B5EF4-FFF2-40B4-BE49-F238E27FC236}">
-                <a16:creationId xmlns:a16="http://schemas.microsoft.com/office/drawing/2014/main" id="{59002BEC-4C13-8AD1-9409-3E88351A075A}"/>
+          <p:cNvPr id="6" name="직사각형 5">
+            <a:extLst>
+              <a:ext uri="{FF2B5EF4-FFF2-40B4-BE49-F238E27FC236}">
+                <a16:creationId xmlns:a16="http://schemas.microsoft.com/office/drawing/2014/main" id="{6C50FEB9-A3BB-05AC-C585-EDF3AFF7E536}"/>
               </a:ext>
             </a:extLst>
           </p:cNvPr>
@@ -5963,17 +5966,21 @@
         </p:nvSpPr>
         <p:spPr>
           <a:xfrm>
-            <a:off x="4957202" y="2290202"/>
+            <a:off x="4890527" y="2433077"/>
             <a:ext cx="2277596" cy="2277596"/>
           </a:xfrm>
           <a:prstGeom prst="rect">
             <a:avLst/>
           </a:prstGeom>
           <a:solidFill>
-            <a:srgbClr val="C00000"/>
+            <a:schemeClr val="bg1">
+              <a:lumMod val="95000"/>
+            </a:schemeClr>
           </a:solidFill>
           <a:ln w="25400">
-            <a:noFill/>
+            <a:solidFill>
+              <a:srgbClr val="FB465E"/>
+            </a:solidFill>
           </a:ln>
           <a:effectLst/>
         </p:spPr>
@@ -5998,6 +6005,387 @@
           <a:lstStyle/>
           <a:p>
             <a:pPr algn="ctr"/>
+            <a:endParaRPr lang="ko-KR" altLang="en-US" sz="3200" b="1" dirty="0">
+              <a:solidFill>
+                <a:schemeClr val="tx1"/>
+              </a:solidFill>
+            </a:endParaRPr>
+          </a:p>
+        </p:txBody>
+      </p:sp>
+      <p:pic>
+        <p:nvPicPr>
+          <p:cNvPr id="10" name="그래픽 9">
+            <a:extLst>
+              <a:ext uri="{FF2B5EF4-FFF2-40B4-BE49-F238E27FC236}">
+                <a16:creationId xmlns:a16="http://schemas.microsoft.com/office/drawing/2014/main" id="{CBBD271A-8474-232D-F446-6C934F2F9B77}"/>
+              </a:ext>
+            </a:extLst>
+          </p:cNvPr>
+          <p:cNvPicPr>
+            <a:picLocks noChangeAspect="1"/>
+          </p:cNvPicPr>
+          <p:nvPr/>
+        </p:nvPicPr>
+        <p:blipFill>
+          <a:blip r:embed="rId2">
+            <a:extLst>
+              <a:ext uri="{28A0092B-C50C-407E-A947-70E740481C1C}">
+                <a14:useLocalDpi xmlns:a14="http://schemas.microsoft.com/office/drawing/2010/main" val="0"/>
+              </a:ext>
+              <a:ext uri="{96DAC541-7B7A-43D3-8B79-37D633B846F1}">
+                <asvg:svgBlip xmlns:asvg="http://schemas.microsoft.com/office/drawing/2016/SVG/main" r:embed="rId3"/>
+              </a:ext>
+            </a:extLst>
+          </a:blip>
+          <a:stretch>
+            <a:fillRect/>
+          </a:stretch>
+        </p:blipFill>
+        <p:spPr>
+          <a:xfrm>
+            <a:off x="5213537" y="2756087"/>
+            <a:ext cx="1631576" cy="1631576"/>
+          </a:xfrm>
+          <a:prstGeom prst="rect">
+            <a:avLst/>
+          </a:prstGeom>
+        </p:spPr>
+      </p:pic>
+    </p:spTree>
+    <p:extLst>
+      <p:ext uri="{BB962C8B-B14F-4D97-AF65-F5344CB8AC3E}">
+        <p14:creationId xmlns:p14="http://schemas.microsoft.com/office/powerpoint/2010/main" val="3201656109"/>
+      </p:ext>
+    </p:extLst>
+  </p:cSld>
+  <p:clrMapOvr>
+    <a:masterClrMapping/>
+  </p:clrMapOvr>
+</p:sld>
+</file>
+
+<file path=ppt/slides/slide24.xml><?xml version="1.0" encoding="utf-8"?>
+<p:sld xmlns:a="http://schemas.openxmlformats.org/drawingml/2006/main" xmlns:r="http://schemas.openxmlformats.org/officeDocument/2006/relationships" xmlns:p="http://schemas.openxmlformats.org/presentationml/2006/main">
+  <p:cSld>
+    <p:spTree>
+      <p:nvGrpSpPr>
+        <p:cNvPr id="1" name=""/>
+        <p:cNvGrpSpPr/>
+        <p:nvPr/>
+      </p:nvGrpSpPr>
+      <p:grpSpPr>
+        <a:xfrm>
+          <a:off x="0" y="0"/>
+          <a:ext cx="0" cy="0"/>
+          <a:chOff x="0" y="0"/>
+          <a:chExt cx="0" cy="0"/>
+        </a:xfrm>
+      </p:grpSpPr>
+      <p:sp>
+        <p:nvSpPr>
+          <p:cNvPr id="4" name="직사각형 3">
+            <a:extLst>
+              <a:ext uri="{FF2B5EF4-FFF2-40B4-BE49-F238E27FC236}">
+                <a16:creationId xmlns:a16="http://schemas.microsoft.com/office/drawing/2014/main" id="{4F08A5D1-8AC9-16BA-6FCD-99C4F1C8DE17}"/>
+              </a:ext>
+            </a:extLst>
+          </p:cNvPr>
+          <p:cNvSpPr/>
+          <p:nvPr/>
+        </p:nvSpPr>
+        <p:spPr>
+          <a:xfrm>
+            <a:off x="4957202" y="2290202"/>
+            <a:ext cx="2277596" cy="2277596"/>
+          </a:xfrm>
+          <a:prstGeom prst="rect">
+            <a:avLst/>
+          </a:prstGeom>
+          <a:solidFill>
+            <a:schemeClr val="bg1">
+              <a:lumMod val="95000"/>
+            </a:schemeClr>
+          </a:solidFill>
+          <a:ln w="25400">
+            <a:solidFill>
+              <a:srgbClr val="74AA9C"/>
+            </a:solidFill>
+          </a:ln>
+          <a:effectLst/>
+        </p:spPr>
+        <p:style>
+          <a:lnRef idx="2">
+            <a:schemeClr val="accent1">
+              <a:shade val="50000"/>
+            </a:schemeClr>
+          </a:lnRef>
+          <a:fillRef idx="1">
+            <a:schemeClr val="accent1"/>
+          </a:fillRef>
+          <a:effectRef idx="0">
+            <a:schemeClr val="accent1"/>
+          </a:effectRef>
+          <a:fontRef idx="minor">
+            <a:schemeClr val="lt1"/>
+          </a:fontRef>
+        </p:style>
+        <p:txBody>
+          <a:bodyPr rtlCol="0" anchor="ctr"/>
+          <a:lstStyle/>
+          <a:p>
+            <a:pPr algn="ctr"/>
+            <a:endParaRPr lang="ko-KR" altLang="en-US" sz="3200" b="1" dirty="0">
+              <a:solidFill>
+                <a:schemeClr val="tx1"/>
+              </a:solidFill>
+            </a:endParaRPr>
+          </a:p>
+        </p:txBody>
+      </p:sp>
+      <p:pic>
+        <p:nvPicPr>
+          <p:cNvPr id="6" name="그래픽 5">
+            <a:extLst>
+              <a:ext uri="{FF2B5EF4-FFF2-40B4-BE49-F238E27FC236}">
+                <a16:creationId xmlns:a16="http://schemas.microsoft.com/office/drawing/2014/main" id="{2344895B-AC13-28B9-5AE5-06416E24A199}"/>
+              </a:ext>
+            </a:extLst>
+          </p:cNvPr>
+          <p:cNvPicPr>
+            <a:picLocks noChangeAspect="1"/>
+          </p:cNvPicPr>
+          <p:nvPr/>
+        </p:nvPicPr>
+        <p:blipFill>
+          <a:blip r:embed="rId2">
+            <a:extLst>
+              <a:ext uri="{28A0092B-C50C-407E-A947-70E740481C1C}">
+                <a14:useLocalDpi xmlns:a14="http://schemas.microsoft.com/office/drawing/2010/main" val="0"/>
+              </a:ext>
+              <a:ext uri="{96DAC541-7B7A-43D3-8B79-37D633B846F1}">
+                <asvg:svgBlip xmlns:asvg="http://schemas.microsoft.com/office/drawing/2016/SVG/main" r:embed="rId3"/>
+              </a:ext>
+            </a:extLst>
+          </a:blip>
+          <a:stretch>
+            <a:fillRect/>
+          </a:stretch>
+        </p:blipFill>
+        <p:spPr>
+          <a:xfrm>
+            <a:off x="5293360" y="2626360"/>
+            <a:ext cx="1605280" cy="1605280"/>
+          </a:xfrm>
+          <a:prstGeom prst="rect">
+            <a:avLst/>
+          </a:prstGeom>
+        </p:spPr>
+      </p:pic>
+    </p:spTree>
+    <p:extLst>
+      <p:ext uri="{BB962C8B-B14F-4D97-AF65-F5344CB8AC3E}">
+        <p14:creationId xmlns:p14="http://schemas.microsoft.com/office/powerpoint/2010/main" val="4105101757"/>
+      </p:ext>
+    </p:extLst>
+  </p:cSld>
+  <p:clrMapOvr>
+    <a:masterClrMapping/>
+  </p:clrMapOvr>
+</p:sld>
+</file>
+
+<file path=ppt/slides/slide25.xml><?xml version="1.0" encoding="utf-8"?>
+<p:sld xmlns:a="http://schemas.openxmlformats.org/drawingml/2006/main" xmlns:r="http://schemas.openxmlformats.org/officeDocument/2006/relationships" xmlns:p="http://schemas.openxmlformats.org/presentationml/2006/main">
+  <p:cSld>
+    <p:spTree>
+      <p:nvGrpSpPr>
+        <p:cNvPr id="1" name=""/>
+        <p:cNvGrpSpPr/>
+        <p:nvPr/>
+      </p:nvGrpSpPr>
+      <p:grpSpPr>
+        <a:xfrm>
+          <a:off x="0" y="0"/>
+          <a:ext cx="0" cy="0"/>
+          <a:chOff x="0" y="0"/>
+          <a:chExt cx="0" cy="0"/>
+        </a:xfrm>
+      </p:grpSpPr>
+      <p:sp>
+        <p:nvSpPr>
+          <p:cNvPr id="4" name="직사각형 3">
+            <a:extLst>
+              <a:ext uri="{FF2B5EF4-FFF2-40B4-BE49-F238E27FC236}">
+                <a16:creationId xmlns:a16="http://schemas.microsoft.com/office/drawing/2014/main" id="{2F6B63B8-6341-241E-F508-68B72C684CBF}"/>
+              </a:ext>
+            </a:extLst>
+          </p:cNvPr>
+          <p:cNvSpPr/>
+          <p:nvPr/>
+        </p:nvSpPr>
+        <p:spPr>
+          <a:xfrm>
+            <a:off x="4957202" y="2290202"/>
+            <a:ext cx="2277596" cy="2277596"/>
+          </a:xfrm>
+          <a:prstGeom prst="rect">
+            <a:avLst/>
+          </a:prstGeom>
+          <a:solidFill>
+            <a:schemeClr val="bg1"/>
+          </a:solidFill>
+          <a:ln w="25400">
+            <a:solidFill>
+              <a:srgbClr val="064A97"/>
+            </a:solidFill>
+          </a:ln>
+          <a:effectLst/>
+        </p:spPr>
+        <p:style>
+          <a:lnRef idx="2">
+            <a:schemeClr val="accent1">
+              <a:shade val="50000"/>
+            </a:schemeClr>
+          </a:lnRef>
+          <a:fillRef idx="1">
+            <a:schemeClr val="accent1"/>
+          </a:fillRef>
+          <a:effectRef idx="0">
+            <a:schemeClr val="accent1"/>
+          </a:effectRef>
+          <a:fontRef idx="minor">
+            <a:schemeClr val="lt1"/>
+          </a:fontRef>
+        </p:style>
+        <p:txBody>
+          <a:bodyPr rtlCol="0" anchor="ctr"/>
+          <a:lstStyle/>
+          <a:p>
+            <a:pPr algn="ctr"/>
+            <a:endParaRPr lang="ko-KR" altLang="en-US" sz="3200" b="1" dirty="0">
+              <a:solidFill>
+                <a:schemeClr val="tx1"/>
+              </a:solidFill>
+            </a:endParaRPr>
+          </a:p>
+        </p:txBody>
+      </p:sp>
+      <p:pic>
+        <p:nvPicPr>
+          <p:cNvPr id="6" name="그림 5" descr="텍스트, 로고, 원, 폰트이(가) 표시된 사진&#10;&#10;자동 생성된 설명">
+            <a:extLst>
+              <a:ext uri="{FF2B5EF4-FFF2-40B4-BE49-F238E27FC236}">
+                <a16:creationId xmlns:a16="http://schemas.microsoft.com/office/drawing/2014/main" id="{88403316-8B41-02EE-B51A-94987B88A388}"/>
+              </a:ext>
+            </a:extLst>
+          </p:cNvPr>
+          <p:cNvPicPr>
+            <a:picLocks noChangeAspect="1"/>
+          </p:cNvPicPr>
+          <p:nvPr/>
+        </p:nvPicPr>
+        <p:blipFill>
+          <a:blip r:embed="rId2">
+            <a:extLst>
+              <a:ext uri="{28A0092B-C50C-407E-A947-70E740481C1C}">
+                <a14:useLocalDpi xmlns:a14="http://schemas.microsoft.com/office/drawing/2010/main" val="0"/>
+              </a:ext>
+            </a:extLst>
+          </a:blip>
+          <a:stretch>
+            <a:fillRect/>
+          </a:stretch>
+        </p:blipFill>
+        <p:spPr>
+          <a:xfrm>
+            <a:off x="5149103" y="2510678"/>
+            <a:ext cx="1874744" cy="1874744"/>
+          </a:xfrm>
+          <a:prstGeom prst="rect">
+            <a:avLst/>
+          </a:prstGeom>
+        </p:spPr>
+      </p:pic>
+    </p:spTree>
+    <p:extLst>
+      <p:ext uri="{BB962C8B-B14F-4D97-AF65-F5344CB8AC3E}">
+        <p14:creationId xmlns:p14="http://schemas.microsoft.com/office/powerpoint/2010/main" val="753762657"/>
+      </p:ext>
+    </p:extLst>
+  </p:cSld>
+  <p:clrMapOvr>
+    <a:masterClrMapping/>
+  </p:clrMapOvr>
+</p:sld>
+</file>
+
+<file path=ppt/slides/slide26.xml><?xml version="1.0" encoding="utf-8"?>
+<p:sld xmlns:a="http://schemas.openxmlformats.org/drawingml/2006/main" xmlns:r="http://schemas.openxmlformats.org/officeDocument/2006/relationships" xmlns:p="http://schemas.openxmlformats.org/presentationml/2006/main">
+  <p:cSld>
+    <p:spTree>
+      <p:nvGrpSpPr>
+        <p:cNvPr id="1" name=""/>
+        <p:cNvGrpSpPr/>
+        <p:nvPr/>
+      </p:nvGrpSpPr>
+      <p:grpSpPr>
+        <a:xfrm>
+          <a:off x="0" y="0"/>
+          <a:ext cx="0" cy="0"/>
+          <a:chOff x="0" y="0"/>
+          <a:chExt cx="0" cy="0"/>
+        </a:xfrm>
+      </p:grpSpPr>
+      <p:sp>
+        <p:nvSpPr>
+          <p:cNvPr id="4" name="직사각형 3">
+            <a:extLst>
+              <a:ext uri="{FF2B5EF4-FFF2-40B4-BE49-F238E27FC236}">
+                <a16:creationId xmlns:a16="http://schemas.microsoft.com/office/drawing/2014/main" id="{59002BEC-4C13-8AD1-9409-3E88351A075A}"/>
+              </a:ext>
+            </a:extLst>
+          </p:cNvPr>
+          <p:cNvSpPr/>
+          <p:nvPr/>
+        </p:nvSpPr>
+        <p:spPr>
+          <a:xfrm>
+            <a:off x="4957202" y="2290202"/>
+            <a:ext cx="2277596" cy="2277596"/>
+          </a:xfrm>
+          <a:prstGeom prst="rect">
+            <a:avLst/>
+          </a:prstGeom>
+          <a:solidFill>
+            <a:srgbClr val="C00000"/>
+          </a:solidFill>
+          <a:ln w="25400">
+            <a:noFill/>
+          </a:ln>
+          <a:effectLst/>
+        </p:spPr>
+        <p:style>
+          <a:lnRef idx="2">
+            <a:schemeClr val="accent1">
+              <a:shade val="50000"/>
+            </a:schemeClr>
+          </a:lnRef>
+          <a:fillRef idx="1">
+            <a:schemeClr val="accent1"/>
+          </a:fillRef>
+          <a:effectRef idx="0">
+            <a:schemeClr val="accent1"/>
+          </a:effectRef>
+          <a:fontRef idx="minor">
+            <a:schemeClr val="lt1"/>
+          </a:fontRef>
+        </p:style>
+        <p:txBody>
+          <a:bodyPr rtlCol="0" anchor="ctr"/>
+          <a:lstStyle/>
+          <a:p>
+            <a:pPr algn="ctr"/>
             <a:r>
               <a:rPr lang="ko-KR" altLang="en-US" sz="3200" b="1" dirty="0">
                 <a:solidFill>
@@ -6054,7 +6442,7 @@
 </p:sld>
 </file>
 
-<file path=ppt/slides/slide24.xml><?xml version="1.0" encoding="utf-8"?>
+<file path=ppt/slides/slide27.xml><?xml version="1.0" encoding="utf-8"?>
 <p:sld xmlns:a="http://schemas.openxmlformats.org/drawingml/2006/main" xmlns:r="http://schemas.openxmlformats.org/officeDocument/2006/relationships" xmlns:p="http://schemas.openxmlformats.org/presentationml/2006/main">
   <p:cSld>
     <p:bg>

--- a/budongsan/프레젠테이션1.pptx
+++ b/budongsan/프레젠테이션1.pptx
@@ -7,31 +7,32 @@
   <p:sldIdLst>
     <p:sldId id="256" r:id="rId2"/>
     <p:sldId id="257" r:id="rId3"/>
-    <p:sldId id="271" r:id="rId4"/>
-    <p:sldId id="259" r:id="rId5"/>
-    <p:sldId id="258" r:id="rId6"/>
-    <p:sldId id="260" r:id="rId7"/>
-    <p:sldId id="261" r:id="rId8"/>
-    <p:sldId id="272" r:id="rId9"/>
-    <p:sldId id="264" r:id="rId10"/>
-    <p:sldId id="262" r:id="rId11"/>
-    <p:sldId id="265" r:id="rId12"/>
-    <p:sldId id="263" r:id="rId13"/>
-    <p:sldId id="266" r:id="rId14"/>
-    <p:sldId id="267" r:id="rId15"/>
-    <p:sldId id="269" r:id="rId16"/>
-    <p:sldId id="270" r:id="rId17"/>
-    <p:sldId id="273" r:id="rId18"/>
-    <p:sldId id="275" r:id="rId19"/>
-    <p:sldId id="274" r:id="rId20"/>
-    <p:sldId id="277" r:id="rId21"/>
-    <p:sldId id="278" r:id="rId22"/>
-    <p:sldId id="279" r:id="rId23"/>
-    <p:sldId id="282" r:id="rId24"/>
-    <p:sldId id="280" r:id="rId25"/>
-    <p:sldId id="281" r:id="rId26"/>
-    <p:sldId id="268" r:id="rId27"/>
-    <p:sldId id="276" r:id="rId28"/>
+    <p:sldId id="283" r:id="rId4"/>
+    <p:sldId id="271" r:id="rId5"/>
+    <p:sldId id="259" r:id="rId6"/>
+    <p:sldId id="258" r:id="rId7"/>
+    <p:sldId id="260" r:id="rId8"/>
+    <p:sldId id="261" r:id="rId9"/>
+    <p:sldId id="272" r:id="rId10"/>
+    <p:sldId id="264" r:id="rId11"/>
+    <p:sldId id="262" r:id="rId12"/>
+    <p:sldId id="265" r:id="rId13"/>
+    <p:sldId id="263" r:id="rId14"/>
+    <p:sldId id="266" r:id="rId15"/>
+    <p:sldId id="267" r:id="rId16"/>
+    <p:sldId id="269" r:id="rId17"/>
+    <p:sldId id="270" r:id="rId18"/>
+    <p:sldId id="273" r:id="rId19"/>
+    <p:sldId id="275" r:id="rId20"/>
+    <p:sldId id="274" r:id="rId21"/>
+    <p:sldId id="277" r:id="rId22"/>
+    <p:sldId id="278" r:id="rId23"/>
+    <p:sldId id="279" r:id="rId24"/>
+    <p:sldId id="282" r:id="rId25"/>
+    <p:sldId id="280" r:id="rId26"/>
+    <p:sldId id="281" r:id="rId27"/>
+    <p:sldId id="268" r:id="rId28"/>
+    <p:sldId id="276" r:id="rId29"/>
   </p:sldIdLst>
   <p:sldSz cx="12192000" cy="6858000"/>
   <p:notesSz cx="6858000" cy="9144000"/>
@@ -285,7 +286,7 @@
           <a:p>
             <a:fld id="{F9461951-D42A-489C-80F1-7A9460A9A55B}" type="datetimeFigureOut">
               <a:rPr lang="ko-KR" altLang="en-US" smtClean="0"/>
-              <a:t>2023-09-23</a:t>
+              <a:t>2023-10-13</a:t>
             </a:fld>
             <a:endParaRPr lang="ko-KR" altLang="en-US"/>
           </a:p>
@@ -483,7 +484,7 @@
           <a:p>
             <a:fld id="{F9461951-D42A-489C-80F1-7A9460A9A55B}" type="datetimeFigureOut">
               <a:rPr lang="ko-KR" altLang="en-US" smtClean="0"/>
-              <a:t>2023-09-23</a:t>
+              <a:t>2023-10-13</a:t>
             </a:fld>
             <a:endParaRPr lang="ko-KR" altLang="en-US"/>
           </a:p>
@@ -691,7 +692,7 @@
           <a:p>
             <a:fld id="{F9461951-D42A-489C-80F1-7A9460A9A55B}" type="datetimeFigureOut">
               <a:rPr lang="ko-KR" altLang="en-US" smtClean="0"/>
-              <a:t>2023-09-23</a:t>
+              <a:t>2023-10-13</a:t>
             </a:fld>
             <a:endParaRPr lang="ko-KR" altLang="en-US"/>
           </a:p>
@@ -889,7 +890,7 @@
           <a:p>
             <a:fld id="{F9461951-D42A-489C-80F1-7A9460A9A55B}" type="datetimeFigureOut">
               <a:rPr lang="ko-KR" altLang="en-US" smtClean="0"/>
-              <a:t>2023-09-23</a:t>
+              <a:t>2023-10-13</a:t>
             </a:fld>
             <a:endParaRPr lang="ko-KR" altLang="en-US"/>
           </a:p>
@@ -1164,7 +1165,7 @@
           <a:p>
             <a:fld id="{F9461951-D42A-489C-80F1-7A9460A9A55B}" type="datetimeFigureOut">
               <a:rPr lang="ko-KR" altLang="en-US" smtClean="0"/>
-              <a:t>2023-09-23</a:t>
+              <a:t>2023-10-13</a:t>
             </a:fld>
             <a:endParaRPr lang="ko-KR" altLang="en-US"/>
           </a:p>
@@ -1429,7 +1430,7 @@
           <a:p>
             <a:fld id="{F9461951-D42A-489C-80F1-7A9460A9A55B}" type="datetimeFigureOut">
               <a:rPr lang="ko-KR" altLang="en-US" smtClean="0"/>
-              <a:t>2023-09-23</a:t>
+              <a:t>2023-10-13</a:t>
             </a:fld>
             <a:endParaRPr lang="ko-KR" altLang="en-US"/>
           </a:p>
@@ -1841,7 +1842,7 @@
           <a:p>
             <a:fld id="{F9461951-D42A-489C-80F1-7A9460A9A55B}" type="datetimeFigureOut">
               <a:rPr lang="ko-KR" altLang="en-US" smtClean="0"/>
-              <a:t>2023-09-23</a:t>
+              <a:t>2023-10-13</a:t>
             </a:fld>
             <a:endParaRPr lang="ko-KR" altLang="en-US"/>
           </a:p>
@@ -1982,7 +1983,7 @@
           <a:p>
             <a:fld id="{F9461951-D42A-489C-80F1-7A9460A9A55B}" type="datetimeFigureOut">
               <a:rPr lang="ko-KR" altLang="en-US" smtClean="0"/>
-              <a:t>2023-09-23</a:t>
+              <a:t>2023-10-13</a:t>
             </a:fld>
             <a:endParaRPr lang="ko-KR" altLang="en-US"/>
           </a:p>
@@ -2095,7 +2096,7 @@
           <a:p>
             <a:fld id="{F9461951-D42A-489C-80F1-7A9460A9A55B}" type="datetimeFigureOut">
               <a:rPr lang="ko-KR" altLang="en-US" smtClean="0"/>
-              <a:t>2023-09-23</a:t>
+              <a:t>2023-10-13</a:t>
             </a:fld>
             <a:endParaRPr lang="ko-KR" altLang="en-US"/>
           </a:p>
@@ -2406,7 +2407,7 @@
           <a:p>
             <a:fld id="{F9461951-D42A-489C-80F1-7A9460A9A55B}" type="datetimeFigureOut">
               <a:rPr lang="ko-KR" altLang="en-US" smtClean="0"/>
-              <a:t>2023-09-23</a:t>
+              <a:t>2023-10-13</a:t>
             </a:fld>
             <a:endParaRPr lang="ko-KR" altLang="en-US"/>
           </a:p>
@@ -2694,7 +2695,7 @@
           <a:p>
             <a:fld id="{F9461951-D42A-489C-80F1-7A9460A9A55B}" type="datetimeFigureOut">
               <a:rPr lang="ko-KR" altLang="en-US" smtClean="0"/>
-              <a:t>2023-09-23</a:t>
+              <a:t>2023-10-13</a:t>
             </a:fld>
             <a:endParaRPr lang="ko-KR" altLang="en-US"/>
           </a:p>
@@ -2935,7 +2936,7 @@
           <a:p>
             <a:fld id="{F9461951-D42A-489C-80F1-7A9460A9A55B}" type="datetimeFigureOut">
               <a:rPr lang="ko-KR" altLang="en-US" smtClean="0"/>
-              <a:t>2023-09-23</a:t>
+              <a:t>2023-10-13</a:t>
             </a:fld>
             <a:endParaRPr lang="ko-KR" altLang="en-US"/>
           </a:p>
@@ -3552,10 +3553,10 @@
       </p:grpSpPr>
       <p:sp>
         <p:nvSpPr>
-          <p:cNvPr id="6" name="직사각형 5">
-            <a:extLst>
-              <a:ext uri="{FF2B5EF4-FFF2-40B4-BE49-F238E27FC236}">
-                <a16:creationId xmlns:a16="http://schemas.microsoft.com/office/drawing/2014/main" id="{DC1A7912-836F-AAEC-0436-935FF975D1BF}"/>
+          <p:cNvPr id="4" name="직사각형 3">
+            <a:extLst>
+              <a:ext uri="{FF2B5EF4-FFF2-40B4-BE49-F238E27FC236}">
+                <a16:creationId xmlns:a16="http://schemas.microsoft.com/office/drawing/2014/main" id="{389727F9-EAE5-7B49-48A9-C5DBB13F642B}"/>
               </a:ext>
             </a:extLst>
           </p:cNvPr>
@@ -3577,7 +3578,7 @@
           </a:solidFill>
           <a:ln w="25400">
             <a:solidFill>
-              <a:srgbClr val="332650"/>
+              <a:srgbClr val="03CF5D"/>
             </a:solidFill>
           </a:ln>
           <a:effectLst/>
@@ -3613,10 +3614,10 @@
       </p:sp>
       <p:pic>
         <p:nvPicPr>
-          <p:cNvPr id="5" name="그림 4" descr="스크린샷, 그래픽, 디자인이(가) 표시된 사진&#10;&#10;자동 생성된 설명">
-            <a:extLst>
-              <a:ext uri="{FF2B5EF4-FFF2-40B4-BE49-F238E27FC236}">
-                <a16:creationId xmlns:a16="http://schemas.microsoft.com/office/drawing/2014/main" id="{E20A1273-10D6-41F9-DC15-C50A7D10A9F0}"/>
+          <p:cNvPr id="6" name="그림 5" descr="그래픽, 그래픽 디자인, 폰트, 다채로움이(가) 표시된 사진&#10;&#10;자동 생성된 설명">
+            <a:extLst>
+              <a:ext uri="{FF2B5EF4-FFF2-40B4-BE49-F238E27FC236}">
+                <a16:creationId xmlns:a16="http://schemas.microsoft.com/office/drawing/2014/main" id="{D6342785-F102-4C72-AC15-C3B73F9B6B40}"/>
               </a:ext>
             </a:extLst>
           </p:cNvPr>
@@ -3625,7 +3626,7 @@
           </p:cNvPicPr>
           <p:nvPr/>
         </p:nvPicPr>
-        <p:blipFill rotWithShape="1">
+        <p:blipFill>
           <a:blip r:embed="rId2">
             <a:extLst>
               <a:ext uri="{28A0092B-C50C-407E-A947-70E740481C1C}">
@@ -3633,13 +3634,14 @@
               </a:ext>
             </a:extLst>
           </a:blip>
-          <a:srcRect l="35767" t="33558" r="35767" b="42181"/>
-          <a:stretch/>
+          <a:stretch>
+            <a:fillRect/>
+          </a:stretch>
         </p:blipFill>
         <p:spPr>
           <a:xfrm>
-            <a:off x="5257800" y="2735082"/>
-            <a:ext cx="1695450" cy="1444986"/>
+            <a:off x="5153942" y="3248316"/>
+            <a:ext cx="1884116" cy="361367"/>
           </a:xfrm>
           <a:prstGeom prst="rect">
             <a:avLst/>
@@ -3649,7 +3651,7 @@
     </p:spTree>
     <p:extLst>
       <p:ext uri="{BB962C8B-B14F-4D97-AF65-F5344CB8AC3E}">
-        <p14:creationId xmlns:p14="http://schemas.microsoft.com/office/powerpoint/2010/main" val="883733271"/>
+        <p14:creationId xmlns:p14="http://schemas.microsoft.com/office/powerpoint/2010/main" val="491855824"/>
       </p:ext>
     </p:extLst>
   </p:cSld>
@@ -3678,10 +3680,10 @@
       </p:grpSpPr>
       <p:sp>
         <p:nvSpPr>
-          <p:cNvPr id="4" name="직사각형 3">
-            <a:extLst>
-              <a:ext uri="{FF2B5EF4-FFF2-40B4-BE49-F238E27FC236}">
-                <a16:creationId xmlns:a16="http://schemas.microsoft.com/office/drawing/2014/main" id="{11580A11-7696-87D7-342E-F1E5CC30684B}"/>
+          <p:cNvPr id="6" name="직사각형 5">
+            <a:extLst>
+              <a:ext uri="{FF2B5EF4-FFF2-40B4-BE49-F238E27FC236}">
+                <a16:creationId xmlns:a16="http://schemas.microsoft.com/office/drawing/2014/main" id="{DC1A7912-836F-AAEC-0436-935FF975D1BF}"/>
               </a:ext>
             </a:extLst>
           </p:cNvPr>
@@ -3703,7 +3705,7 @@
           </a:solidFill>
           <a:ln w="25400">
             <a:solidFill>
-              <a:srgbClr val="000000"/>
+              <a:srgbClr val="332650"/>
             </a:solidFill>
           </a:ln>
           <a:effectLst/>
@@ -3739,10 +3741,10 @@
       </p:sp>
       <p:pic>
         <p:nvPicPr>
-          <p:cNvPr id="5" name="그림 4" descr="블랙, 어둠이(가) 표시된 사진&#10;&#10;자동 생성된 설명">
-            <a:extLst>
-              <a:ext uri="{FF2B5EF4-FFF2-40B4-BE49-F238E27FC236}">
-                <a16:creationId xmlns:a16="http://schemas.microsoft.com/office/drawing/2014/main" id="{EB060447-3DCE-86D0-98A3-48B87418C7BB}"/>
+          <p:cNvPr id="5" name="그림 4" descr="스크린샷, 그래픽, 디자인이(가) 표시된 사진&#10;&#10;자동 생성된 설명">
+            <a:extLst>
+              <a:ext uri="{FF2B5EF4-FFF2-40B4-BE49-F238E27FC236}">
+                <a16:creationId xmlns:a16="http://schemas.microsoft.com/office/drawing/2014/main" id="{E20A1273-10D6-41F9-DC15-C50A7D10A9F0}"/>
               </a:ext>
             </a:extLst>
           </p:cNvPr>
@@ -3751,7 +3753,7 @@
           </p:cNvPicPr>
           <p:nvPr/>
         </p:nvPicPr>
-        <p:blipFill>
+        <p:blipFill rotWithShape="1">
           <a:blip r:embed="rId2">
             <a:extLst>
               <a:ext uri="{28A0092B-C50C-407E-A947-70E740481C1C}">
@@ -3759,14 +3761,13 @@
               </a:ext>
             </a:extLst>
           </a:blip>
-          <a:stretch>
-            <a:fillRect/>
-          </a:stretch>
+          <a:srcRect l="35767" t="33558" r="35767" b="42181"/>
+          <a:stretch/>
         </p:blipFill>
         <p:spPr>
           <a:xfrm>
-            <a:off x="5476874" y="2670905"/>
-            <a:ext cx="1238252" cy="1554290"/>
+            <a:off x="5257800" y="2735082"/>
+            <a:ext cx="1695450" cy="1444986"/>
           </a:xfrm>
           <a:prstGeom prst="rect">
             <a:avLst/>
@@ -3776,7 +3777,7 @@
     </p:spTree>
     <p:extLst>
       <p:ext uri="{BB962C8B-B14F-4D97-AF65-F5344CB8AC3E}">
-        <p14:creationId xmlns:p14="http://schemas.microsoft.com/office/powerpoint/2010/main" val="4022702016"/>
+        <p14:creationId xmlns:p14="http://schemas.microsoft.com/office/powerpoint/2010/main" val="883733271"/>
       </p:ext>
     </p:extLst>
   </p:cSld>
@@ -3805,10 +3806,10 @@
       </p:grpSpPr>
       <p:sp>
         <p:nvSpPr>
-          <p:cNvPr id="2" name="직사각형 1">
-            <a:extLst>
-              <a:ext uri="{FF2B5EF4-FFF2-40B4-BE49-F238E27FC236}">
-                <a16:creationId xmlns:a16="http://schemas.microsoft.com/office/drawing/2014/main" id="{E2102D9D-A1CE-3BC2-BC22-A89D914D5446}"/>
+          <p:cNvPr id="4" name="직사각형 3">
+            <a:extLst>
+              <a:ext uri="{FF2B5EF4-FFF2-40B4-BE49-F238E27FC236}">
+                <a16:creationId xmlns:a16="http://schemas.microsoft.com/office/drawing/2014/main" id="{11580A11-7696-87D7-342E-F1E5CC30684B}"/>
               </a:ext>
             </a:extLst>
           </p:cNvPr>
@@ -3830,7 +3831,7 @@
           </a:solidFill>
           <a:ln w="25400">
             <a:solidFill>
-              <a:srgbClr val="202632"/>
+              <a:srgbClr val="000000"/>
             </a:solidFill>
           </a:ln>
           <a:effectLst/>
@@ -3866,10 +3867,10 @@
       </p:sp>
       <p:pic>
         <p:nvPicPr>
-          <p:cNvPr id="4" name="그림 3" descr="그래픽, 로고, 그래픽 디자인, 스크린샷이(가) 표시된 사진&#10;&#10;자동 생성된 설명">
-            <a:extLst>
-              <a:ext uri="{FF2B5EF4-FFF2-40B4-BE49-F238E27FC236}">
-                <a16:creationId xmlns:a16="http://schemas.microsoft.com/office/drawing/2014/main" id="{501E5604-7A7A-CE58-007E-052D159D9735}"/>
+          <p:cNvPr id="5" name="그림 4" descr="블랙, 어둠이(가) 표시된 사진&#10;&#10;자동 생성된 설명">
+            <a:extLst>
+              <a:ext uri="{FF2B5EF4-FFF2-40B4-BE49-F238E27FC236}">
+                <a16:creationId xmlns:a16="http://schemas.microsoft.com/office/drawing/2014/main" id="{EB060447-3DCE-86D0-98A3-48B87418C7BB}"/>
               </a:ext>
             </a:extLst>
           </p:cNvPr>
@@ -3878,7 +3879,7 @@
           </p:cNvPicPr>
           <p:nvPr/>
         </p:nvPicPr>
-        <p:blipFill rotWithShape="1">
+        <p:blipFill>
           <a:blip r:embed="rId2">
             <a:extLst>
               <a:ext uri="{28A0092B-C50C-407E-A947-70E740481C1C}">
@@ -3886,13 +3887,14 @@
               </a:ext>
             </a:extLst>
           </a:blip>
-          <a:srcRect l="19412" t="31318" r="19485" b="31318"/>
-          <a:stretch/>
+          <a:stretch>
+            <a:fillRect/>
+          </a:stretch>
         </p:blipFill>
         <p:spPr>
           <a:xfrm>
-            <a:off x="5170394" y="3146013"/>
-            <a:ext cx="1851212" cy="565973"/>
+            <a:off x="5476874" y="2670905"/>
+            <a:ext cx="1238252" cy="1554290"/>
           </a:xfrm>
           <a:prstGeom prst="rect">
             <a:avLst/>
@@ -3902,7 +3904,7 @@
     </p:spTree>
     <p:extLst>
       <p:ext uri="{BB962C8B-B14F-4D97-AF65-F5344CB8AC3E}">
-        <p14:creationId xmlns:p14="http://schemas.microsoft.com/office/powerpoint/2010/main" val="2847043034"/>
+        <p14:creationId xmlns:p14="http://schemas.microsoft.com/office/powerpoint/2010/main" val="4022702016"/>
       </p:ext>
     </p:extLst>
   </p:cSld>
@@ -3931,10 +3933,10 @@
       </p:grpSpPr>
       <p:sp>
         <p:nvSpPr>
-          <p:cNvPr id="4" name="직사각형 3">
-            <a:extLst>
-              <a:ext uri="{FF2B5EF4-FFF2-40B4-BE49-F238E27FC236}">
-                <a16:creationId xmlns:a16="http://schemas.microsoft.com/office/drawing/2014/main" id="{22799BD7-A25C-A456-444D-97F23730D2E8}"/>
+          <p:cNvPr id="2" name="직사각형 1">
+            <a:extLst>
+              <a:ext uri="{FF2B5EF4-FFF2-40B4-BE49-F238E27FC236}">
+                <a16:creationId xmlns:a16="http://schemas.microsoft.com/office/drawing/2014/main" id="{E2102D9D-A1CE-3BC2-BC22-A89D914D5446}"/>
               </a:ext>
             </a:extLst>
           </p:cNvPr>
@@ -3956,7 +3958,7 @@
           </a:solidFill>
           <a:ln w="25400">
             <a:solidFill>
-              <a:srgbClr val="00CDF5"/>
+              <a:srgbClr val="202632"/>
             </a:solidFill>
           </a:ln>
           <a:effectLst/>
@@ -3992,10 +3994,10 @@
       </p:sp>
       <p:pic>
         <p:nvPicPr>
-          <p:cNvPr id="6" name="그림 5" descr="그래픽, 폰트, 로고, 그래픽 디자인이(가) 표시된 사진&#10;&#10;자동 생성된 설명">
-            <a:extLst>
-              <a:ext uri="{FF2B5EF4-FFF2-40B4-BE49-F238E27FC236}">
-                <a16:creationId xmlns:a16="http://schemas.microsoft.com/office/drawing/2014/main" id="{6F1883D2-E26A-372C-2021-0E76B775218A}"/>
+          <p:cNvPr id="4" name="그림 3" descr="그래픽, 로고, 그래픽 디자인, 스크린샷이(가) 표시된 사진&#10;&#10;자동 생성된 설명">
+            <a:extLst>
+              <a:ext uri="{FF2B5EF4-FFF2-40B4-BE49-F238E27FC236}">
+                <a16:creationId xmlns:a16="http://schemas.microsoft.com/office/drawing/2014/main" id="{501E5604-7A7A-CE58-007E-052D159D9735}"/>
               </a:ext>
             </a:extLst>
           </p:cNvPr>
@@ -4004,7 +4006,7 @@
           </p:cNvPicPr>
           <p:nvPr/>
         </p:nvPicPr>
-        <p:blipFill>
+        <p:blipFill rotWithShape="1">
           <a:blip r:embed="rId2">
             <a:extLst>
               <a:ext uri="{28A0092B-C50C-407E-A947-70E740481C1C}">
@@ -4012,14 +4014,13 @@
               </a:ext>
             </a:extLst>
           </a:blip>
-          <a:stretch>
-            <a:fillRect/>
-          </a:stretch>
+          <a:srcRect l="19412" t="31318" r="19485" b="31318"/>
+          <a:stretch/>
         </p:blipFill>
         <p:spPr>
           <a:xfrm>
-            <a:off x="5058071" y="2372021"/>
-            <a:ext cx="2094908" cy="2094908"/>
+            <a:off x="5170394" y="3146013"/>
+            <a:ext cx="1851212" cy="565973"/>
           </a:xfrm>
           <a:prstGeom prst="rect">
             <a:avLst/>
@@ -4029,7 +4030,7 @@
     </p:spTree>
     <p:extLst>
       <p:ext uri="{BB962C8B-B14F-4D97-AF65-F5344CB8AC3E}">
-        <p14:creationId xmlns:p14="http://schemas.microsoft.com/office/powerpoint/2010/main" val="1257996129"/>
+        <p14:creationId xmlns:p14="http://schemas.microsoft.com/office/powerpoint/2010/main" val="2847043034"/>
       </p:ext>
     </p:extLst>
   </p:cSld>
@@ -4061,7 +4062,7 @@
           <p:cNvPr id="4" name="직사각형 3">
             <a:extLst>
               <a:ext uri="{FF2B5EF4-FFF2-40B4-BE49-F238E27FC236}">
-                <a16:creationId xmlns:a16="http://schemas.microsoft.com/office/drawing/2014/main" id="{FE372801-5C2F-9770-4CD9-E3D29223918F}"/>
+                <a16:creationId xmlns:a16="http://schemas.microsoft.com/office/drawing/2014/main" id="{22799BD7-A25C-A456-444D-97F23730D2E8}"/>
               </a:ext>
             </a:extLst>
           </p:cNvPr>
@@ -4083,7 +4084,7 @@
           </a:solidFill>
           <a:ln w="25400">
             <a:solidFill>
-              <a:srgbClr val="4280EF"/>
+              <a:srgbClr val="00CDF5"/>
             </a:solidFill>
           </a:ln>
           <a:effectLst/>
@@ -4119,10 +4120,10 @@
       </p:sp>
       <p:pic>
         <p:nvPicPr>
-          <p:cNvPr id="8" name="그림 7" descr="다채로움, 그래픽, 원, 창의성이(가) 표시된 사진&#10;&#10;자동 생성된 설명">
-            <a:extLst>
-              <a:ext uri="{FF2B5EF4-FFF2-40B4-BE49-F238E27FC236}">
-                <a16:creationId xmlns:a16="http://schemas.microsoft.com/office/drawing/2014/main" id="{93CF56E9-B66E-0B21-0718-C7182FB704D1}"/>
+          <p:cNvPr id="6" name="그림 5" descr="그래픽, 폰트, 로고, 그래픽 디자인이(가) 표시된 사진&#10;&#10;자동 생성된 설명">
+            <a:extLst>
+              <a:ext uri="{FF2B5EF4-FFF2-40B4-BE49-F238E27FC236}">
+                <a16:creationId xmlns:a16="http://schemas.microsoft.com/office/drawing/2014/main" id="{6F1883D2-E26A-372C-2021-0E76B775218A}"/>
               </a:ext>
             </a:extLst>
           </p:cNvPr>
@@ -4131,7 +4132,7 @@
           </p:cNvPicPr>
           <p:nvPr/>
         </p:nvPicPr>
-        <p:blipFill rotWithShape="1">
+        <p:blipFill>
           <a:blip r:embed="rId2">
             <a:extLst>
               <a:ext uri="{28A0092B-C50C-407E-A947-70E740481C1C}">
@@ -4139,13 +4140,14 @@
               </a:ext>
             </a:extLst>
           </a:blip>
-          <a:srcRect l="16016" t="15430" r="16016" b="15430"/>
-          <a:stretch/>
+          <a:stretch>
+            <a:fillRect/>
+          </a:stretch>
         </p:blipFill>
         <p:spPr>
           <a:xfrm>
-            <a:off x="5286375" y="2605416"/>
-            <a:ext cx="1619250" cy="1647168"/>
+            <a:off x="5058071" y="2372021"/>
+            <a:ext cx="2094908" cy="2094908"/>
           </a:xfrm>
           <a:prstGeom prst="rect">
             <a:avLst/>
@@ -4155,7 +4157,7 @@
     </p:spTree>
     <p:extLst>
       <p:ext uri="{BB962C8B-B14F-4D97-AF65-F5344CB8AC3E}">
-        <p14:creationId xmlns:p14="http://schemas.microsoft.com/office/powerpoint/2010/main" val="1790616453"/>
+        <p14:creationId xmlns:p14="http://schemas.microsoft.com/office/powerpoint/2010/main" val="1257996129"/>
       </p:ext>
     </p:extLst>
   </p:cSld>
@@ -4187,7 +4189,7 @@
           <p:cNvPr id="4" name="직사각형 3">
             <a:extLst>
               <a:ext uri="{FF2B5EF4-FFF2-40B4-BE49-F238E27FC236}">
-                <a16:creationId xmlns:a16="http://schemas.microsoft.com/office/drawing/2014/main" id="{7F8C18A5-FAF5-2A5E-D45D-0B9D71E90BD3}"/>
+                <a16:creationId xmlns:a16="http://schemas.microsoft.com/office/drawing/2014/main" id="{FE372801-5C2F-9770-4CD9-E3D29223918F}"/>
               </a:ext>
             </a:extLst>
           </p:cNvPr>
@@ -4209,7 +4211,7 @@
           </a:solidFill>
           <a:ln w="25400">
             <a:solidFill>
-              <a:srgbClr val="000000"/>
+              <a:srgbClr val="4280EF"/>
             </a:solidFill>
           </a:ln>
           <a:effectLst/>
@@ -4245,10 +4247,10 @@
       </p:sp>
       <p:pic>
         <p:nvPicPr>
-          <p:cNvPr id="6" name="그림 5" descr="블랙, 어둠이(가) 표시된 사진&#10;&#10;자동 생성된 설명">
-            <a:extLst>
-              <a:ext uri="{FF2B5EF4-FFF2-40B4-BE49-F238E27FC236}">
-                <a16:creationId xmlns:a16="http://schemas.microsoft.com/office/drawing/2014/main" id="{C3ECC279-CD33-A38C-93B0-FA8733314581}"/>
+          <p:cNvPr id="8" name="그림 7" descr="다채로움, 그래픽, 원, 창의성이(가) 표시된 사진&#10;&#10;자동 생성된 설명">
+            <a:extLst>
+              <a:ext uri="{FF2B5EF4-FFF2-40B4-BE49-F238E27FC236}">
+                <a16:creationId xmlns:a16="http://schemas.microsoft.com/office/drawing/2014/main" id="{93CF56E9-B66E-0B21-0718-C7182FB704D1}"/>
               </a:ext>
             </a:extLst>
           </p:cNvPr>
@@ -4257,7 +4259,7 @@
           </p:cNvPicPr>
           <p:nvPr/>
         </p:nvPicPr>
-        <p:blipFill>
+        <p:blipFill rotWithShape="1">
           <a:blip r:embed="rId2">
             <a:extLst>
               <a:ext uri="{28A0092B-C50C-407E-A947-70E740481C1C}">
@@ -4265,14 +4267,13 @@
               </a:ext>
             </a:extLst>
           </a:blip>
-          <a:stretch>
-            <a:fillRect/>
-          </a:stretch>
+          <a:srcRect l="16016" t="15430" r="16016" b="15430"/>
+          <a:stretch/>
         </p:blipFill>
         <p:spPr>
           <a:xfrm>
-            <a:off x="5448300" y="2675861"/>
-            <a:ext cx="1295400" cy="1506278"/>
+            <a:off x="5286375" y="2605416"/>
+            <a:ext cx="1619250" cy="1647168"/>
           </a:xfrm>
           <a:prstGeom prst="rect">
             <a:avLst/>
@@ -4282,7 +4283,7 @@
     </p:spTree>
     <p:extLst>
       <p:ext uri="{BB962C8B-B14F-4D97-AF65-F5344CB8AC3E}">
-        <p14:creationId xmlns:p14="http://schemas.microsoft.com/office/powerpoint/2010/main" val="3352280758"/>
+        <p14:creationId xmlns:p14="http://schemas.microsoft.com/office/powerpoint/2010/main" val="1790616453"/>
       </p:ext>
     </p:extLst>
   </p:cSld>
@@ -4314,7 +4315,7 @@
           <p:cNvPr id="4" name="직사각형 3">
             <a:extLst>
               <a:ext uri="{FF2B5EF4-FFF2-40B4-BE49-F238E27FC236}">
-                <a16:creationId xmlns:a16="http://schemas.microsoft.com/office/drawing/2014/main" id="{9C64290E-05F2-0B97-97A7-ACB686F87E3E}"/>
+                <a16:creationId xmlns:a16="http://schemas.microsoft.com/office/drawing/2014/main" id="{7F8C18A5-FAF5-2A5E-D45D-0B9D71E90BD3}"/>
               </a:ext>
             </a:extLst>
           </p:cNvPr>
@@ -4336,7 +4337,7 @@
           </a:solidFill>
           <a:ln w="25400">
             <a:solidFill>
-              <a:srgbClr val="5F0080"/>
+              <a:srgbClr val="000000"/>
             </a:solidFill>
           </a:ln>
           <a:effectLst/>
@@ -4372,10 +4373,10 @@
       </p:sp>
       <p:pic>
         <p:nvPicPr>
-          <p:cNvPr id="8" name="그래픽 7">
-            <a:extLst>
-              <a:ext uri="{FF2B5EF4-FFF2-40B4-BE49-F238E27FC236}">
-                <a16:creationId xmlns:a16="http://schemas.microsoft.com/office/drawing/2014/main" id="{917A3CD5-E82B-5FBE-91FE-BEB02D8EE1E9}"/>
+          <p:cNvPr id="6" name="그림 5" descr="블랙, 어둠이(가) 표시된 사진&#10;&#10;자동 생성된 설명">
+            <a:extLst>
+              <a:ext uri="{FF2B5EF4-FFF2-40B4-BE49-F238E27FC236}">
+                <a16:creationId xmlns:a16="http://schemas.microsoft.com/office/drawing/2014/main" id="{C3ECC279-CD33-A38C-93B0-FA8733314581}"/>
               </a:ext>
             </a:extLst>
           </p:cNvPr>
@@ -4390,9 +4391,6 @@
               <a:ext uri="{28A0092B-C50C-407E-A947-70E740481C1C}">
                 <a14:useLocalDpi xmlns:a14="http://schemas.microsoft.com/office/drawing/2010/main" val="0"/>
               </a:ext>
-              <a:ext uri="{96DAC541-7B7A-43D3-8B79-37D633B846F1}">
-                <asvg:svgBlip xmlns:asvg="http://schemas.microsoft.com/office/drawing/2016/SVG/main" r:embed="rId3"/>
-              </a:ext>
             </a:extLst>
           </a:blip>
           <a:stretch>
@@ -4401,8 +4399,8 @@
         </p:blipFill>
         <p:spPr>
           <a:xfrm>
-            <a:off x="5210175" y="2975285"/>
-            <a:ext cx="1771650" cy="907430"/>
+            <a:off x="5448300" y="2675861"/>
+            <a:ext cx="1295400" cy="1506278"/>
           </a:xfrm>
           <a:prstGeom prst="rect">
             <a:avLst/>
@@ -4412,7 +4410,7 @@
     </p:spTree>
     <p:extLst>
       <p:ext uri="{BB962C8B-B14F-4D97-AF65-F5344CB8AC3E}">
-        <p14:creationId xmlns:p14="http://schemas.microsoft.com/office/powerpoint/2010/main" val="1038655571"/>
+        <p14:creationId xmlns:p14="http://schemas.microsoft.com/office/powerpoint/2010/main" val="3352280758"/>
       </p:ext>
     </p:extLst>
   </p:cSld>
@@ -4444,7 +4442,7 @@
           <p:cNvPr id="4" name="직사각형 3">
             <a:extLst>
               <a:ext uri="{FF2B5EF4-FFF2-40B4-BE49-F238E27FC236}">
-                <a16:creationId xmlns:a16="http://schemas.microsoft.com/office/drawing/2014/main" id="{865A90EC-73F3-C0F5-E13F-A3654315018F}"/>
+                <a16:creationId xmlns:a16="http://schemas.microsoft.com/office/drawing/2014/main" id="{9C64290E-05F2-0B97-97A7-ACB686F87E3E}"/>
               </a:ext>
             </a:extLst>
           </p:cNvPr>
@@ -4466,7 +4464,7 @@
           </a:solidFill>
           <a:ln w="25400">
             <a:solidFill>
-              <a:srgbClr val="05ABE7"/>
+              <a:srgbClr val="5F0080"/>
             </a:solidFill>
           </a:ln>
           <a:effectLst/>
@@ -4502,10 +4500,10 @@
       </p:sp>
       <p:pic>
         <p:nvPicPr>
-          <p:cNvPr id="8" name="그림 7" descr="직사각형, 스크린샷, 라인, 사각형이(가) 표시된 사진&#10;&#10;자동 생성된 설명">
-            <a:extLst>
-              <a:ext uri="{FF2B5EF4-FFF2-40B4-BE49-F238E27FC236}">
-                <a16:creationId xmlns:a16="http://schemas.microsoft.com/office/drawing/2014/main" id="{18C8366D-DCE8-EFD3-6118-74B9EF202C54}"/>
+          <p:cNvPr id="8" name="그래픽 7">
+            <a:extLst>
+              <a:ext uri="{FF2B5EF4-FFF2-40B4-BE49-F238E27FC236}">
+                <a16:creationId xmlns:a16="http://schemas.microsoft.com/office/drawing/2014/main" id="{917A3CD5-E82B-5FBE-91FE-BEB02D8EE1E9}"/>
               </a:ext>
             </a:extLst>
           </p:cNvPr>
@@ -4520,6 +4518,9 @@
               <a:ext uri="{28A0092B-C50C-407E-A947-70E740481C1C}">
                 <a14:useLocalDpi xmlns:a14="http://schemas.microsoft.com/office/drawing/2010/main" val="0"/>
               </a:ext>
+              <a:ext uri="{96DAC541-7B7A-43D3-8B79-37D633B846F1}">
+                <asvg:svgBlip xmlns:asvg="http://schemas.microsoft.com/office/drawing/2016/SVG/main" r:embed="rId3"/>
+              </a:ext>
             </a:extLst>
           </a:blip>
           <a:stretch>
@@ -4528,8 +4529,8 @@
         </p:blipFill>
         <p:spPr>
           <a:xfrm>
-            <a:off x="5450541" y="2721356"/>
-            <a:ext cx="1290918" cy="1415288"/>
+            <a:off x="5210175" y="2975285"/>
+            <a:ext cx="1771650" cy="907430"/>
           </a:xfrm>
           <a:prstGeom prst="rect">
             <a:avLst/>
@@ -4539,7 +4540,7 @@
     </p:spTree>
     <p:extLst>
       <p:ext uri="{BB962C8B-B14F-4D97-AF65-F5344CB8AC3E}">
-        <p14:creationId xmlns:p14="http://schemas.microsoft.com/office/powerpoint/2010/main" val="881328102"/>
+        <p14:creationId xmlns:p14="http://schemas.microsoft.com/office/powerpoint/2010/main" val="1038655571"/>
       </p:ext>
     </p:extLst>
   </p:cSld>
@@ -4571,7 +4572,7 @@
           <p:cNvPr id="4" name="직사각형 3">
             <a:extLst>
               <a:ext uri="{FF2B5EF4-FFF2-40B4-BE49-F238E27FC236}">
-                <a16:creationId xmlns:a16="http://schemas.microsoft.com/office/drawing/2014/main" id="{7CE0D245-C11E-8895-3057-556FAFA8504C}"/>
+                <a16:creationId xmlns:a16="http://schemas.microsoft.com/office/drawing/2014/main" id="{865A90EC-73F3-C0F5-E13F-A3654315018F}"/>
               </a:ext>
             </a:extLst>
           </p:cNvPr>
@@ -4593,7 +4594,7 @@
           </a:solidFill>
           <a:ln w="25400">
             <a:solidFill>
-              <a:srgbClr val="0086CC"/>
+              <a:srgbClr val="05ABE7"/>
             </a:solidFill>
           </a:ln>
           <a:effectLst/>
@@ -4629,10 +4630,10 @@
       </p:sp>
       <p:pic>
         <p:nvPicPr>
-          <p:cNvPr id="7" name="그래픽 6">
-            <a:extLst>
-              <a:ext uri="{FF2B5EF4-FFF2-40B4-BE49-F238E27FC236}">
-                <a16:creationId xmlns:a16="http://schemas.microsoft.com/office/drawing/2014/main" id="{62C719E4-97E2-72E8-B0B8-E6C62130CAF4}"/>
+          <p:cNvPr id="8" name="그림 7" descr="직사각형, 스크린샷, 라인, 사각형이(가) 표시된 사진&#10;&#10;자동 생성된 설명">
+            <a:extLst>
+              <a:ext uri="{FF2B5EF4-FFF2-40B4-BE49-F238E27FC236}">
+                <a16:creationId xmlns:a16="http://schemas.microsoft.com/office/drawing/2014/main" id="{18C8366D-DCE8-EFD3-6118-74B9EF202C54}"/>
               </a:ext>
             </a:extLst>
           </p:cNvPr>
@@ -4647,9 +4648,6 @@
               <a:ext uri="{28A0092B-C50C-407E-A947-70E740481C1C}">
                 <a14:useLocalDpi xmlns:a14="http://schemas.microsoft.com/office/drawing/2010/main" val="0"/>
               </a:ext>
-              <a:ext uri="{96DAC541-7B7A-43D3-8B79-37D633B846F1}">
-                <asvg:svgBlip xmlns:asvg="http://schemas.microsoft.com/office/drawing/2016/SVG/main" r:embed="rId3"/>
-              </a:ext>
             </a:extLst>
           </a:blip>
           <a:stretch>
@@ -4658,8 +4656,8 @@
         </p:blipFill>
         <p:spPr>
           <a:xfrm>
-            <a:off x="5074024" y="3217180"/>
-            <a:ext cx="2043952" cy="423640"/>
+            <a:off x="5450541" y="2721356"/>
+            <a:ext cx="1290918" cy="1415288"/>
           </a:xfrm>
           <a:prstGeom prst="rect">
             <a:avLst/>
@@ -4669,7 +4667,7 @@
     </p:spTree>
     <p:extLst>
       <p:ext uri="{BB962C8B-B14F-4D97-AF65-F5344CB8AC3E}">
-        <p14:creationId xmlns:p14="http://schemas.microsoft.com/office/powerpoint/2010/main" val="3517130403"/>
+        <p14:creationId xmlns:p14="http://schemas.microsoft.com/office/powerpoint/2010/main" val="881328102"/>
       </p:ext>
     </p:extLst>
   </p:cSld>
@@ -4701,7 +4699,7 @@
           <p:cNvPr id="4" name="직사각형 3">
             <a:extLst>
               <a:ext uri="{FF2B5EF4-FFF2-40B4-BE49-F238E27FC236}">
-                <a16:creationId xmlns:a16="http://schemas.microsoft.com/office/drawing/2014/main" id="{193D094A-958C-614E-849E-90A9C184FB8E}"/>
+                <a16:creationId xmlns:a16="http://schemas.microsoft.com/office/drawing/2014/main" id="{7CE0D245-C11E-8895-3057-556FAFA8504C}"/>
               </a:ext>
             </a:extLst>
           </p:cNvPr>
@@ -4723,7 +4721,7 @@
           </a:solidFill>
           <a:ln w="25400">
             <a:solidFill>
-              <a:srgbClr val="000000"/>
+              <a:srgbClr val="0086CC"/>
             </a:solidFill>
           </a:ln>
           <a:effectLst/>
@@ -4759,10 +4757,10 @@
       </p:sp>
       <p:pic>
         <p:nvPicPr>
-          <p:cNvPr id="6" name="그림 5" descr="폰트, 그래픽, 로고, 그래픽 디자인이(가) 표시된 사진&#10;&#10;자동 생성된 설명">
-            <a:extLst>
-              <a:ext uri="{FF2B5EF4-FFF2-40B4-BE49-F238E27FC236}">
-                <a16:creationId xmlns:a16="http://schemas.microsoft.com/office/drawing/2014/main" id="{93B9C44F-FF69-0582-843E-EE850E72D8F4}"/>
+          <p:cNvPr id="7" name="그래픽 6">
+            <a:extLst>
+              <a:ext uri="{FF2B5EF4-FFF2-40B4-BE49-F238E27FC236}">
+                <a16:creationId xmlns:a16="http://schemas.microsoft.com/office/drawing/2014/main" id="{62C719E4-97E2-72E8-B0B8-E6C62130CAF4}"/>
               </a:ext>
             </a:extLst>
           </p:cNvPr>
@@ -4777,6 +4775,9 @@
               <a:ext uri="{28A0092B-C50C-407E-A947-70E740481C1C}">
                 <a14:useLocalDpi xmlns:a14="http://schemas.microsoft.com/office/drawing/2010/main" val="0"/>
               </a:ext>
+              <a:ext uri="{96DAC541-7B7A-43D3-8B79-37D633B846F1}">
+                <asvg:svgBlip xmlns:asvg="http://schemas.microsoft.com/office/drawing/2016/SVG/main" r:embed="rId3"/>
+              </a:ext>
             </a:extLst>
           </a:blip>
           <a:stretch>
@@ -4785,8 +4786,8 @@
         </p:blipFill>
         <p:spPr>
           <a:xfrm>
-            <a:off x="5159048" y="3116682"/>
-            <a:ext cx="1873904" cy="624635"/>
+            <a:off x="5074024" y="3217180"/>
+            <a:ext cx="2043952" cy="423640"/>
           </a:xfrm>
           <a:prstGeom prst="rect">
             <a:avLst/>
@@ -4796,7 +4797,7 @@
     </p:spTree>
     <p:extLst>
       <p:ext uri="{BB962C8B-B14F-4D97-AF65-F5344CB8AC3E}">
-        <p14:creationId xmlns:p14="http://schemas.microsoft.com/office/powerpoint/2010/main" val="1739074395"/>
+        <p14:creationId xmlns:p14="http://schemas.microsoft.com/office/powerpoint/2010/main" val="3517130403"/>
       </p:ext>
     </p:extLst>
   </p:cSld>
@@ -4898,7 +4899,7 @@
                   <a:schemeClr val="tx1"/>
                 </a:solidFill>
               </a:rPr>
-              <a:t>모의고사</a:t>
+              <a:t>모 음 집</a:t>
             </a:r>
           </a:p>
         </p:txBody>
@@ -5224,7 +5225,7 @@
                   <a:schemeClr val="tx1"/>
                 </a:solidFill>
               </a:rPr>
-              <a:t>모의고사</a:t>
+              <a:t>모 음 집</a:t>
             </a:r>
           </a:p>
         </p:txBody>
@@ -5384,7 +5385,7 @@
                   <a:schemeClr val="tx1"/>
                 </a:solidFill>
               </a:rPr>
-              <a:t>체 계 도</a:t>
+              <a:t>모 음 집</a:t>
             </a:r>
           </a:p>
         </p:txBody>
@@ -5483,7 +5484,7 @@
         </p:nvSpPr>
         <p:spPr>
           <a:xfrm>
-            <a:off x="3174909" y="2880752"/>
+            <a:off x="8300757" y="2459411"/>
             <a:ext cx="2277596" cy="2277596"/>
           </a:xfrm>
           <a:prstGeom prst="rect">
@@ -5573,7 +5574,7 @@
           <p:cNvPr id="4" name="직사각형 3">
             <a:extLst>
               <a:ext uri="{FF2B5EF4-FFF2-40B4-BE49-F238E27FC236}">
-                <a16:creationId xmlns:a16="http://schemas.microsoft.com/office/drawing/2014/main" id="{CFDAA583-0F88-99A8-79A9-225CE7226C5B}"/>
+                <a16:creationId xmlns:a16="http://schemas.microsoft.com/office/drawing/2014/main" id="{193D094A-958C-614E-849E-90A9C184FB8E}"/>
               </a:ext>
             </a:extLst>
           </p:cNvPr>
@@ -5595,7 +5596,7 @@
           </a:solidFill>
           <a:ln w="25400">
             <a:solidFill>
-              <a:srgbClr val="C43E1C"/>
+              <a:srgbClr val="000000"/>
             </a:solidFill>
           </a:ln>
           <a:effectLst/>
@@ -5631,10 +5632,10 @@
       </p:sp>
       <p:pic>
         <p:nvPicPr>
-          <p:cNvPr id="8" name="그래픽 7">
-            <a:extLst>
-              <a:ext uri="{FF2B5EF4-FFF2-40B4-BE49-F238E27FC236}">
-                <a16:creationId xmlns:a16="http://schemas.microsoft.com/office/drawing/2014/main" id="{8814DBCB-05A2-2E1C-9F79-6DBF78EA5456}"/>
+          <p:cNvPr id="6" name="그림 5" descr="폰트, 그래픽, 로고, 그래픽 디자인이(가) 표시된 사진&#10;&#10;자동 생성된 설명">
+            <a:extLst>
+              <a:ext uri="{FF2B5EF4-FFF2-40B4-BE49-F238E27FC236}">
+                <a16:creationId xmlns:a16="http://schemas.microsoft.com/office/drawing/2014/main" id="{93B9C44F-FF69-0582-843E-EE850E72D8F4}"/>
               </a:ext>
             </a:extLst>
           </p:cNvPr>
@@ -5649,9 +5650,6 @@
               <a:ext uri="{28A0092B-C50C-407E-A947-70E740481C1C}">
                 <a14:useLocalDpi xmlns:a14="http://schemas.microsoft.com/office/drawing/2010/main" val="0"/>
               </a:ext>
-              <a:ext uri="{96DAC541-7B7A-43D3-8B79-37D633B846F1}">
-                <asvg:svgBlip xmlns:asvg="http://schemas.microsoft.com/office/drawing/2016/SVG/main" r:embed="rId3"/>
-              </a:ext>
             </a:extLst>
           </a:blip>
           <a:stretch>
@@ -5660,8 +5658,8 @@
         </p:blipFill>
         <p:spPr>
           <a:xfrm>
-            <a:off x="5250358" y="2590800"/>
-            <a:ext cx="1691284" cy="1676400"/>
+            <a:off x="5159048" y="3116682"/>
+            <a:ext cx="1873904" cy="624635"/>
           </a:xfrm>
           <a:prstGeom prst="rect">
             <a:avLst/>
@@ -5671,7 +5669,7 @@
     </p:spTree>
     <p:extLst>
       <p:ext uri="{BB962C8B-B14F-4D97-AF65-F5344CB8AC3E}">
-        <p14:creationId xmlns:p14="http://schemas.microsoft.com/office/powerpoint/2010/main" val="3342768234"/>
+        <p14:creationId xmlns:p14="http://schemas.microsoft.com/office/powerpoint/2010/main" val="1739074395"/>
       </p:ext>
     </p:extLst>
   </p:cSld>
@@ -5703,7 +5701,7 @@
           <p:cNvPr id="4" name="직사각형 3">
             <a:extLst>
               <a:ext uri="{FF2B5EF4-FFF2-40B4-BE49-F238E27FC236}">
-                <a16:creationId xmlns:a16="http://schemas.microsoft.com/office/drawing/2014/main" id="{8DDE365C-1461-CF63-F9F4-BF8E26B791BA}"/>
+                <a16:creationId xmlns:a16="http://schemas.microsoft.com/office/drawing/2014/main" id="{CFDAA583-0F88-99A8-79A9-225CE7226C5B}"/>
               </a:ext>
             </a:extLst>
           </p:cNvPr>
@@ -5725,7 +5723,7 @@
           </a:solidFill>
           <a:ln w="25400">
             <a:solidFill>
-              <a:srgbClr val="FF0000"/>
+              <a:srgbClr val="C43E1C"/>
             </a:solidFill>
           </a:ln>
           <a:effectLst/>
@@ -5761,10 +5759,10 @@
       </p:sp>
       <p:pic>
         <p:nvPicPr>
-          <p:cNvPr id="6" name="그림 5" descr="그래픽, 로고, 상징, 레드이(가) 표시된 사진&#10;&#10;자동 생성된 설명">
-            <a:extLst>
-              <a:ext uri="{FF2B5EF4-FFF2-40B4-BE49-F238E27FC236}">
-                <a16:creationId xmlns:a16="http://schemas.microsoft.com/office/drawing/2014/main" id="{D38F7733-8637-1636-34B0-B8D84460DEB6}"/>
+          <p:cNvPr id="8" name="그래픽 7">
+            <a:extLst>
+              <a:ext uri="{FF2B5EF4-FFF2-40B4-BE49-F238E27FC236}">
+                <a16:creationId xmlns:a16="http://schemas.microsoft.com/office/drawing/2014/main" id="{8814DBCB-05A2-2E1C-9F79-6DBF78EA5456}"/>
               </a:ext>
             </a:extLst>
           </p:cNvPr>
@@ -5779,6 +5777,9 @@
               <a:ext uri="{28A0092B-C50C-407E-A947-70E740481C1C}">
                 <a14:useLocalDpi xmlns:a14="http://schemas.microsoft.com/office/drawing/2010/main" val="0"/>
               </a:ext>
+              <a:ext uri="{96DAC541-7B7A-43D3-8B79-37D633B846F1}">
+                <asvg:svgBlip xmlns:asvg="http://schemas.microsoft.com/office/drawing/2016/SVG/main" r:embed="rId3"/>
+              </a:ext>
             </a:extLst>
           </a:blip>
           <a:stretch>
@@ -5787,8 +5788,8 @@
         </p:blipFill>
         <p:spPr>
           <a:xfrm>
-            <a:off x="5157998" y="3147599"/>
-            <a:ext cx="1876004" cy="562802"/>
+            <a:off x="5250358" y="2590800"/>
+            <a:ext cx="1691284" cy="1676400"/>
           </a:xfrm>
           <a:prstGeom prst="rect">
             <a:avLst/>
@@ -5798,7 +5799,7 @@
     </p:spTree>
     <p:extLst>
       <p:ext uri="{BB962C8B-B14F-4D97-AF65-F5344CB8AC3E}">
-        <p14:creationId xmlns:p14="http://schemas.microsoft.com/office/powerpoint/2010/main" val="1078255509"/>
+        <p14:creationId xmlns:p14="http://schemas.microsoft.com/office/powerpoint/2010/main" val="3342768234"/>
       </p:ext>
     </p:extLst>
   </p:cSld>
@@ -5830,7 +5831,7 @@
           <p:cNvPr id="4" name="직사각형 3">
             <a:extLst>
               <a:ext uri="{FF2B5EF4-FFF2-40B4-BE49-F238E27FC236}">
-                <a16:creationId xmlns:a16="http://schemas.microsoft.com/office/drawing/2014/main" id="{89DD115D-F426-9759-8127-FBCBD69DBBDF}"/>
+                <a16:creationId xmlns:a16="http://schemas.microsoft.com/office/drawing/2014/main" id="{8DDE365C-1461-CF63-F9F4-BF8E26B791BA}"/>
               </a:ext>
             </a:extLst>
           </p:cNvPr>
@@ -5852,7 +5853,7 @@
           </a:solidFill>
           <a:ln w="25400">
             <a:solidFill>
-              <a:srgbClr val="2E2E30"/>
+              <a:srgbClr val="FF0000"/>
             </a:solidFill>
           </a:ln>
           <a:effectLst/>
@@ -5888,10 +5889,10 @@
       </p:sp>
       <p:pic>
         <p:nvPicPr>
-          <p:cNvPr id="5" name="그림 4" descr="원, 시계, 상징, 기어이(가) 표시된 사진&#10;&#10;자동 생성된 설명">
-            <a:extLst>
-              <a:ext uri="{FF2B5EF4-FFF2-40B4-BE49-F238E27FC236}">
-                <a16:creationId xmlns:a16="http://schemas.microsoft.com/office/drawing/2014/main" id="{509D6372-502D-ED5F-DC1B-F4A4A9EDFFA5}"/>
+          <p:cNvPr id="6" name="그림 5" descr="그래픽, 로고, 상징, 레드이(가) 표시된 사진&#10;&#10;자동 생성된 설명">
+            <a:extLst>
+              <a:ext uri="{FF2B5EF4-FFF2-40B4-BE49-F238E27FC236}">
+                <a16:creationId xmlns:a16="http://schemas.microsoft.com/office/drawing/2014/main" id="{D38F7733-8637-1636-34B0-B8D84460DEB6}"/>
               </a:ext>
             </a:extLst>
           </p:cNvPr>
@@ -5914,8 +5915,8 @@
         </p:blipFill>
         <p:spPr>
           <a:xfrm>
-            <a:off x="5169413" y="2502413"/>
-            <a:ext cx="1853173" cy="1853173"/>
+            <a:off x="5157998" y="3147599"/>
+            <a:ext cx="1876004" cy="562802"/>
           </a:xfrm>
           <a:prstGeom prst="rect">
             <a:avLst/>
@@ -5925,7 +5926,7 @@
     </p:spTree>
     <p:extLst>
       <p:ext uri="{BB962C8B-B14F-4D97-AF65-F5344CB8AC3E}">
-        <p14:creationId xmlns:p14="http://schemas.microsoft.com/office/powerpoint/2010/main" val="1831825325"/>
+        <p14:creationId xmlns:p14="http://schemas.microsoft.com/office/powerpoint/2010/main" val="1078255509"/>
       </p:ext>
     </p:extLst>
   </p:cSld>
@@ -5954,10 +5955,10 @@
       </p:grpSpPr>
       <p:sp>
         <p:nvSpPr>
-          <p:cNvPr id="6" name="직사각형 5">
-            <a:extLst>
-              <a:ext uri="{FF2B5EF4-FFF2-40B4-BE49-F238E27FC236}">
-                <a16:creationId xmlns:a16="http://schemas.microsoft.com/office/drawing/2014/main" id="{6C50FEB9-A3BB-05AC-C585-EDF3AFF7E536}"/>
+          <p:cNvPr id="4" name="직사각형 3">
+            <a:extLst>
+              <a:ext uri="{FF2B5EF4-FFF2-40B4-BE49-F238E27FC236}">
+                <a16:creationId xmlns:a16="http://schemas.microsoft.com/office/drawing/2014/main" id="{89DD115D-F426-9759-8127-FBCBD69DBBDF}"/>
               </a:ext>
             </a:extLst>
           </p:cNvPr>
@@ -5966,7 +5967,7 @@
         </p:nvSpPr>
         <p:spPr>
           <a:xfrm>
-            <a:off x="4890527" y="2433077"/>
+            <a:off x="4957202" y="2290202"/>
             <a:ext cx="2277596" cy="2277596"/>
           </a:xfrm>
           <a:prstGeom prst="rect">
@@ -5979,7 +5980,7 @@
           </a:solidFill>
           <a:ln w="25400">
             <a:solidFill>
-              <a:srgbClr val="FB465E"/>
+              <a:srgbClr val="2E2E30"/>
             </a:solidFill>
           </a:ln>
           <a:effectLst/>
@@ -6015,10 +6016,10 @@
       </p:sp>
       <p:pic>
         <p:nvPicPr>
-          <p:cNvPr id="10" name="그래픽 9">
-            <a:extLst>
-              <a:ext uri="{FF2B5EF4-FFF2-40B4-BE49-F238E27FC236}">
-                <a16:creationId xmlns:a16="http://schemas.microsoft.com/office/drawing/2014/main" id="{CBBD271A-8474-232D-F446-6C934F2F9B77}"/>
+          <p:cNvPr id="5" name="그림 4" descr="원, 시계, 상징, 기어이(가) 표시된 사진&#10;&#10;자동 생성된 설명">
+            <a:extLst>
+              <a:ext uri="{FF2B5EF4-FFF2-40B4-BE49-F238E27FC236}">
+                <a16:creationId xmlns:a16="http://schemas.microsoft.com/office/drawing/2014/main" id="{509D6372-502D-ED5F-DC1B-F4A4A9EDFFA5}"/>
               </a:ext>
             </a:extLst>
           </p:cNvPr>
@@ -6033,9 +6034,6 @@
               <a:ext uri="{28A0092B-C50C-407E-A947-70E740481C1C}">
                 <a14:useLocalDpi xmlns:a14="http://schemas.microsoft.com/office/drawing/2010/main" val="0"/>
               </a:ext>
-              <a:ext uri="{96DAC541-7B7A-43D3-8B79-37D633B846F1}">
-                <asvg:svgBlip xmlns:asvg="http://schemas.microsoft.com/office/drawing/2016/SVG/main" r:embed="rId3"/>
-              </a:ext>
             </a:extLst>
           </a:blip>
           <a:stretch>
@@ -6044,8 +6042,8 @@
         </p:blipFill>
         <p:spPr>
           <a:xfrm>
-            <a:off x="5213537" y="2756087"/>
-            <a:ext cx="1631576" cy="1631576"/>
+            <a:off x="5169413" y="2502413"/>
+            <a:ext cx="1853173" cy="1853173"/>
           </a:xfrm>
           <a:prstGeom prst="rect">
             <a:avLst/>
@@ -6055,7 +6053,7 @@
     </p:spTree>
     <p:extLst>
       <p:ext uri="{BB962C8B-B14F-4D97-AF65-F5344CB8AC3E}">
-        <p14:creationId xmlns:p14="http://schemas.microsoft.com/office/powerpoint/2010/main" val="3201656109"/>
+        <p14:creationId xmlns:p14="http://schemas.microsoft.com/office/powerpoint/2010/main" val="1831825325"/>
       </p:ext>
     </p:extLst>
   </p:cSld>
@@ -6084,10 +6082,10 @@
       </p:grpSpPr>
       <p:sp>
         <p:nvSpPr>
-          <p:cNvPr id="4" name="직사각형 3">
-            <a:extLst>
-              <a:ext uri="{FF2B5EF4-FFF2-40B4-BE49-F238E27FC236}">
-                <a16:creationId xmlns:a16="http://schemas.microsoft.com/office/drawing/2014/main" id="{4F08A5D1-8AC9-16BA-6FCD-99C4F1C8DE17}"/>
+          <p:cNvPr id="6" name="직사각형 5">
+            <a:extLst>
+              <a:ext uri="{FF2B5EF4-FFF2-40B4-BE49-F238E27FC236}">
+                <a16:creationId xmlns:a16="http://schemas.microsoft.com/office/drawing/2014/main" id="{6C50FEB9-A3BB-05AC-C585-EDF3AFF7E536}"/>
               </a:ext>
             </a:extLst>
           </p:cNvPr>
@@ -6096,7 +6094,7 @@
         </p:nvSpPr>
         <p:spPr>
           <a:xfrm>
-            <a:off x="4957202" y="2290202"/>
+            <a:off x="4890527" y="2433077"/>
             <a:ext cx="2277596" cy="2277596"/>
           </a:xfrm>
           <a:prstGeom prst="rect">
@@ -6109,7 +6107,7 @@
           </a:solidFill>
           <a:ln w="25400">
             <a:solidFill>
-              <a:srgbClr val="74AA9C"/>
+              <a:srgbClr val="FB465E"/>
             </a:solidFill>
           </a:ln>
           <a:effectLst/>
@@ -6145,10 +6143,10 @@
       </p:sp>
       <p:pic>
         <p:nvPicPr>
-          <p:cNvPr id="6" name="그래픽 5">
-            <a:extLst>
-              <a:ext uri="{FF2B5EF4-FFF2-40B4-BE49-F238E27FC236}">
-                <a16:creationId xmlns:a16="http://schemas.microsoft.com/office/drawing/2014/main" id="{2344895B-AC13-28B9-5AE5-06416E24A199}"/>
+          <p:cNvPr id="10" name="그래픽 9">
+            <a:extLst>
+              <a:ext uri="{FF2B5EF4-FFF2-40B4-BE49-F238E27FC236}">
+                <a16:creationId xmlns:a16="http://schemas.microsoft.com/office/drawing/2014/main" id="{CBBD271A-8474-232D-F446-6C934F2F9B77}"/>
               </a:ext>
             </a:extLst>
           </p:cNvPr>
@@ -6174,8 +6172,8 @@
         </p:blipFill>
         <p:spPr>
           <a:xfrm>
-            <a:off x="5293360" y="2626360"/>
-            <a:ext cx="1605280" cy="1605280"/>
+            <a:off x="5213537" y="2756087"/>
+            <a:ext cx="1631576" cy="1631576"/>
           </a:xfrm>
           <a:prstGeom prst="rect">
             <a:avLst/>
@@ -6185,7 +6183,7 @@
     </p:spTree>
     <p:extLst>
       <p:ext uri="{BB962C8B-B14F-4D97-AF65-F5344CB8AC3E}">
-        <p14:creationId xmlns:p14="http://schemas.microsoft.com/office/powerpoint/2010/main" val="4105101757"/>
+        <p14:creationId xmlns:p14="http://schemas.microsoft.com/office/powerpoint/2010/main" val="3201656109"/>
       </p:ext>
     </p:extLst>
   </p:cSld>
@@ -6217,7 +6215,7 @@
           <p:cNvPr id="4" name="직사각형 3">
             <a:extLst>
               <a:ext uri="{FF2B5EF4-FFF2-40B4-BE49-F238E27FC236}">
-                <a16:creationId xmlns:a16="http://schemas.microsoft.com/office/drawing/2014/main" id="{2F6B63B8-6341-241E-F508-68B72C684CBF}"/>
+                <a16:creationId xmlns:a16="http://schemas.microsoft.com/office/drawing/2014/main" id="{4F08A5D1-8AC9-16BA-6FCD-99C4F1C8DE17}"/>
               </a:ext>
             </a:extLst>
           </p:cNvPr>
@@ -6233,11 +6231,13 @@
             <a:avLst/>
           </a:prstGeom>
           <a:solidFill>
-            <a:schemeClr val="bg1"/>
+            <a:schemeClr val="bg1">
+              <a:lumMod val="95000"/>
+            </a:schemeClr>
           </a:solidFill>
           <a:ln w="25400">
             <a:solidFill>
-              <a:srgbClr val="064A97"/>
+              <a:srgbClr val="74AA9C"/>
             </a:solidFill>
           </a:ln>
           <a:effectLst/>
@@ -6273,10 +6273,10 @@
       </p:sp>
       <p:pic>
         <p:nvPicPr>
-          <p:cNvPr id="6" name="그림 5" descr="텍스트, 로고, 원, 폰트이(가) 표시된 사진&#10;&#10;자동 생성된 설명">
-            <a:extLst>
-              <a:ext uri="{FF2B5EF4-FFF2-40B4-BE49-F238E27FC236}">
-                <a16:creationId xmlns:a16="http://schemas.microsoft.com/office/drawing/2014/main" id="{88403316-8B41-02EE-B51A-94987B88A388}"/>
+          <p:cNvPr id="6" name="그래픽 5">
+            <a:extLst>
+              <a:ext uri="{FF2B5EF4-FFF2-40B4-BE49-F238E27FC236}">
+                <a16:creationId xmlns:a16="http://schemas.microsoft.com/office/drawing/2014/main" id="{2344895B-AC13-28B9-5AE5-06416E24A199}"/>
               </a:ext>
             </a:extLst>
           </p:cNvPr>
@@ -6291,6 +6291,9 @@
               <a:ext uri="{28A0092B-C50C-407E-A947-70E740481C1C}">
                 <a14:useLocalDpi xmlns:a14="http://schemas.microsoft.com/office/drawing/2010/main" val="0"/>
               </a:ext>
+              <a:ext uri="{96DAC541-7B7A-43D3-8B79-37D633B846F1}">
+                <asvg:svgBlip xmlns:asvg="http://schemas.microsoft.com/office/drawing/2016/SVG/main" r:embed="rId3"/>
+              </a:ext>
             </a:extLst>
           </a:blip>
           <a:stretch>
@@ -6299,8 +6302,8 @@
         </p:blipFill>
         <p:spPr>
           <a:xfrm>
-            <a:off x="5149103" y="2510678"/>
-            <a:ext cx="1874744" cy="1874744"/>
+            <a:off x="5293360" y="2626360"/>
+            <a:ext cx="1605280" cy="1605280"/>
           </a:xfrm>
           <a:prstGeom prst="rect">
             <a:avLst/>
@@ -6310,7 +6313,7 @@
     </p:spTree>
     <p:extLst>
       <p:ext uri="{BB962C8B-B14F-4D97-AF65-F5344CB8AC3E}">
-        <p14:creationId xmlns:p14="http://schemas.microsoft.com/office/powerpoint/2010/main" val="753762657"/>
+        <p14:creationId xmlns:p14="http://schemas.microsoft.com/office/powerpoint/2010/main" val="4105101757"/>
       </p:ext>
     </p:extLst>
   </p:cSld>
@@ -6342,7 +6345,7 @@
           <p:cNvPr id="4" name="직사각형 3">
             <a:extLst>
               <a:ext uri="{FF2B5EF4-FFF2-40B4-BE49-F238E27FC236}">
-                <a16:creationId xmlns:a16="http://schemas.microsoft.com/office/drawing/2014/main" id="{59002BEC-4C13-8AD1-9409-3E88351A075A}"/>
+                <a16:creationId xmlns:a16="http://schemas.microsoft.com/office/drawing/2014/main" id="{2F6B63B8-6341-241E-F508-68B72C684CBF}"/>
               </a:ext>
             </a:extLst>
           </p:cNvPr>
@@ -6358,10 +6361,12 @@
             <a:avLst/>
           </a:prstGeom>
           <a:solidFill>
-            <a:srgbClr val="C00000"/>
+            <a:schemeClr val="bg1"/>
           </a:solidFill>
           <a:ln w="25400">
-            <a:noFill/>
+            <a:solidFill>
+              <a:srgbClr val="064A97"/>
+            </a:solidFill>
           </a:ln>
           <a:effectLst/>
         </p:spPr>
@@ -6386,6 +6391,129 @@
           <a:lstStyle/>
           <a:p>
             <a:pPr algn="ctr"/>
+            <a:endParaRPr lang="ko-KR" altLang="en-US" sz="3200" b="1" dirty="0">
+              <a:solidFill>
+                <a:schemeClr val="tx1"/>
+              </a:solidFill>
+            </a:endParaRPr>
+          </a:p>
+        </p:txBody>
+      </p:sp>
+      <p:pic>
+        <p:nvPicPr>
+          <p:cNvPr id="6" name="그림 5" descr="텍스트, 로고, 원, 폰트이(가) 표시된 사진&#10;&#10;자동 생성된 설명">
+            <a:extLst>
+              <a:ext uri="{FF2B5EF4-FFF2-40B4-BE49-F238E27FC236}">
+                <a16:creationId xmlns:a16="http://schemas.microsoft.com/office/drawing/2014/main" id="{88403316-8B41-02EE-B51A-94987B88A388}"/>
+              </a:ext>
+            </a:extLst>
+          </p:cNvPr>
+          <p:cNvPicPr>
+            <a:picLocks noChangeAspect="1"/>
+          </p:cNvPicPr>
+          <p:nvPr/>
+        </p:nvPicPr>
+        <p:blipFill>
+          <a:blip r:embed="rId2">
+            <a:extLst>
+              <a:ext uri="{28A0092B-C50C-407E-A947-70E740481C1C}">
+                <a14:useLocalDpi xmlns:a14="http://schemas.microsoft.com/office/drawing/2010/main" val="0"/>
+              </a:ext>
+            </a:extLst>
+          </a:blip>
+          <a:stretch>
+            <a:fillRect/>
+          </a:stretch>
+        </p:blipFill>
+        <p:spPr>
+          <a:xfrm>
+            <a:off x="5149103" y="2510678"/>
+            <a:ext cx="1874744" cy="1874744"/>
+          </a:xfrm>
+          <a:prstGeom prst="rect">
+            <a:avLst/>
+          </a:prstGeom>
+        </p:spPr>
+      </p:pic>
+    </p:spTree>
+    <p:extLst>
+      <p:ext uri="{BB962C8B-B14F-4D97-AF65-F5344CB8AC3E}">
+        <p14:creationId xmlns:p14="http://schemas.microsoft.com/office/powerpoint/2010/main" val="753762657"/>
+      </p:ext>
+    </p:extLst>
+  </p:cSld>
+  <p:clrMapOvr>
+    <a:masterClrMapping/>
+  </p:clrMapOvr>
+</p:sld>
+</file>
+
+<file path=ppt/slides/slide27.xml><?xml version="1.0" encoding="utf-8"?>
+<p:sld xmlns:a="http://schemas.openxmlformats.org/drawingml/2006/main" xmlns:r="http://schemas.openxmlformats.org/officeDocument/2006/relationships" xmlns:p="http://schemas.openxmlformats.org/presentationml/2006/main">
+  <p:cSld>
+    <p:spTree>
+      <p:nvGrpSpPr>
+        <p:cNvPr id="1" name=""/>
+        <p:cNvGrpSpPr/>
+        <p:nvPr/>
+      </p:nvGrpSpPr>
+      <p:grpSpPr>
+        <a:xfrm>
+          <a:off x="0" y="0"/>
+          <a:ext cx="0" cy="0"/>
+          <a:chOff x="0" y="0"/>
+          <a:chExt cx="0" cy="0"/>
+        </a:xfrm>
+      </p:grpSpPr>
+      <p:sp>
+        <p:nvSpPr>
+          <p:cNvPr id="4" name="직사각형 3">
+            <a:extLst>
+              <a:ext uri="{FF2B5EF4-FFF2-40B4-BE49-F238E27FC236}">
+                <a16:creationId xmlns:a16="http://schemas.microsoft.com/office/drawing/2014/main" id="{59002BEC-4C13-8AD1-9409-3E88351A075A}"/>
+              </a:ext>
+            </a:extLst>
+          </p:cNvPr>
+          <p:cNvSpPr/>
+          <p:nvPr/>
+        </p:nvSpPr>
+        <p:spPr>
+          <a:xfrm>
+            <a:off x="4957202" y="2290202"/>
+            <a:ext cx="2277596" cy="2277596"/>
+          </a:xfrm>
+          <a:prstGeom prst="rect">
+            <a:avLst/>
+          </a:prstGeom>
+          <a:solidFill>
+            <a:srgbClr val="C00000"/>
+          </a:solidFill>
+          <a:ln w="25400">
+            <a:noFill/>
+          </a:ln>
+          <a:effectLst/>
+        </p:spPr>
+        <p:style>
+          <a:lnRef idx="2">
+            <a:schemeClr val="accent1">
+              <a:shade val="50000"/>
+            </a:schemeClr>
+          </a:lnRef>
+          <a:fillRef idx="1">
+            <a:schemeClr val="accent1"/>
+          </a:fillRef>
+          <a:effectRef idx="0">
+            <a:schemeClr val="accent1"/>
+          </a:effectRef>
+          <a:fontRef idx="minor">
+            <a:schemeClr val="lt1"/>
+          </a:fontRef>
+        </p:style>
+        <p:txBody>
+          <a:bodyPr rtlCol="0" anchor="ctr"/>
+          <a:lstStyle/>
+          <a:p>
+            <a:pPr algn="ctr"/>
             <a:r>
               <a:rPr lang="ko-KR" altLang="en-US" sz="3200" b="1" dirty="0">
                 <a:solidFill>
@@ -6442,7 +6570,7 @@
 </p:sld>
 </file>
 
-<file path=ppt/slides/slide27.xml><?xml version="1.0" encoding="utf-8"?>
+<file path=ppt/slides/slide28.xml><?xml version="1.0" encoding="utf-8"?>
 <p:sld xmlns:a="http://schemas.openxmlformats.org/drawingml/2006/main" xmlns:r="http://schemas.openxmlformats.org/officeDocument/2006/relationships" xmlns:p="http://schemas.openxmlformats.org/presentationml/2006/main">
   <p:cSld>
     <p:bg>
@@ -6546,7 +6674,7 @@
           <p:cNvPr id="4" name="직사각형 3">
             <a:extLst>
               <a:ext uri="{FF2B5EF4-FFF2-40B4-BE49-F238E27FC236}">
-                <a16:creationId xmlns:a16="http://schemas.microsoft.com/office/drawing/2014/main" id="{EDF253F2-9679-E500-946F-54544D24986D}"/>
+                <a16:creationId xmlns:a16="http://schemas.microsoft.com/office/drawing/2014/main" id="{64B7B4B5-D2E2-2CCD-BB1D-3CEF94EE84FB}"/>
               </a:ext>
             </a:extLst>
           </p:cNvPr>
@@ -6555,7 +6683,7 @@
         </p:nvSpPr>
         <p:spPr>
           <a:xfrm>
-            <a:off x="5489215" y="2068806"/>
+            <a:off x="8020049" y="285750"/>
             <a:ext cx="2277596" cy="2277596"/>
           </a:xfrm>
           <a:prstGeom prst="rect">
@@ -6568,7 +6696,7 @@
           </a:solidFill>
           <a:ln w="25400">
             <a:solidFill>
-              <a:srgbClr val="B83DDE"/>
+              <a:srgbClr val="00B050"/>
             </a:solidFill>
           </a:ln>
           <a:effectLst/>
@@ -6594,54 +6722,37 @@
           <a:lstStyle/>
           <a:p>
             <a:pPr algn="ctr"/>
-            <a:endParaRPr lang="ko-KR" altLang="en-US" sz="3200" b="1" dirty="0">
+            <a:r>
+              <a:rPr lang="ko-KR" altLang="en-US" sz="6600" dirty="0">
+                <a:solidFill>
+                  <a:srgbClr val="00B050"/>
+                </a:solidFill>
+              </a:rPr>
+              <a:t>중개</a:t>
+            </a:r>
+            <a:endParaRPr lang="en-US" altLang="ko-KR" sz="6600" dirty="0">
               <a:solidFill>
-                <a:schemeClr val="tx1"/>
+                <a:srgbClr val="00B050"/>
               </a:solidFill>
             </a:endParaRPr>
           </a:p>
-        </p:txBody>
-      </p:sp>
-      <p:pic>
-        <p:nvPicPr>
-          <p:cNvPr id="6" name="그림 5" descr="그래픽, 원, 클립아트, 그래픽 디자인이(가) 표시된 사진&#10;&#10;자동 생성된 설명">
-            <a:extLst>
-              <a:ext uri="{FF2B5EF4-FFF2-40B4-BE49-F238E27FC236}">
-                <a16:creationId xmlns:a16="http://schemas.microsoft.com/office/drawing/2014/main" id="{C9EDFCE3-1607-027C-232E-90117AC5B683}"/>
-              </a:ext>
-            </a:extLst>
-          </p:cNvPr>
-          <p:cNvPicPr>
-            <a:picLocks noChangeAspect="1"/>
-          </p:cNvPicPr>
-          <p:nvPr/>
-        </p:nvPicPr>
-        <p:blipFill>
-          <a:blip r:embed="rId2">
-            <a:extLst>
-              <a:ext uri="{28A0092B-C50C-407E-A947-70E740481C1C}">
-                <a14:useLocalDpi xmlns:a14="http://schemas.microsoft.com/office/drawing/2010/main" val="0"/>
-              </a:ext>
-            </a:extLst>
-          </a:blip>
-          <a:stretch>
-            <a:fillRect/>
-          </a:stretch>
-        </p:blipFill>
-        <p:spPr>
-          <a:xfrm>
-            <a:off x="5834218" y="2413809"/>
-            <a:ext cx="1587589" cy="1587589"/>
-          </a:xfrm>
-          <a:prstGeom prst="rect">
-            <a:avLst/>
-          </a:prstGeom>
-        </p:spPr>
-      </p:pic>
+          <a:p>
+            <a:pPr algn="ctr"/>
+            <a:r>
+              <a:rPr lang="ko-KR" altLang="en-US" sz="3200" b="1" dirty="0">
+                <a:solidFill>
+                  <a:schemeClr val="tx1"/>
+                </a:solidFill>
+              </a:rPr>
+              <a:t>모 음 집</a:t>
+            </a:r>
+          </a:p>
+        </p:txBody>
+      </p:sp>
     </p:spTree>
     <p:extLst>
       <p:ext uri="{BB962C8B-B14F-4D97-AF65-F5344CB8AC3E}">
-        <p14:creationId xmlns:p14="http://schemas.microsoft.com/office/powerpoint/2010/main" val="223128515"/>
+        <p14:creationId xmlns:p14="http://schemas.microsoft.com/office/powerpoint/2010/main" val="2047964532"/>
       </p:ext>
     </p:extLst>
   </p:cSld>
@@ -6673,7 +6784,7 @@
           <p:cNvPr id="4" name="직사각형 3">
             <a:extLst>
               <a:ext uri="{FF2B5EF4-FFF2-40B4-BE49-F238E27FC236}">
-                <a16:creationId xmlns:a16="http://schemas.microsoft.com/office/drawing/2014/main" id="{07896134-02CD-7072-4A97-214AB4569BA6}"/>
+                <a16:creationId xmlns:a16="http://schemas.microsoft.com/office/drawing/2014/main" id="{EDF253F2-9679-E500-946F-54544D24986D}"/>
               </a:ext>
             </a:extLst>
           </p:cNvPr>
@@ -6682,7 +6793,7 @@
         </p:nvSpPr>
         <p:spPr>
           <a:xfrm>
-            <a:off x="6096000" y="1443318"/>
+            <a:off x="5489215" y="2068806"/>
             <a:ext cx="2277596" cy="2277596"/>
           </a:xfrm>
           <a:prstGeom prst="rect">
@@ -6695,7 +6806,7 @@
           </a:solidFill>
           <a:ln w="25400">
             <a:solidFill>
-              <a:srgbClr val="701C20"/>
+              <a:srgbClr val="B83DDE"/>
             </a:solidFill>
           </a:ln>
           <a:effectLst/>
@@ -6721,39 +6832,86 @@
           <a:lstStyle/>
           <a:p>
             <a:pPr algn="ctr"/>
-            <a:r>
-              <a:rPr lang="ko-KR" altLang="en-US" sz="6600">
-                <a:solidFill>
-                  <a:srgbClr val="701C20"/>
-                </a:solidFill>
-              </a:rPr>
-              <a:t>전공</a:t>
-            </a:r>
-            <a:endParaRPr lang="en-US" altLang="ko-KR" sz="6600" dirty="0">
+            <a:endParaRPr lang="ko-KR" altLang="en-US" sz="3200" b="1" dirty="0">
               <a:solidFill>
-                <a:srgbClr val="701C20"/>
+                <a:schemeClr val="tx1"/>
               </a:solidFill>
             </a:endParaRPr>
           </a:p>
-          <a:p>
-            <a:pPr algn="ctr"/>
-            <a:r>
-              <a:rPr lang="ko-KR" altLang="en-US" sz="3200" b="1" dirty="0">
-                <a:solidFill>
-                  <a:schemeClr val="tx1"/>
-                </a:solidFill>
-              </a:rPr>
-              <a:t>대학수업</a:t>
-            </a:r>
-          </a:p>
-        </p:txBody>
-      </p:sp>
-      <p:sp>
-        <p:nvSpPr>
-          <p:cNvPr id="6" name="직사각형 5">
-            <a:extLst>
-              <a:ext uri="{FF2B5EF4-FFF2-40B4-BE49-F238E27FC236}">
-                <a16:creationId xmlns:a16="http://schemas.microsoft.com/office/drawing/2014/main" id="{C97696B7-6ABF-246D-4ED1-E02B5352C30B}"/>
+        </p:txBody>
+      </p:sp>
+      <p:pic>
+        <p:nvPicPr>
+          <p:cNvPr id="6" name="그림 5" descr="그래픽, 원, 클립아트, 그래픽 디자인이(가) 표시된 사진&#10;&#10;자동 생성된 설명">
+            <a:extLst>
+              <a:ext uri="{FF2B5EF4-FFF2-40B4-BE49-F238E27FC236}">
+                <a16:creationId xmlns:a16="http://schemas.microsoft.com/office/drawing/2014/main" id="{C9EDFCE3-1607-027C-232E-90117AC5B683}"/>
+              </a:ext>
+            </a:extLst>
+          </p:cNvPr>
+          <p:cNvPicPr>
+            <a:picLocks noChangeAspect="1"/>
+          </p:cNvPicPr>
+          <p:nvPr/>
+        </p:nvPicPr>
+        <p:blipFill>
+          <a:blip r:embed="rId2">
+            <a:extLst>
+              <a:ext uri="{28A0092B-C50C-407E-A947-70E740481C1C}">
+                <a14:useLocalDpi xmlns:a14="http://schemas.microsoft.com/office/drawing/2010/main" val="0"/>
+              </a:ext>
+            </a:extLst>
+          </a:blip>
+          <a:stretch>
+            <a:fillRect/>
+          </a:stretch>
+        </p:blipFill>
+        <p:spPr>
+          <a:xfrm>
+            <a:off x="5834218" y="2413809"/>
+            <a:ext cx="1587589" cy="1587589"/>
+          </a:xfrm>
+          <a:prstGeom prst="rect">
+            <a:avLst/>
+          </a:prstGeom>
+        </p:spPr>
+      </p:pic>
+    </p:spTree>
+    <p:extLst>
+      <p:ext uri="{BB962C8B-B14F-4D97-AF65-F5344CB8AC3E}">
+        <p14:creationId xmlns:p14="http://schemas.microsoft.com/office/powerpoint/2010/main" val="223128515"/>
+      </p:ext>
+    </p:extLst>
+  </p:cSld>
+  <p:clrMapOvr>
+    <a:masterClrMapping/>
+  </p:clrMapOvr>
+</p:sld>
+</file>
+
+<file path=ppt/slides/slide5.xml><?xml version="1.0" encoding="utf-8"?>
+<p:sld xmlns:a="http://schemas.openxmlformats.org/drawingml/2006/main" xmlns:r="http://schemas.openxmlformats.org/officeDocument/2006/relationships" xmlns:p="http://schemas.openxmlformats.org/presentationml/2006/main">
+  <p:cSld>
+    <p:spTree>
+      <p:nvGrpSpPr>
+        <p:cNvPr id="1" name=""/>
+        <p:cNvGrpSpPr/>
+        <p:nvPr/>
+      </p:nvGrpSpPr>
+      <p:grpSpPr>
+        <a:xfrm>
+          <a:off x="0" y="0"/>
+          <a:ext cx="0" cy="0"/>
+          <a:chOff x="0" y="0"/>
+          <a:chExt cx="0" cy="0"/>
+        </a:xfrm>
+      </p:grpSpPr>
+      <p:sp>
+        <p:nvSpPr>
+          <p:cNvPr id="4" name="직사각형 3">
+            <a:extLst>
+              <a:ext uri="{FF2B5EF4-FFF2-40B4-BE49-F238E27FC236}">
+                <a16:creationId xmlns:a16="http://schemas.microsoft.com/office/drawing/2014/main" id="{07896134-02CD-7072-4A97-214AB4569BA6}"/>
               </a:ext>
             </a:extLst>
           </p:cNvPr>
@@ -6762,7 +6920,7 @@
         </p:nvSpPr>
         <p:spPr>
           <a:xfrm>
-            <a:off x="3250322" y="1443318"/>
+            <a:off x="6096000" y="1443318"/>
             <a:ext cx="2277596" cy="2277596"/>
           </a:xfrm>
           <a:prstGeom prst="rect">
@@ -6802,6 +6960,86 @@
           <a:p>
             <a:pPr algn="ctr"/>
             <a:r>
+              <a:rPr lang="ko-KR" altLang="en-US" sz="6600">
+                <a:solidFill>
+                  <a:srgbClr val="701C20"/>
+                </a:solidFill>
+              </a:rPr>
+              <a:t>전공</a:t>
+            </a:r>
+            <a:endParaRPr lang="en-US" altLang="ko-KR" sz="6600" dirty="0">
+              <a:solidFill>
+                <a:srgbClr val="701C20"/>
+              </a:solidFill>
+            </a:endParaRPr>
+          </a:p>
+          <a:p>
+            <a:pPr algn="ctr"/>
+            <a:r>
+              <a:rPr lang="ko-KR" altLang="en-US" sz="3200" b="1" dirty="0">
+                <a:solidFill>
+                  <a:schemeClr val="tx1"/>
+                </a:solidFill>
+              </a:rPr>
+              <a:t>대학수업</a:t>
+            </a:r>
+          </a:p>
+        </p:txBody>
+      </p:sp>
+      <p:sp>
+        <p:nvSpPr>
+          <p:cNvPr id="6" name="직사각형 5">
+            <a:extLst>
+              <a:ext uri="{FF2B5EF4-FFF2-40B4-BE49-F238E27FC236}">
+                <a16:creationId xmlns:a16="http://schemas.microsoft.com/office/drawing/2014/main" id="{C97696B7-6ABF-246D-4ED1-E02B5352C30B}"/>
+              </a:ext>
+            </a:extLst>
+          </p:cNvPr>
+          <p:cNvSpPr/>
+          <p:nvPr/>
+        </p:nvSpPr>
+        <p:spPr>
+          <a:xfrm>
+            <a:off x="3250322" y="1443318"/>
+            <a:ext cx="2277596" cy="2277596"/>
+          </a:xfrm>
+          <a:prstGeom prst="rect">
+            <a:avLst/>
+          </a:prstGeom>
+          <a:solidFill>
+            <a:schemeClr val="bg1">
+              <a:lumMod val="95000"/>
+            </a:schemeClr>
+          </a:solidFill>
+          <a:ln w="25400">
+            <a:solidFill>
+              <a:srgbClr val="701C20"/>
+            </a:solidFill>
+          </a:ln>
+          <a:effectLst/>
+        </p:spPr>
+        <p:style>
+          <a:lnRef idx="2">
+            <a:schemeClr val="accent1">
+              <a:shade val="50000"/>
+            </a:schemeClr>
+          </a:lnRef>
+          <a:fillRef idx="1">
+            <a:schemeClr val="accent1"/>
+          </a:fillRef>
+          <a:effectRef idx="0">
+            <a:schemeClr val="accent1"/>
+          </a:effectRef>
+          <a:fontRef idx="minor">
+            <a:schemeClr val="lt1"/>
+          </a:fontRef>
+        </p:style>
+        <p:txBody>
+          <a:bodyPr rtlCol="0" anchor="ctr"/>
+          <a:lstStyle/>
+          <a:p>
+            <a:pPr algn="ctr"/>
+            <a:r>
               <a:rPr lang="ko-KR" altLang="en-US" sz="6600" dirty="0">
                 <a:solidFill>
                   <a:srgbClr val="701C20"/>
@@ -6841,7 +7079,7 @@
 </p:sld>
 </file>
 
-<file path=ppt/slides/slide5.xml><?xml version="1.0" encoding="utf-8"?>
+<file path=ppt/slides/slide6.xml><?xml version="1.0" encoding="utf-8"?>
 <p:sld xmlns:a="http://schemas.openxmlformats.org/drawingml/2006/main" xmlns:r="http://schemas.openxmlformats.org/officeDocument/2006/relationships" xmlns:p="http://schemas.openxmlformats.org/presentationml/2006/main">
   <p:cSld>
     <p:spTree>
@@ -7096,7 +7334,7 @@
 </p:sld>
 </file>
 
-<file path=ppt/slides/slide6.xml><?xml version="1.0" encoding="utf-8"?>
+<file path=ppt/slides/slide7.xml><?xml version="1.0" encoding="utf-8"?>
 <p:sld xmlns:a="http://schemas.openxmlformats.org/drawingml/2006/main" xmlns:r="http://schemas.openxmlformats.org/officeDocument/2006/relationships" xmlns:p="http://schemas.openxmlformats.org/presentationml/2006/main">
   <p:cSld>
     <p:spTree>
@@ -7436,133 +7674,6 @@
 </p:sld>
 </file>
 
-<file path=ppt/slides/slide7.xml><?xml version="1.0" encoding="utf-8"?>
-<p:sld xmlns:a="http://schemas.openxmlformats.org/drawingml/2006/main" xmlns:r="http://schemas.openxmlformats.org/officeDocument/2006/relationships" xmlns:p="http://schemas.openxmlformats.org/presentationml/2006/main">
-  <p:cSld>
-    <p:spTree>
-      <p:nvGrpSpPr>
-        <p:cNvPr id="1" name=""/>
-        <p:cNvGrpSpPr/>
-        <p:nvPr/>
-      </p:nvGrpSpPr>
-      <p:grpSpPr>
-        <a:xfrm>
-          <a:off x="0" y="0"/>
-          <a:ext cx="0" cy="0"/>
-          <a:chOff x="0" y="0"/>
-          <a:chExt cx="0" cy="0"/>
-        </a:xfrm>
-      </p:grpSpPr>
-      <p:sp>
-        <p:nvSpPr>
-          <p:cNvPr id="10" name="직사각형 9">
-            <a:extLst>
-              <a:ext uri="{FF2B5EF4-FFF2-40B4-BE49-F238E27FC236}">
-                <a16:creationId xmlns:a16="http://schemas.microsoft.com/office/drawing/2014/main" id="{097C83B7-6FF7-734F-DE55-DFF80F3E5284}"/>
-              </a:ext>
-            </a:extLst>
-          </p:cNvPr>
-          <p:cNvSpPr/>
-          <p:nvPr/>
-        </p:nvSpPr>
-        <p:spPr>
-          <a:xfrm>
-            <a:off x="4957202" y="2290202"/>
-            <a:ext cx="2277596" cy="2277596"/>
-          </a:xfrm>
-          <a:prstGeom prst="rect">
-            <a:avLst/>
-          </a:prstGeom>
-          <a:solidFill>
-            <a:schemeClr val="bg1">
-              <a:lumMod val="95000"/>
-            </a:schemeClr>
-          </a:solidFill>
-          <a:ln w="25400">
-            <a:solidFill>
-              <a:srgbClr val="231F20"/>
-            </a:solidFill>
-          </a:ln>
-          <a:effectLst/>
-        </p:spPr>
-        <p:style>
-          <a:lnRef idx="2">
-            <a:schemeClr val="accent1">
-              <a:shade val="50000"/>
-            </a:schemeClr>
-          </a:lnRef>
-          <a:fillRef idx="1">
-            <a:schemeClr val="accent1"/>
-          </a:fillRef>
-          <a:effectRef idx="0">
-            <a:schemeClr val="accent1"/>
-          </a:effectRef>
-          <a:fontRef idx="minor">
-            <a:schemeClr val="lt1"/>
-          </a:fontRef>
-        </p:style>
-        <p:txBody>
-          <a:bodyPr rtlCol="0" anchor="ctr"/>
-          <a:lstStyle/>
-          <a:p>
-            <a:pPr algn="ctr"/>
-            <a:endParaRPr lang="ko-KR" altLang="en-US" sz="3200" b="1" dirty="0">
-              <a:solidFill>
-                <a:schemeClr val="tx1"/>
-              </a:solidFill>
-            </a:endParaRPr>
-          </a:p>
-        </p:txBody>
-      </p:sp>
-      <p:pic>
-        <p:nvPicPr>
-          <p:cNvPr id="11" name="그림 10" descr="폰트, 스크린샷, 그래픽, 블랙이(가) 표시된 사진&#10;&#10;자동 생성된 설명">
-            <a:extLst>
-              <a:ext uri="{FF2B5EF4-FFF2-40B4-BE49-F238E27FC236}">
-                <a16:creationId xmlns:a16="http://schemas.microsoft.com/office/drawing/2014/main" id="{3DEDC0FD-C64D-3422-CA17-D08CBFBBDC14}"/>
-              </a:ext>
-            </a:extLst>
-          </p:cNvPr>
-          <p:cNvPicPr>
-            <a:picLocks noChangeAspect="1"/>
-          </p:cNvPicPr>
-          <p:nvPr/>
-        </p:nvPicPr>
-        <p:blipFill>
-          <a:blip r:embed="rId2">
-            <a:extLst>
-              <a:ext uri="{28A0092B-C50C-407E-A947-70E740481C1C}">
-                <a14:useLocalDpi xmlns:a14="http://schemas.microsoft.com/office/drawing/2010/main" val="0"/>
-              </a:ext>
-            </a:extLst>
-          </a:blip>
-          <a:stretch>
-            <a:fillRect/>
-          </a:stretch>
-        </p:blipFill>
-        <p:spPr>
-          <a:xfrm>
-            <a:off x="5212466" y="3255238"/>
-            <a:ext cx="1767068" cy="347524"/>
-          </a:xfrm>
-          <a:prstGeom prst="rect">
-            <a:avLst/>
-          </a:prstGeom>
-        </p:spPr>
-      </p:pic>
-    </p:spTree>
-    <p:extLst>
-      <p:ext uri="{BB962C8B-B14F-4D97-AF65-F5344CB8AC3E}">
-        <p14:creationId xmlns:p14="http://schemas.microsoft.com/office/powerpoint/2010/main" val="2775509840"/>
-      </p:ext>
-    </p:extLst>
-  </p:cSld>
-  <p:clrMapOvr>
-    <a:masterClrMapping/>
-  </p:clrMapOvr>
-</p:sld>
-</file>
-
 <file path=ppt/slides/slide8.xml><?xml version="1.0" encoding="utf-8"?>
 <p:sld xmlns:a="http://schemas.openxmlformats.org/drawingml/2006/main" xmlns:r="http://schemas.openxmlformats.org/officeDocument/2006/relationships" xmlns:p="http://schemas.openxmlformats.org/presentationml/2006/main">
   <p:cSld>
@@ -7582,10 +7693,10 @@
       </p:grpSpPr>
       <p:sp>
         <p:nvSpPr>
-          <p:cNvPr id="4" name="직사각형 3">
-            <a:extLst>
-              <a:ext uri="{FF2B5EF4-FFF2-40B4-BE49-F238E27FC236}">
-                <a16:creationId xmlns:a16="http://schemas.microsoft.com/office/drawing/2014/main" id="{FDE4FC84-2B3D-09B2-AF7D-890C410784A3}"/>
+          <p:cNvPr id="10" name="직사각형 9">
+            <a:extLst>
+              <a:ext uri="{FF2B5EF4-FFF2-40B4-BE49-F238E27FC236}">
+                <a16:creationId xmlns:a16="http://schemas.microsoft.com/office/drawing/2014/main" id="{097C83B7-6FF7-734F-DE55-DFF80F3E5284}"/>
               </a:ext>
             </a:extLst>
           </p:cNvPr>
@@ -7601,11 +7712,13 @@
             <a:avLst/>
           </a:prstGeom>
           <a:solidFill>
-            <a:srgbClr val="FFFFFF"/>
+            <a:schemeClr val="bg1">
+              <a:lumMod val="95000"/>
+            </a:schemeClr>
           </a:solidFill>
           <a:ln w="25400">
             <a:solidFill>
-              <a:srgbClr val="323232"/>
+              <a:srgbClr val="231F20"/>
             </a:solidFill>
           </a:ln>
           <a:effectLst/>
@@ -7641,10 +7754,10 @@
       </p:sp>
       <p:pic>
         <p:nvPicPr>
-          <p:cNvPr id="6" name="그림 5" descr="텍스트, 폰트, 그래픽, 로고이(가) 표시된 사진">
-            <a:extLst>
-              <a:ext uri="{FF2B5EF4-FFF2-40B4-BE49-F238E27FC236}">
-                <a16:creationId xmlns:a16="http://schemas.microsoft.com/office/drawing/2014/main" id="{DCB39248-4644-9AED-24AA-7AC9BCD6F150}"/>
+          <p:cNvPr id="11" name="그림 10" descr="폰트, 스크린샷, 그래픽, 블랙이(가) 표시된 사진&#10;&#10;자동 생성된 설명">
+            <a:extLst>
+              <a:ext uri="{FF2B5EF4-FFF2-40B4-BE49-F238E27FC236}">
+                <a16:creationId xmlns:a16="http://schemas.microsoft.com/office/drawing/2014/main" id="{3DEDC0FD-C64D-3422-CA17-D08CBFBBDC14}"/>
               </a:ext>
             </a:extLst>
           </p:cNvPr>
@@ -7667,8 +7780,8 @@
         </p:blipFill>
         <p:spPr>
           <a:xfrm>
-            <a:off x="5154684" y="3194283"/>
-            <a:ext cx="1882632" cy="469434"/>
+            <a:off x="5212466" y="3255238"/>
+            <a:ext cx="1767068" cy="347524"/>
           </a:xfrm>
           <a:prstGeom prst="rect">
             <a:avLst/>
@@ -7678,7 +7791,7 @@
     </p:spTree>
     <p:extLst>
       <p:ext uri="{BB962C8B-B14F-4D97-AF65-F5344CB8AC3E}">
-        <p14:creationId xmlns:p14="http://schemas.microsoft.com/office/powerpoint/2010/main" val="3028218472"/>
+        <p14:creationId xmlns:p14="http://schemas.microsoft.com/office/powerpoint/2010/main" val="2775509840"/>
       </p:ext>
     </p:extLst>
   </p:cSld>
@@ -7710,7 +7823,7 @@
           <p:cNvPr id="4" name="직사각형 3">
             <a:extLst>
               <a:ext uri="{FF2B5EF4-FFF2-40B4-BE49-F238E27FC236}">
-                <a16:creationId xmlns:a16="http://schemas.microsoft.com/office/drawing/2014/main" id="{389727F9-EAE5-7B49-48A9-C5DBB13F642B}"/>
+                <a16:creationId xmlns:a16="http://schemas.microsoft.com/office/drawing/2014/main" id="{FDE4FC84-2B3D-09B2-AF7D-890C410784A3}"/>
               </a:ext>
             </a:extLst>
           </p:cNvPr>
@@ -7726,13 +7839,11 @@
             <a:avLst/>
           </a:prstGeom>
           <a:solidFill>
-            <a:schemeClr val="bg1">
-              <a:lumMod val="95000"/>
-            </a:schemeClr>
+            <a:srgbClr val="FFFFFF"/>
           </a:solidFill>
           <a:ln w="25400">
             <a:solidFill>
-              <a:srgbClr val="03CF5D"/>
+              <a:srgbClr val="323232"/>
             </a:solidFill>
           </a:ln>
           <a:effectLst/>
@@ -7768,10 +7879,10 @@
       </p:sp>
       <p:pic>
         <p:nvPicPr>
-          <p:cNvPr id="6" name="그림 5" descr="그래픽, 그래픽 디자인, 폰트, 다채로움이(가) 표시된 사진&#10;&#10;자동 생성된 설명">
-            <a:extLst>
-              <a:ext uri="{FF2B5EF4-FFF2-40B4-BE49-F238E27FC236}">
-                <a16:creationId xmlns:a16="http://schemas.microsoft.com/office/drawing/2014/main" id="{D6342785-F102-4C72-AC15-C3B73F9B6B40}"/>
+          <p:cNvPr id="6" name="그림 5" descr="텍스트, 폰트, 그래픽, 로고이(가) 표시된 사진">
+            <a:extLst>
+              <a:ext uri="{FF2B5EF4-FFF2-40B4-BE49-F238E27FC236}">
+                <a16:creationId xmlns:a16="http://schemas.microsoft.com/office/drawing/2014/main" id="{DCB39248-4644-9AED-24AA-7AC9BCD6F150}"/>
               </a:ext>
             </a:extLst>
           </p:cNvPr>
@@ -7794,8 +7905,8 @@
         </p:blipFill>
         <p:spPr>
           <a:xfrm>
-            <a:off x="5153942" y="3248316"/>
-            <a:ext cx="1884116" cy="361367"/>
+            <a:off x="5154684" y="3194283"/>
+            <a:ext cx="1882632" cy="469434"/>
           </a:xfrm>
           <a:prstGeom prst="rect">
             <a:avLst/>
@@ -7805,7 +7916,7 @@
     </p:spTree>
     <p:extLst>
       <p:ext uri="{BB962C8B-B14F-4D97-AF65-F5344CB8AC3E}">
-        <p14:creationId xmlns:p14="http://schemas.microsoft.com/office/powerpoint/2010/main" val="491855824"/>
+        <p14:creationId xmlns:p14="http://schemas.microsoft.com/office/powerpoint/2010/main" val="3028218472"/>
       </p:ext>
     </p:extLst>
   </p:cSld>

--- a/budongsan/프레젠테이션1.pptx
+++ b/budongsan/프레젠테이션1.pptx
@@ -31,8 +31,9 @@
     <p:sldId id="282" r:id="rId25"/>
     <p:sldId id="280" r:id="rId26"/>
     <p:sldId id="281" r:id="rId27"/>
-    <p:sldId id="268" r:id="rId28"/>
-    <p:sldId id="276" r:id="rId29"/>
+    <p:sldId id="284" r:id="rId28"/>
+    <p:sldId id="268" r:id="rId29"/>
+    <p:sldId id="276" r:id="rId30"/>
   </p:sldIdLst>
   <p:sldSz cx="12192000" cy="6858000"/>
   <p:notesSz cx="6858000" cy="9144000"/>
@@ -286,7 +287,7 @@
           <a:p>
             <a:fld id="{F9461951-D42A-489C-80F1-7A9460A9A55B}" type="datetimeFigureOut">
               <a:rPr lang="ko-KR" altLang="en-US" smtClean="0"/>
-              <a:t>2023-10-13</a:t>
+              <a:t>2023-11-07</a:t>
             </a:fld>
             <a:endParaRPr lang="ko-KR" altLang="en-US"/>
           </a:p>
@@ -484,7 +485,7 @@
           <a:p>
             <a:fld id="{F9461951-D42A-489C-80F1-7A9460A9A55B}" type="datetimeFigureOut">
               <a:rPr lang="ko-KR" altLang="en-US" smtClean="0"/>
-              <a:t>2023-10-13</a:t>
+              <a:t>2023-11-07</a:t>
             </a:fld>
             <a:endParaRPr lang="ko-KR" altLang="en-US"/>
           </a:p>
@@ -692,7 +693,7 @@
           <a:p>
             <a:fld id="{F9461951-D42A-489C-80F1-7A9460A9A55B}" type="datetimeFigureOut">
               <a:rPr lang="ko-KR" altLang="en-US" smtClean="0"/>
-              <a:t>2023-10-13</a:t>
+              <a:t>2023-11-07</a:t>
             </a:fld>
             <a:endParaRPr lang="ko-KR" altLang="en-US"/>
           </a:p>
@@ -890,7 +891,7 @@
           <a:p>
             <a:fld id="{F9461951-D42A-489C-80F1-7A9460A9A55B}" type="datetimeFigureOut">
               <a:rPr lang="ko-KR" altLang="en-US" smtClean="0"/>
-              <a:t>2023-10-13</a:t>
+              <a:t>2023-11-07</a:t>
             </a:fld>
             <a:endParaRPr lang="ko-KR" altLang="en-US"/>
           </a:p>
@@ -1165,7 +1166,7 @@
           <a:p>
             <a:fld id="{F9461951-D42A-489C-80F1-7A9460A9A55B}" type="datetimeFigureOut">
               <a:rPr lang="ko-KR" altLang="en-US" smtClean="0"/>
-              <a:t>2023-10-13</a:t>
+              <a:t>2023-11-07</a:t>
             </a:fld>
             <a:endParaRPr lang="ko-KR" altLang="en-US"/>
           </a:p>
@@ -1430,7 +1431,7 @@
           <a:p>
             <a:fld id="{F9461951-D42A-489C-80F1-7A9460A9A55B}" type="datetimeFigureOut">
               <a:rPr lang="ko-KR" altLang="en-US" smtClean="0"/>
-              <a:t>2023-10-13</a:t>
+              <a:t>2023-11-07</a:t>
             </a:fld>
             <a:endParaRPr lang="ko-KR" altLang="en-US"/>
           </a:p>
@@ -1842,7 +1843,7 @@
           <a:p>
             <a:fld id="{F9461951-D42A-489C-80F1-7A9460A9A55B}" type="datetimeFigureOut">
               <a:rPr lang="ko-KR" altLang="en-US" smtClean="0"/>
-              <a:t>2023-10-13</a:t>
+              <a:t>2023-11-07</a:t>
             </a:fld>
             <a:endParaRPr lang="ko-KR" altLang="en-US"/>
           </a:p>
@@ -1983,7 +1984,7 @@
           <a:p>
             <a:fld id="{F9461951-D42A-489C-80F1-7A9460A9A55B}" type="datetimeFigureOut">
               <a:rPr lang="ko-KR" altLang="en-US" smtClean="0"/>
-              <a:t>2023-10-13</a:t>
+              <a:t>2023-11-07</a:t>
             </a:fld>
             <a:endParaRPr lang="ko-KR" altLang="en-US"/>
           </a:p>
@@ -2096,7 +2097,7 @@
           <a:p>
             <a:fld id="{F9461951-D42A-489C-80F1-7A9460A9A55B}" type="datetimeFigureOut">
               <a:rPr lang="ko-KR" altLang="en-US" smtClean="0"/>
-              <a:t>2023-10-13</a:t>
+              <a:t>2023-11-07</a:t>
             </a:fld>
             <a:endParaRPr lang="ko-KR" altLang="en-US"/>
           </a:p>
@@ -2407,7 +2408,7 @@
           <a:p>
             <a:fld id="{F9461951-D42A-489C-80F1-7A9460A9A55B}" type="datetimeFigureOut">
               <a:rPr lang="ko-KR" altLang="en-US" smtClean="0"/>
-              <a:t>2023-10-13</a:t>
+              <a:t>2023-11-07</a:t>
             </a:fld>
             <a:endParaRPr lang="ko-KR" altLang="en-US"/>
           </a:p>
@@ -2695,7 +2696,7 @@
           <a:p>
             <a:fld id="{F9461951-D42A-489C-80F1-7A9460A9A55B}" type="datetimeFigureOut">
               <a:rPr lang="ko-KR" altLang="en-US" smtClean="0"/>
-              <a:t>2023-10-13</a:t>
+              <a:t>2023-11-07</a:t>
             </a:fld>
             <a:endParaRPr lang="ko-KR" altLang="en-US"/>
           </a:p>
@@ -2936,7 +2937,7 @@
           <a:p>
             <a:fld id="{F9461951-D42A-489C-80F1-7A9460A9A55B}" type="datetimeFigureOut">
               <a:rPr lang="ko-KR" altLang="en-US" smtClean="0"/>
-              <a:t>2023-10-13</a:t>
+              <a:t>2023-11-07</a:t>
             </a:fld>
             <a:endParaRPr lang="ko-KR" altLang="en-US"/>
           </a:p>
@@ -6470,7 +6471,7 @@
           <p:cNvPr id="4" name="직사각형 3">
             <a:extLst>
               <a:ext uri="{FF2B5EF4-FFF2-40B4-BE49-F238E27FC236}">
-                <a16:creationId xmlns:a16="http://schemas.microsoft.com/office/drawing/2014/main" id="{59002BEC-4C13-8AD1-9409-3E88351A075A}"/>
+                <a16:creationId xmlns:a16="http://schemas.microsoft.com/office/drawing/2014/main" id="{8655BDC0-D635-1FB7-1A0B-1F1013D50789}"/>
               </a:ext>
             </a:extLst>
           </p:cNvPr>
@@ -6486,10 +6487,14 @@
             <a:avLst/>
           </a:prstGeom>
           <a:solidFill>
-            <a:srgbClr val="C00000"/>
+            <a:schemeClr val="bg1">
+              <a:lumMod val="95000"/>
+            </a:schemeClr>
           </a:solidFill>
           <a:ln w="25400">
-            <a:noFill/>
+            <a:solidFill>
+              <a:schemeClr val="tx1"/>
+            </a:solidFill>
           </a:ln>
           <a:effectLst/>
         </p:spPr>
@@ -6515,6 +6520,127 @@
           <a:p>
             <a:pPr algn="ctr"/>
             <a:r>
+              <a:rPr lang="en-US" altLang="ko-KR" sz="2800" dirty="0">
+                <a:solidFill>
+                  <a:schemeClr val="tx1">
+                    <a:lumMod val="75000"/>
+                    <a:lumOff val="25000"/>
+                  </a:schemeClr>
+                </a:solidFill>
+                <a:latin typeface="나눔고딕" panose="020D0604000000000000" pitchFamily="50" charset="-127"/>
+                <a:ea typeface="나눔고딕" panose="020D0604000000000000" pitchFamily="50" charset="-127"/>
+              </a:rPr>
+              <a:t>SHINOLIFE</a:t>
+            </a:r>
+          </a:p>
+          <a:p>
+            <a:pPr algn="ctr"/>
+            <a:r>
+              <a:rPr lang="ko-KR" altLang="en-US" sz="2800" b="1" dirty="0">
+                <a:solidFill>
+                  <a:schemeClr val="tx1">
+                    <a:lumMod val="75000"/>
+                    <a:lumOff val="25000"/>
+                  </a:schemeClr>
+                </a:solidFill>
+                <a:latin typeface="나눔고딕" panose="020D0604000000000000" pitchFamily="50" charset="-127"/>
+                <a:ea typeface="나눔고딕" panose="020D0604000000000000" pitchFamily="50" charset="-127"/>
+              </a:rPr>
+              <a:t>초보 임대업</a:t>
+            </a:r>
+            <a:endParaRPr lang="en-US" altLang="ko-KR" sz="2800" b="1" dirty="0">
+              <a:solidFill>
+                <a:schemeClr val="tx1">
+                  <a:lumMod val="75000"/>
+                  <a:lumOff val="25000"/>
+                </a:schemeClr>
+              </a:solidFill>
+              <a:latin typeface="나눔고딕" panose="020D0604000000000000" pitchFamily="50" charset="-127"/>
+              <a:ea typeface="나눔고딕" panose="020D0604000000000000" pitchFamily="50" charset="-127"/>
+            </a:endParaRPr>
+          </a:p>
+        </p:txBody>
+      </p:sp>
+    </p:spTree>
+    <p:extLst>
+      <p:ext uri="{BB962C8B-B14F-4D97-AF65-F5344CB8AC3E}">
+        <p14:creationId xmlns:p14="http://schemas.microsoft.com/office/powerpoint/2010/main" val="1814931289"/>
+      </p:ext>
+    </p:extLst>
+  </p:cSld>
+  <p:clrMapOvr>
+    <a:masterClrMapping/>
+  </p:clrMapOvr>
+</p:sld>
+</file>
+
+<file path=ppt/slides/slide28.xml><?xml version="1.0" encoding="utf-8"?>
+<p:sld xmlns:a="http://schemas.openxmlformats.org/drawingml/2006/main" xmlns:r="http://schemas.openxmlformats.org/officeDocument/2006/relationships" xmlns:p="http://schemas.openxmlformats.org/presentationml/2006/main">
+  <p:cSld>
+    <p:spTree>
+      <p:nvGrpSpPr>
+        <p:cNvPr id="1" name=""/>
+        <p:cNvGrpSpPr/>
+        <p:nvPr/>
+      </p:nvGrpSpPr>
+      <p:grpSpPr>
+        <a:xfrm>
+          <a:off x="0" y="0"/>
+          <a:ext cx="0" cy="0"/>
+          <a:chOff x="0" y="0"/>
+          <a:chExt cx="0" cy="0"/>
+        </a:xfrm>
+      </p:grpSpPr>
+      <p:sp>
+        <p:nvSpPr>
+          <p:cNvPr id="4" name="직사각형 3">
+            <a:extLst>
+              <a:ext uri="{FF2B5EF4-FFF2-40B4-BE49-F238E27FC236}">
+                <a16:creationId xmlns:a16="http://schemas.microsoft.com/office/drawing/2014/main" id="{59002BEC-4C13-8AD1-9409-3E88351A075A}"/>
+              </a:ext>
+            </a:extLst>
+          </p:cNvPr>
+          <p:cNvSpPr/>
+          <p:nvPr/>
+        </p:nvSpPr>
+        <p:spPr>
+          <a:xfrm>
+            <a:off x="4957202" y="2290202"/>
+            <a:ext cx="2277596" cy="2277596"/>
+          </a:xfrm>
+          <a:prstGeom prst="rect">
+            <a:avLst/>
+          </a:prstGeom>
+          <a:solidFill>
+            <a:srgbClr val="C00000"/>
+          </a:solidFill>
+          <a:ln w="25400">
+            <a:noFill/>
+          </a:ln>
+          <a:effectLst/>
+        </p:spPr>
+        <p:style>
+          <a:lnRef idx="2">
+            <a:schemeClr val="accent1">
+              <a:shade val="50000"/>
+            </a:schemeClr>
+          </a:lnRef>
+          <a:fillRef idx="1">
+            <a:schemeClr val="accent1"/>
+          </a:fillRef>
+          <a:effectRef idx="0">
+            <a:schemeClr val="accent1"/>
+          </a:effectRef>
+          <a:fontRef idx="minor">
+            <a:schemeClr val="lt1"/>
+          </a:fontRef>
+        </p:style>
+        <p:txBody>
+          <a:bodyPr rtlCol="0" anchor="ctr"/>
+          <a:lstStyle/>
+          <a:p>
+            <a:pPr algn="ctr"/>
+            <a:r>
               <a:rPr lang="ko-KR" altLang="en-US" sz="3200" b="1" dirty="0">
                 <a:solidFill>
                   <a:schemeClr val="bg1"/>
@@ -6570,7 +6696,7 @@
 </p:sld>
 </file>
 
-<file path=ppt/slides/slide28.xml><?xml version="1.0" encoding="utf-8"?>
+<file path=ppt/slides/slide29.xml><?xml version="1.0" encoding="utf-8"?>
 <p:sld xmlns:a="http://schemas.openxmlformats.org/drawingml/2006/main" xmlns:r="http://schemas.openxmlformats.org/officeDocument/2006/relationships" xmlns:p="http://schemas.openxmlformats.org/presentationml/2006/main">
   <p:cSld>
     <p:bg>
